--- a/doc/ivyscript reference.pptx
+++ b/doc/ivyscript reference.pptx
@@ -324,7 +324,7 @@
             <a:fld id="{08B3F974-BB90-4059-9901-8147A3A63439}" type="datetimeFigureOut">
               <a:rPr lang="en-US" smtClean="0"/>
               <a:pPr/>
-              <a:t>12/5/2018</a:t>
+              <a:t>6/17/2019</a:t>
             </a:fld>
             <a:endParaRPr lang="en-US" dirty="0"/>
           </a:p>
@@ -30460,7 +30460,7 @@
         <p:spPr>
           <a:xfrm>
             <a:off x="4047076" y="3299833"/>
-            <a:ext cx="4939975" cy="738664"/>
+            <a:ext cx="4939975" cy="553998"/>
           </a:xfrm>
         </p:spPr>
         <p:txBody>
@@ -30469,7 +30469,7 @@
           <a:p>
             <a:r>
               <a:rPr lang="en-US" dirty="0"/>
-              <a:t>2018-12-05</a:t>
+              <a:t>2019-06-06</a:t>
             </a:r>
           </a:p>
           <a:p>
@@ -30482,19 +30482,6 @@
                 <a:hlinkClick r:id="rId3"/>
               </a:rPr>
               <a:t>ian.vogelesang@hitachivantara.com</a:t>
-            </a:r>
-            <a:endParaRPr lang="en-US" sz="1200" dirty="0"/>
-          </a:p>
-          <a:p>
-            <a:r>
-              <a:rPr lang="en-US" sz="1200" dirty="0"/>
-              <a:t>Kumaran Subramaniam </a:t>
-            </a:r>
-            <a:r>
-              <a:rPr lang="en-US" sz="1200" dirty="0">
-                <a:hlinkClick r:id="rId4"/>
-              </a:rPr>
-              <a:t>kumaran.subramaniam@hitachivantara.com</a:t>
             </a:r>
             <a:endParaRPr lang="en-US" sz="1200" dirty="0"/>
           </a:p>
@@ -32353,11 +32340,18 @@
               <a:rPr lang="en-US" sz="2000" dirty="0"/>
             </a:br>
             <a:r>
+              <a:rPr lang="en-US" sz="2000" dirty="0" err="1">
+                <a:latin typeface="Courier New" panose="02070309020205020404" pitchFamily="49" charset="0"/>
+                <a:cs typeface="Courier New" panose="02070309020205020404" pitchFamily="49" charset="0"/>
+              </a:rPr>
+              <a:t>inklude</a:t>
+            </a:r>
+            <a:r>
               <a:rPr lang="en-US" sz="2000" dirty="0">
                 <a:latin typeface="Courier New" panose="02070309020205020404" pitchFamily="49" charset="0"/>
                 <a:cs typeface="Courier New" panose="02070309020205020404" pitchFamily="49" charset="0"/>
               </a:rPr>
-              <a:t>include </a:t>
+              <a:t> </a:t>
             </a:r>
             <a:r>
               <a:rPr lang="en-US" sz="2000" dirty="0" err="1">
@@ -32649,7 +32643,7 @@
         <p:spPr>
           <a:xfrm>
             <a:off x="264160" y="967575"/>
-            <a:ext cx="8584006" cy="3964162"/>
+            <a:ext cx="8584006" cy="3931846"/>
           </a:xfrm>
         </p:spPr>
         <p:txBody>
@@ -32666,22 +32660,16 @@
             </a:pPr>
             <a:r>
               <a:rPr lang="en-US" sz="1400" dirty="0">
-                <a:cs typeface="Courier New" pitchFamily="49" charset="0"/>
-              </a:rPr>
-              <a:t>“</a:t>
-            </a:r>
-            <a:r>
-              <a:rPr lang="en-US" sz="1400" dirty="0">
                 <a:latin typeface="Courier New" panose="02070309020205020404" pitchFamily="49" charset="0"/>
                 <a:cs typeface="Courier New" panose="02070309020205020404" pitchFamily="49" charset="0"/>
               </a:rPr>
-              <a:t>thing</a:t>
+              <a:t>"thing"</a:t>
             </a:r>
             <a:r>
               <a:rPr lang="en-US" sz="1400" dirty="0">
                 <a:cs typeface="Courier New" pitchFamily="49" charset="0"/>
               </a:rPr>
-              <a:t>” must be an identifier starting with a letter and continuing with letters, digits, and underscores _.</a:t>
+              <a:t> must be an identifier starting with a letter and continuing with letters, digits, and underscores</a:t>
             </a:r>
           </a:p>
           <a:p>
@@ -32694,104 +32682,170 @@
               </a:tabLst>
             </a:pPr>
             <a:r>
-              <a:rPr lang="en-US" sz="1200" dirty="0">
-                <a:latin typeface="Courier New" pitchFamily="49" charset="0"/>
-                <a:cs typeface="Courier New" pitchFamily="49" charset="0"/>
-              </a:rPr>
-              <a:t>“thing” </a:t>
-            </a:r>
-            <a:r>
-              <a:rPr lang="en-US" sz="1200" dirty="0">
-                <a:cs typeface="Courier New" pitchFamily="49" charset="0"/>
-              </a:rPr>
-              <a:t>names are normalized before examination by removing underscores and translating to lower case.</a:t>
+              <a:rPr lang="en-US" sz="1000" dirty="0">
+                <a:latin typeface="Courier New" pitchFamily="49" charset="0"/>
+                <a:cs typeface="Courier New" pitchFamily="49" charset="0"/>
+              </a:rPr>
+              <a:t>"thing" </a:t>
+            </a:r>
+            <a:r>
+              <a:rPr lang="en-US" sz="1000" dirty="0">
+                <a:cs typeface="Courier New" pitchFamily="49" charset="0"/>
+              </a:rPr>
+              <a:t>names are normalized before examination by removing underscores and translating to lower case, </a:t>
+            </a:r>
+            <a:br>
+              <a:rPr lang="en-US" sz="1000" dirty="0">
+                <a:cs typeface="Courier New" pitchFamily="49" charset="0"/>
+              </a:rPr>
+            </a:br>
+            <a:r>
+              <a:rPr lang="en-US" sz="1000" dirty="0">
+                <a:cs typeface="Courier New" pitchFamily="49" charset="0"/>
+              </a:rPr>
+              <a:t>that is, </a:t>
+            </a:r>
+            <a:r>
+              <a:rPr lang="en-US" sz="1000" dirty="0">
+                <a:latin typeface="Courier New" pitchFamily="49" charset="0"/>
+                <a:cs typeface="Courier New" pitchFamily="49" charset="0"/>
+              </a:rPr>
+              <a:t>"</a:t>
+            </a:r>
+            <a:r>
+              <a:rPr lang="en-US" sz="1000" dirty="0" err="1">
+                <a:latin typeface="Courier New" pitchFamily="49" charset="0"/>
+                <a:cs typeface="Courier New" pitchFamily="49" charset="0"/>
+              </a:rPr>
+              <a:t>outputFolderRoot</a:t>
+            </a:r>
+            <a:r>
+              <a:rPr lang="en-US" sz="1000" dirty="0">
+                <a:latin typeface="Courier New" pitchFamily="49" charset="0"/>
+                <a:cs typeface="Courier New" pitchFamily="49" charset="0"/>
+              </a:rPr>
+              <a:t>", "</a:t>
+            </a:r>
+            <a:r>
+              <a:rPr lang="en-US" sz="1000" dirty="0" err="1">
+                <a:latin typeface="Courier New" pitchFamily="49" charset="0"/>
+                <a:cs typeface="Courier New" pitchFamily="49" charset="0"/>
+              </a:rPr>
+              <a:t>output_Folder_Root</a:t>
+            </a:r>
+            <a:r>
+              <a:rPr lang="en-US" sz="1000" dirty="0">
+                <a:latin typeface="Courier New" pitchFamily="49" charset="0"/>
+                <a:cs typeface="Courier New" pitchFamily="49" charset="0"/>
+              </a:rPr>
+              <a:t>", </a:t>
+            </a:r>
+            <a:r>
+              <a:rPr lang="en-US" sz="1000" dirty="0">
+                <a:cs typeface="Courier New" pitchFamily="49" charset="0"/>
+              </a:rPr>
+              <a:t>and</a:t>
+            </a:r>
+            <a:r>
+              <a:rPr lang="en-US" sz="1000" dirty="0">
+                <a:latin typeface="Courier New" pitchFamily="49" charset="0"/>
+                <a:cs typeface="Courier New" pitchFamily="49" charset="0"/>
+              </a:rPr>
+              <a:t> "</a:t>
+            </a:r>
+            <a:r>
+              <a:rPr lang="en-US" sz="1000" dirty="0" err="1">
+                <a:latin typeface="Courier New" pitchFamily="49" charset="0"/>
+                <a:cs typeface="Courier New" pitchFamily="49" charset="0"/>
+              </a:rPr>
+              <a:t>output_folder_root</a:t>
+            </a:r>
+            <a:r>
+              <a:rPr lang="en-US" sz="1000" dirty="0">
+                <a:latin typeface="Courier New" pitchFamily="49" charset="0"/>
+                <a:cs typeface="Courier New" pitchFamily="49" charset="0"/>
+              </a:rPr>
+              <a:t>" </a:t>
+            </a:r>
+            <a:r>
+              <a:rPr lang="en-US" sz="1000" dirty="0">
+                <a:cs typeface="Courier New" pitchFamily="49" charset="0"/>
+              </a:rPr>
+              <a:t>are equivalent.</a:t>
             </a:r>
           </a:p>
           <a:p>
-            <a:pPr lvl="2">
+            <a:pPr>
+              <a:spcBef>
+                <a:spcPts val="900"/>
+              </a:spcBef>
               <a:spcAft>
                 <a:spcPts val="0"/>
               </a:spcAft>
               <a:tabLst>
-                <a:tab pos="4114800" algn="l"/>
+                <a:tab pos="3543300" algn="l"/>
               </a:tabLst>
             </a:pPr>
             <a:r>
-              <a:rPr lang="en-US" sz="1000" dirty="0">
-                <a:latin typeface="Courier New" pitchFamily="49" charset="0"/>
-                <a:cs typeface="Courier New" pitchFamily="49" charset="0"/>
-              </a:rPr>
-              <a:t>“</a:t>
-            </a:r>
-            <a:r>
-              <a:rPr lang="en-US" sz="1000" dirty="0" err="1">
-                <a:latin typeface="Courier New" pitchFamily="49" charset="0"/>
-                <a:cs typeface="Courier New" pitchFamily="49" charset="0"/>
-              </a:rPr>
-              <a:t>outputFolderRoot</a:t>
-            </a:r>
-            <a:r>
-              <a:rPr lang="en-US" sz="1000" dirty="0">
-                <a:latin typeface="Courier New" pitchFamily="49" charset="0"/>
-                <a:cs typeface="Courier New" pitchFamily="49" charset="0"/>
-              </a:rPr>
-              <a:t>”, “</a:t>
-            </a:r>
-            <a:r>
-              <a:rPr lang="en-US" sz="1000" dirty="0" err="1">
-                <a:latin typeface="Courier New" pitchFamily="49" charset="0"/>
-                <a:cs typeface="Courier New" pitchFamily="49" charset="0"/>
-              </a:rPr>
-              <a:t>output_Folder_Root</a:t>
-            </a:r>
-            <a:r>
-              <a:rPr lang="en-US" sz="1000" dirty="0">
-                <a:latin typeface="Courier New" pitchFamily="49" charset="0"/>
-                <a:cs typeface="Courier New" pitchFamily="49" charset="0"/>
-              </a:rPr>
-              <a:t>”, </a:t>
-            </a:r>
-            <a:r>
-              <a:rPr lang="en-US" sz="1000" dirty="0">
-                <a:cs typeface="Courier New" pitchFamily="49" charset="0"/>
-              </a:rPr>
-              <a:t>and</a:t>
-            </a:r>
-            <a:r>
-              <a:rPr lang="en-US" sz="1000" dirty="0">
-                <a:latin typeface="Courier New" pitchFamily="49" charset="0"/>
-                <a:cs typeface="Courier New" pitchFamily="49" charset="0"/>
-              </a:rPr>
-              <a:t> “</a:t>
-            </a:r>
-            <a:r>
-              <a:rPr lang="en-US" sz="1000" dirty="0" err="1">
-                <a:latin typeface="Courier New" pitchFamily="49" charset="0"/>
-                <a:cs typeface="Courier New" pitchFamily="49" charset="0"/>
-              </a:rPr>
-              <a:t>output_folder_root</a:t>
-            </a:r>
-            <a:r>
-              <a:rPr lang="en-US" sz="1000" dirty="0">
-                <a:latin typeface="Courier New" pitchFamily="49" charset="0"/>
-                <a:cs typeface="Courier New" pitchFamily="49" charset="0"/>
-              </a:rPr>
-              <a:t>” </a:t>
-            </a:r>
-            <a:r>
-              <a:rPr lang="en-US" sz="1000" dirty="0">
-                <a:cs typeface="Courier New" pitchFamily="49" charset="0"/>
-              </a:rPr>
-              <a:t>are equivalent.</a:t>
+              <a:rPr lang="en-US" sz="1200" dirty="0" err="1">
+                <a:latin typeface="Courier New" pitchFamily="49" charset="0"/>
+                <a:cs typeface="Courier New" pitchFamily="49" charset="0"/>
+              </a:rPr>
+              <a:t>ivy_engine_get</a:t>
+            </a:r>
+            <a:r>
+              <a:rPr lang="en-US" sz="1200" dirty="0">
+                <a:latin typeface="Courier New" pitchFamily="49" charset="0"/>
+                <a:cs typeface="Courier New" pitchFamily="49" charset="0"/>
+              </a:rPr>
+              <a:t>("</a:t>
+            </a:r>
+            <a:r>
+              <a:rPr lang="en-US" sz="1200" dirty="0" err="1">
+                <a:latin typeface="Courier New" pitchFamily="49" charset="0"/>
+                <a:cs typeface="Courier New" pitchFamily="49" charset="0"/>
+              </a:rPr>
+              <a:t>summary_csv</a:t>
+            </a:r>
+            <a:r>
+              <a:rPr lang="en-US" sz="1200" dirty="0">
+                <a:latin typeface="Courier New" pitchFamily="49" charset="0"/>
+                <a:cs typeface="Courier New" pitchFamily="49" charset="0"/>
+              </a:rPr>
+              <a:t>")	</a:t>
+            </a:r>
+            <a:r>
+              <a:rPr lang="en-US" sz="1200" dirty="0">
+                <a:cs typeface="Courier New" pitchFamily="49" charset="0"/>
+              </a:rPr>
+              <a:t>gets </a:t>
+            </a:r>
+            <a:r>
+              <a:rPr lang="en-US" sz="1200" dirty="0"/>
+              <a:t>the </a:t>
+            </a:r>
+            <a:r>
+              <a:rPr lang="en-US" sz="1200" dirty="0">
+                <a:latin typeface="Courier New" panose="02070309020205020404" pitchFamily="49" charset="0"/>
+                <a:cs typeface="Courier New" panose="02070309020205020404" pitchFamily="49" charset="0"/>
+              </a:rPr>
+              <a:t>"all=all"</a:t>
+            </a:r>
+            <a:r>
+              <a:rPr lang="en-US" sz="1200" dirty="0"/>
+              <a:t> summary csv filename</a:t>
             </a:r>
           </a:p>
           <a:p>
             <a:pPr>
+              <a:spcBef>
+                <a:spcPts val="900"/>
+              </a:spcBef>
               <a:spcAft>
                 <a:spcPts val="0"/>
               </a:spcAft>
               <a:tabLst>
-                <a:tab pos="4114800" algn="l"/>
+                <a:tab pos="3543300" algn="l"/>
               </a:tabLst>
             </a:pPr>
             <a:r>
@@ -32806,7 +32860,7 @@
                 <a:latin typeface="Courier New" pitchFamily="49" charset="0"/>
                 <a:cs typeface="Courier New" pitchFamily="49" charset="0"/>
               </a:rPr>
-              <a:t>(“</a:t>
+              <a:t>("</a:t>
             </a:r>
             <a:r>
               <a:rPr lang="en-US" sz="1200" dirty="0" err="1">
@@ -32820,7 +32874,7 @@
                 <a:latin typeface="Courier New" pitchFamily="49" charset="0"/>
                 <a:cs typeface="Courier New" pitchFamily="49" charset="0"/>
               </a:rPr>
-              <a:t>”)	</a:t>
+              <a:t>")	</a:t>
             </a:r>
             <a:r>
               <a:rPr lang="en-US" sz="1200" dirty="0"/>
@@ -32869,11 +32923,14 @@
           </a:p>
           <a:p>
             <a:pPr>
+              <a:spcBef>
+                <a:spcPts val="900"/>
+              </a:spcBef>
               <a:spcAft>
                 <a:spcPts val="0"/>
               </a:spcAft>
               <a:tabLst>
-                <a:tab pos="4114800" algn="l"/>
+                <a:tab pos="3543300" algn="l"/>
               </a:tabLst>
             </a:pPr>
             <a:r>
@@ -32888,7 +32945,7 @@
                 <a:latin typeface="Courier New" pitchFamily="49" charset="0"/>
                 <a:cs typeface="Courier New" pitchFamily="49" charset="0"/>
               </a:rPr>
-              <a:t>(“</a:t>
+              <a:t>("</a:t>
             </a:r>
             <a:r>
               <a:rPr lang="en-US" sz="1200" dirty="0" err="1">
@@ -32902,33 +32959,18 @@
                 <a:latin typeface="Courier New" pitchFamily="49" charset="0"/>
                 <a:cs typeface="Courier New" pitchFamily="49" charset="0"/>
               </a:rPr>
-              <a:t>”)	</a:t>
+              <a:t>")	</a:t>
             </a:r>
             <a:r>
               <a:rPr lang="en-US" sz="1200" dirty="0"/>
-              <a:t>root part of </a:t>
-            </a:r>
-            <a:r>
-              <a:rPr lang="en-US" sz="1200" dirty="0" err="1"/>
-              <a:t>ivyscript</a:t>
-            </a:r>
-            <a:r>
-              <a:rPr lang="en-US" sz="1200" dirty="0"/>
-              <a:t> file without </a:t>
+              <a:t>root part of ivyscript file without </a:t>
             </a:r>
             <a:r>
               <a:rPr lang="en-US" sz="1200" dirty="0">
                 <a:latin typeface="Courier New" pitchFamily="49" charset="0"/>
                 <a:cs typeface="Courier New" pitchFamily="49" charset="0"/>
               </a:rPr>
-              <a:t>.</a:t>
-            </a:r>
-            <a:r>
-              <a:rPr lang="en-US" sz="1200" dirty="0" err="1">
-                <a:latin typeface="Courier New" pitchFamily="49" charset="0"/>
-                <a:cs typeface="Courier New" pitchFamily="49" charset="0"/>
-              </a:rPr>
-              <a:t>ivyscript</a:t>
+              <a:t>.ivyscript</a:t>
             </a:r>
             <a:r>
               <a:rPr lang="en-US" sz="1200" dirty="0"/>
@@ -32937,11 +32979,14 @@
           </a:p>
           <a:p>
             <a:pPr>
+              <a:spcBef>
+                <a:spcPts val="900"/>
+              </a:spcBef>
               <a:spcAft>
                 <a:spcPts val="0"/>
               </a:spcAft>
               <a:tabLst>
-                <a:tab pos="4114800" algn="l"/>
+                <a:tab pos="3543300" algn="l"/>
               </a:tabLst>
             </a:pPr>
             <a:r>
@@ -32956,7 +33001,7 @@
                 <a:latin typeface="Courier New" pitchFamily="49" charset="0"/>
                 <a:cs typeface="Courier New" pitchFamily="49" charset="0"/>
               </a:rPr>
-              <a:t>(“</a:t>
+              <a:t>("</a:t>
             </a:r>
             <a:r>
               <a:rPr lang="en-US" sz="1200" dirty="0" err="1">
@@ -32970,53 +33015,63 @@
                 <a:latin typeface="Courier New" pitchFamily="49" charset="0"/>
                 <a:cs typeface="Courier New" pitchFamily="49" charset="0"/>
               </a:rPr>
-              <a:t>”)	</a:t>
+              <a:t>")	</a:t>
             </a:r>
             <a:r>
               <a:rPr lang="en-US" sz="1200" dirty="0"/>
               <a:t>gets the filename</a:t>
             </a:r>
-            <a:br>
+          </a:p>
+          <a:p>
+            <a:pPr>
+              <a:spcBef>
+                <a:spcPts val="900"/>
+              </a:spcBef>
+              <a:spcAft>
+                <a:spcPts val="0"/>
+              </a:spcAft>
+              <a:tabLst>
+                <a:tab pos="4168775" algn="l"/>
+              </a:tabLst>
+            </a:pPr>
+            <a:r>
+              <a:rPr lang="en-US" sz="1200" dirty="0" err="1">
+                <a:latin typeface="Courier New" pitchFamily="49" charset="0"/>
+                <a:cs typeface="Courier New" pitchFamily="49" charset="0"/>
+              </a:rPr>
+              <a:t>ivy_engine_set</a:t>
+            </a:r>
+            <a:r>
+              <a:rPr lang="en-US" sz="1200" dirty="0">
+                <a:latin typeface="Courier New" pitchFamily="49" charset="0"/>
+                <a:cs typeface="Courier New" pitchFamily="49" charset="0"/>
+              </a:rPr>
+              <a:t>("</a:t>
+            </a:r>
+            <a:r>
+              <a:rPr lang="en-US" sz="1200" dirty="0" err="1">
+                <a:latin typeface="Courier New" pitchFamily="49" charset="0"/>
+                <a:cs typeface="Courier New" pitchFamily="49" charset="0"/>
+              </a:rPr>
+              <a:t>masterlogfile</a:t>
+            </a:r>
+            <a:r>
+              <a:rPr lang="en-US" sz="1200" dirty="0">
+                <a:latin typeface="Courier New" pitchFamily="49" charset="0"/>
+                <a:cs typeface="Courier New" pitchFamily="49" charset="0"/>
+              </a:rPr>
+              <a:t>","message")	</a:t>
+            </a:r>
+            <a:r>
               <a:rPr lang="en-US" sz="1200" dirty="0"/>
-            </a:br>
-            <a:r>
-              <a:rPr lang="en-US" sz="1200" dirty="0" err="1">
-                <a:latin typeface="Courier New" pitchFamily="49" charset="0"/>
-                <a:cs typeface="Courier New" pitchFamily="49" charset="0"/>
-              </a:rPr>
-              <a:t>ivy_engine_set</a:t>
+              <a:t>writes a timestamp and "</a:t>
             </a:r>
             <a:r>
               <a:rPr lang="en-US" sz="1200" dirty="0">
                 <a:latin typeface="Courier New" pitchFamily="49" charset="0"/>
                 <a:cs typeface="Courier New" pitchFamily="49" charset="0"/>
               </a:rPr>
-              <a:t>(“</a:t>
-            </a:r>
-            <a:r>
-              <a:rPr lang="en-US" sz="1200" dirty="0" err="1">
-                <a:latin typeface="Courier New" pitchFamily="49" charset="0"/>
-                <a:cs typeface="Courier New" pitchFamily="49" charset="0"/>
-              </a:rPr>
-              <a:t>masterlogfile</a:t>
-            </a:r>
-            <a:r>
-              <a:rPr lang="en-US" sz="1200" dirty="0">
-                <a:latin typeface="Courier New" pitchFamily="49" charset="0"/>
-                <a:cs typeface="Courier New" pitchFamily="49" charset="0"/>
-              </a:rPr>
-              <a:t>”,”message”)	</a:t>
-            </a:r>
-            <a:r>
-              <a:rPr lang="en-US" sz="1200" dirty="0"/>
-              <a:t>writes a timestamp and </a:t>
-            </a:r>
-            <a:r>
-              <a:rPr lang="en-US" sz="1200" dirty="0">
-                <a:latin typeface="Courier New" pitchFamily="49" charset="0"/>
-                <a:cs typeface="Courier New" pitchFamily="49" charset="0"/>
-              </a:rPr>
-              <a:t>”message”</a:t>
+              <a:t>message"</a:t>
             </a:r>
             <a:r>
               <a:rPr lang="en-US" sz="1200" dirty="0"/>
@@ -33029,11 +33084,14 @@
           </a:p>
           <a:p>
             <a:pPr>
+              <a:spcBef>
+                <a:spcPts val="900"/>
+              </a:spcBef>
               <a:spcAft>
                 <a:spcPts val="0"/>
               </a:spcAft>
               <a:tabLst>
-                <a:tab pos="4114800" algn="l"/>
+                <a:tab pos="3543300" algn="l"/>
               </a:tabLst>
             </a:pPr>
             <a:r>
@@ -33048,7 +33106,7 @@
                 <a:latin typeface="Courier New" pitchFamily="49" charset="0"/>
                 <a:cs typeface="Courier New" pitchFamily="49" charset="0"/>
               </a:rPr>
-              <a:t>(“</a:t>
+              <a:t>("</a:t>
             </a:r>
             <a:r>
               <a:rPr lang="en-US" sz="1200" dirty="0" err="1">
@@ -33062,7 +33120,7 @@
                 <a:latin typeface="Courier New" pitchFamily="49" charset="0"/>
                 <a:cs typeface="Courier New" pitchFamily="49" charset="0"/>
               </a:rPr>
-              <a:t>”)	</a:t>
+              <a:t>")	</a:t>
             </a:r>
             <a:r>
               <a:rPr lang="en-US" sz="1200" dirty="0"/>
@@ -33071,11 +33129,14 @@
           </a:p>
           <a:p>
             <a:pPr>
+              <a:spcBef>
+                <a:spcPts val="900"/>
+              </a:spcBef>
               <a:spcAft>
                 <a:spcPts val="0"/>
               </a:spcAft>
               <a:tabLst>
-                <a:tab pos="4114800" algn="l"/>
+                <a:tab pos="3543300" algn="l"/>
               </a:tabLst>
             </a:pPr>
             <a:r>
@@ -33090,7 +33151,7 @@
                 <a:latin typeface="Courier New" pitchFamily="49" charset="0"/>
                 <a:cs typeface="Courier New" pitchFamily="49" charset="0"/>
               </a:rPr>
-              <a:t>(“</a:t>
+              <a:t>("</a:t>
             </a:r>
             <a:r>
               <a:rPr lang="en-US" sz="1200" dirty="0" err="1">
@@ -33104,7 +33165,7 @@
                 <a:latin typeface="Courier New" pitchFamily="49" charset="0"/>
                 <a:cs typeface="Courier New" pitchFamily="49" charset="0"/>
               </a:rPr>
-              <a:t>”)	</a:t>
+              <a:t>")	</a:t>
             </a:r>
             <a:r>
               <a:rPr lang="en-US" sz="1200" dirty="0"/>
@@ -33113,11 +33174,14 @@
           </a:p>
           <a:p>
             <a:pPr>
+              <a:spcBef>
+                <a:spcPts val="900"/>
+              </a:spcBef>
               <a:spcAft>
                 <a:spcPts val="0"/>
               </a:spcAft>
               <a:tabLst>
-                <a:tab pos="4114800" algn="l"/>
+                <a:tab pos="3543300" algn="l"/>
               </a:tabLst>
             </a:pPr>
             <a:r>
@@ -33132,7 +33196,7 @@
                 <a:latin typeface="Courier New" pitchFamily="49" charset="0"/>
                 <a:cs typeface="Courier New" pitchFamily="49" charset="0"/>
               </a:rPr>
-              <a:t>(“</a:t>
+              <a:t>("</a:t>
             </a:r>
             <a:r>
               <a:rPr lang="en-US" sz="1200" dirty="0" err="1">
@@ -33146,7 +33210,7 @@
                 <a:latin typeface="Courier New" pitchFamily="49" charset="0"/>
                 <a:cs typeface="Courier New" pitchFamily="49" charset="0"/>
               </a:rPr>
-              <a:t>”)	</a:t>
+              <a:t>")	</a:t>
             </a:r>
             <a:r>
               <a:rPr lang="en-US" sz="1200" dirty="0"/>
@@ -33155,11 +33219,14 @@
           </a:p>
           <a:p>
             <a:pPr>
+              <a:spcBef>
+                <a:spcPts val="900"/>
+              </a:spcBef>
               <a:spcAft>
                 <a:spcPts val="0"/>
               </a:spcAft>
               <a:tabLst>
-                <a:tab pos="4114800" algn="l"/>
+                <a:tab pos="3543300" algn="l"/>
               </a:tabLst>
             </a:pPr>
             <a:r>
@@ -33174,7 +33241,7 @@
                 <a:latin typeface="Courier New" pitchFamily="49" charset="0"/>
                 <a:cs typeface="Courier New" pitchFamily="49" charset="0"/>
               </a:rPr>
-              <a:t>(“</a:t>
+              <a:t>("</a:t>
             </a:r>
             <a:r>
               <a:rPr lang="en-US" sz="1200" dirty="0" err="1">
@@ -33188,7 +33255,7 @@
                 <a:latin typeface="Courier New" pitchFamily="49" charset="0"/>
                 <a:cs typeface="Courier New" pitchFamily="49" charset="0"/>
               </a:rPr>
-              <a:t>”)	</a:t>
+              <a:t>")	</a:t>
             </a:r>
             <a:r>
               <a:rPr lang="en-US" sz="1200" dirty="0"/>
@@ -33205,11 +33272,14 @@
           </a:p>
           <a:p>
             <a:pPr>
+              <a:spcBef>
+                <a:spcPts val="900"/>
+              </a:spcBef>
               <a:spcAft>
                 <a:spcPts val="0"/>
               </a:spcAft>
               <a:tabLst>
-                <a:tab pos="4114800" algn="l"/>
+                <a:tab pos="3543300" algn="l"/>
               </a:tabLst>
             </a:pPr>
             <a:r>
@@ -33224,7 +33294,7 @@
                 <a:latin typeface="Courier New" pitchFamily="49" charset="0"/>
                 <a:cs typeface="Courier New" pitchFamily="49" charset="0"/>
               </a:rPr>
-              <a:t>(“</a:t>
+              <a:t>("</a:t>
             </a:r>
             <a:r>
               <a:rPr lang="en-US" sz="1200" dirty="0" err="1">
@@ -33238,7 +33308,7 @@
                 <a:latin typeface="Courier New" pitchFamily="49" charset="0"/>
                 <a:cs typeface="Courier New" pitchFamily="49" charset="0"/>
               </a:rPr>
-              <a:t>”)	</a:t>
+              <a:t>")	</a:t>
             </a:r>
             <a:r>
               <a:rPr lang="en-US" sz="1200" dirty="0"/>
@@ -33269,11 +33339,14 @@
           </a:p>
           <a:p>
             <a:pPr>
+              <a:spcBef>
+                <a:spcPts val="900"/>
+              </a:spcBef>
               <a:spcAft>
                 <a:spcPts val="0"/>
               </a:spcAft>
               <a:tabLst>
-                <a:tab pos="4114800" algn="l"/>
+                <a:tab pos="3543300" algn="l"/>
               </a:tabLst>
             </a:pPr>
             <a:r>
@@ -33288,7 +33361,7 @@
                 <a:latin typeface="Courier New" pitchFamily="49" charset="0"/>
                 <a:cs typeface="Courier New" pitchFamily="49" charset="0"/>
               </a:rPr>
-              <a:t>(“</a:t>
+              <a:t>("</a:t>
             </a:r>
             <a:r>
               <a:rPr lang="en-US" sz="1200" dirty="0" err="1">
@@ -33302,7 +33375,7 @@
                 <a:latin typeface="Courier New" pitchFamily="49" charset="0"/>
                 <a:cs typeface="Courier New" pitchFamily="49" charset="0"/>
               </a:rPr>
-              <a:t>”)	</a:t>
+              <a:t>")	</a:t>
             </a:r>
             <a:r>
               <a:rPr lang="en-US" sz="1200" dirty="0"/>
@@ -33340,8 +33413,14 @@
                 <a:latin typeface="Courier New" pitchFamily="49" charset="0"/>
                 <a:cs typeface="Courier New" pitchFamily="49" charset="0"/>
               </a:rPr>
-              <a:t>(“thing”) </a:t>
-            </a:r>
+              <a:t>("thing") </a:t>
+            </a:r>
+            <a:br>
+              <a:rPr lang="en-US" dirty="0">
+                <a:latin typeface="Courier New" pitchFamily="49" charset="0"/>
+                <a:cs typeface="Courier New" pitchFamily="49" charset="0"/>
+              </a:rPr>
+            </a:br>
             <a:r>
               <a:rPr lang="en-US" dirty="0" err="1">
                 <a:latin typeface="Courier New" pitchFamily="49" charset="0"/>
@@ -33354,7 +33433,21 @@
                 <a:latin typeface="Courier New" pitchFamily="49" charset="0"/>
                 <a:cs typeface="Courier New" pitchFamily="49" charset="0"/>
               </a:rPr>
-              <a:t>(“thing”, “value”)</a:t>
+              <a:t>("</a:t>
+            </a:r>
+            <a:r>
+              <a:rPr lang="en-US" dirty="0" err="1">
+                <a:latin typeface="Courier New" pitchFamily="49" charset="0"/>
+                <a:cs typeface="Courier New" pitchFamily="49" charset="0"/>
+              </a:rPr>
+              <a:t>thing","value</a:t>
+            </a:r>
+            <a:r>
+              <a:rPr lang="en-US" dirty="0">
+                <a:latin typeface="Courier New" pitchFamily="49" charset="0"/>
+                <a:cs typeface="Courier New" pitchFamily="49" charset="0"/>
+              </a:rPr>
+              <a:t>")</a:t>
             </a:r>
             <a:endParaRPr lang="en-US" dirty="0"/>
           </a:p>

--- a/doc/ivyscript reference.pptx
+++ b/doc/ivyscript reference.pptx
@@ -324,7 +324,7 @@
             <a:fld id="{08B3F974-BB90-4059-9901-8147A3A63439}" type="datetimeFigureOut">
               <a:rPr lang="en-US" smtClean="0"/>
               <a:pPr/>
-              <a:t>6/17/2019</a:t>
+              <a:t>9/19/2019</a:t>
             </a:fld>
             <a:endParaRPr lang="en-US" dirty="0"/>
           </a:p>
@@ -545,7 +545,6 @@
           <a:ln>
             <a:noFill/>
           </a:ln>
-          <a:extLst/>
         </p:spPr>
         <p:txBody>
           <a:bodyPr vert="horz" wrap="square" lIns="91440" tIns="45720" rIns="91440" bIns="45720" numCol="1" anchor="t" anchorCtr="0" compatLnSpc="1">
@@ -5608,7 +5607,6 @@
               <a:headEnd/>
               <a:tailEnd/>
             </a:ln>
-            <a:extLst/>
           </p:spPr>
           <p:txBody>
             <a:bodyPr vert="horz" wrap="square" lIns="91440" tIns="45720" rIns="91440" bIns="45720" numCol="1" anchor="ctr" anchorCtr="0" compatLnSpc="1">
@@ -30469,7 +30467,7 @@
           <a:p>
             <a:r>
               <a:rPr lang="en-US" dirty="0"/>
-              <a:t>2019-06-06</a:t>
+              <a:t>2019-09-19</a:t>
             </a:r>
           </a:p>
           <a:p>
@@ -33886,44 +33884,17 @@
                   </a:schemeClr>
                 </a:solidFill>
               </a:rPr>
-              <a:t>you can </a:t>
-            </a:r>
-            <a:r>
-              <a:rPr lang="en-US" sz="1200" dirty="0">
-                <a:solidFill>
-                  <a:schemeClr val="bg1">
-                    <a:lumMod val="65000"/>
-                  </a:schemeClr>
-                </a:solidFill>
-                <a:latin typeface="Courier New" pitchFamily="49" charset="0"/>
-                <a:cs typeface="Courier New" pitchFamily="49" charset="0"/>
-              </a:rPr>
-              <a:t>log(</a:t>
-            </a:r>
-            <a:r>
-              <a:rPr lang="en-US" sz="1200" dirty="0" err="1">
-                <a:solidFill>
-                  <a:schemeClr val="bg1">
-                    <a:lumMod val="65000"/>
-                  </a:schemeClr>
-                </a:solidFill>
-                <a:latin typeface="Courier New" pitchFamily="49" charset="0"/>
-                <a:cs typeface="Courier New" pitchFamily="49" charset="0"/>
-              </a:rPr>
-              <a:t>masterlogfile</a:t>
-            </a:r>
-            <a:r>
-              <a:rPr lang="en-US" sz="1200" dirty="0">
-                <a:solidFill>
-                  <a:schemeClr val="bg1">
-                    <a:lumMod val="65000"/>
-                  </a:schemeClr>
-                </a:solidFill>
-                <a:latin typeface="Courier New" pitchFamily="49" charset="0"/>
-                <a:cs typeface="Courier New" pitchFamily="49" charset="0"/>
-              </a:rPr>
-              <a:t>(), "message\n");</a:t>
-            </a:r>
+              <a:t>ivy master log filename</a:t>
+            </a:r>
+            <a:endParaRPr lang="en-US" sz="1200" dirty="0">
+              <a:solidFill>
+                <a:schemeClr val="bg1">
+                  <a:lumMod val="65000"/>
+                </a:schemeClr>
+              </a:solidFill>
+              <a:latin typeface="Courier New" pitchFamily="49" charset="0"/>
+              <a:cs typeface="Courier New" pitchFamily="49" charset="0"/>
+            </a:endParaRPr>
           </a:p>
           <a:p>
             <a:pPr>
@@ -37471,7 +37442,7 @@
         <p:spPr>
           <a:xfrm>
             <a:off x="264160" y="967575"/>
-            <a:ext cx="8584006" cy="3906711"/>
+            <a:ext cx="8584006" cy="3520964"/>
           </a:xfrm>
         </p:spPr>
         <p:txBody>
@@ -37579,25 +37550,18 @@
           </a:p>
           <a:p>
             <a:r>
-              <a:rPr lang="en-US" sz="1600" dirty="0" err="1">
-                <a:latin typeface="Courier New" pitchFamily="49" charset="0"/>
-                <a:cs typeface="Courier New" pitchFamily="49" charset="0"/>
-              </a:rPr>
-              <a:t>int</a:t>
-            </a:r>
-            <a:r>
               <a:rPr lang="en-US" sz="1600" dirty="0">
                 <a:latin typeface="Courier New" pitchFamily="49" charset="0"/>
                 <a:cs typeface="Courier New" pitchFamily="49" charset="0"/>
               </a:rPr>
-              <a:t> log(string filename, string s)</a:t>
+              <a:t>int log(string s)</a:t>
             </a:r>
           </a:p>
           <a:p>
             <a:pPr lvl="1"/>
             <a:r>
               <a:rPr lang="en-US" sz="1600" dirty="0"/>
-              <a:t>Writes a timestamp prefix before the string, and adds terminating newline if the last line in </a:t>
+              <a:t>Writes to the ivy master log file, adding a timestamp prefix before the string, and adds terminating newline if the last line in </a:t>
             </a:r>
             <a:r>
               <a:rPr lang="en-US" sz="1600" dirty="0">
@@ -37612,75 +37576,19 @@
             </a:r>
           </a:p>
           <a:p>
-            <a:pPr lvl="1"/>
-            <a:r>
-              <a:rPr lang="en-US" sz="1600" dirty="0"/>
-              <a:t>E.g. </a:t>
+            <a:r>
+              <a:rPr lang="en-US" sz="1600" dirty="0" err="1">
+                <a:latin typeface="Courier New" pitchFamily="49" charset="0"/>
+                <a:cs typeface="Courier New" pitchFamily="49" charset="0"/>
+              </a:rPr>
+              <a:t>trace_evaluate</a:t>
             </a:r>
             <a:r>
               <a:rPr lang="en-US" sz="1600" dirty="0">
                 <a:latin typeface="Courier New" pitchFamily="49" charset="0"/>
                 <a:cs typeface="Courier New" pitchFamily="49" charset="0"/>
               </a:rPr>
-              <a:t>log(</a:t>
-            </a:r>
-            <a:r>
-              <a:rPr lang="en-US" sz="1600" dirty="0" err="1">
-                <a:latin typeface="Courier New" pitchFamily="49" charset="0"/>
-                <a:cs typeface="Courier New" pitchFamily="49" charset="0"/>
-              </a:rPr>
-              <a:t>ivy_engine_get</a:t>
-            </a:r>
-            <a:r>
-              <a:rPr lang="en-US" sz="1600" dirty="0">
-                <a:latin typeface="Courier New" pitchFamily="49" charset="0"/>
-                <a:cs typeface="Courier New" pitchFamily="49" charset="0"/>
-              </a:rPr>
-              <a:t>("</a:t>
-            </a:r>
-            <a:r>
-              <a:rPr lang="en-US" sz="1600" dirty="0" err="1">
-                <a:latin typeface="Courier New" pitchFamily="49" charset="0"/>
-                <a:cs typeface="Courier New" pitchFamily="49" charset="0"/>
-              </a:rPr>
-              <a:t>masterlogfile</a:t>
-            </a:r>
-            <a:r>
-              <a:rPr lang="en-US" sz="1600" dirty="0">
-                <a:latin typeface="Courier New" pitchFamily="49" charset="0"/>
-                <a:cs typeface="Courier New" pitchFamily="49" charset="0"/>
-              </a:rPr>
-              <a:t>"),"message");</a:t>
-            </a:r>
-          </a:p>
-          <a:p>
-            <a:r>
-              <a:rPr lang="en-US" sz="1600" dirty="0" err="1">
-                <a:latin typeface="Courier New" pitchFamily="49" charset="0"/>
-                <a:cs typeface="Courier New" pitchFamily="49" charset="0"/>
-              </a:rPr>
-              <a:t>trace_evaluate</a:t>
-            </a:r>
-            <a:r>
-              <a:rPr lang="en-US" sz="1600" dirty="0">
-                <a:latin typeface="Courier New" pitchFamily="49" charset="0"/>
-                <a:cs typeface="Courier New" pitchFamily="49" charset="0"/>
-              </a:rPr>
-              <a:t>(</a:t>
-            </a:r>
-            <a:r>
-              <a:rPr lang="en-US" sz="1600" dirty="0" err="1">
-                <a:latin typeface="Courier New" pitchFamily="49" charset="0"/>
-                <a:cs typeface="Courier New" pitchFamily="49" charset="0"/>
-              </a:rPr>
-              <a:t>int</a:t>
-            </a:r>
-            <a:r>
-              <a:rPr lang="en-US" sz="1600" dirty="0">
-                <a:latin typeface="Courier New" pitchFamily="49" charset="0"/>
-                <a:cs typeface="Courier New" pitchFamily="49" charset="0"/>
-              </a:rPr>
-              <a:t>)</a:t>
+              <a:t>(int)</a:t>
             </a:r>
           </a:p>
           <a:p>

--- a/doc/ivyscript reference.pptx
+++ b/doc/ivyscript reference.pptx
@@ -324,7 +324,7 @@
             <a:fld id="{08B3F974-BB90-4059-9901-8147A3A63439}" type="datetimeFigureOut">
               <a:rPr lang="en-US" smtClean="0"/>
               <a:pPr/>
-              <a:t>9/19/2019</a:t>
+              <a:t>9/20/2019</a:t>
             </a:fld>
             <a:endParaRPr lang="en-US" dirty="0"/>
           </a:p>
@@ -30467,7 +30467,7 @@
           <a:p>
             <a:r>
               <a:rPr lang="en-US" dirty="0"/>
-              <a:t>2019-09-19</a:t>
+              <a:t>2019-09-20</a:t>
             </a:r>
           </a:p>
           <a:p>
@@ -40331,7 +40331,7 @@
               <a:rPr lang="en-US" sz="2000" dirty="0">
                 <a:cs typeface="Courier New" pitchFamily="49" charset="0"/>
               </a:rPr>
-              <a:t>Raw strings start and end with %%.  Use this for JSON and you won’t need to escape the double-quote characters.  </a:t>
+              <a:t>Raw strings start with &lt;&lt; and end with &gt;&gt;.  Use this for JSON and you won’t need to escape the double-quote characters.  </a:t>
             </a:r>
           </a:p>
           <a:p>
@@ -40339,18 +40339,36 @@
               <a:buNone/>
             </a:pPr>
             <a:r>
-              <a:rPr lang="en-US" sz="1800" dirty="0">
+              <a:rPr lang="en-US" sz="1800">
                 <a:cs typeface="Courier New" pitchFamily="49" charset="0"/>
               </a:rPr>
               <a:t>     </a:t>
+            </a:r>
+            <a:r>
+              <a:rPr lang="en-US" sz="1800">
+                <a:latin typeface="Courier New" panose="02070309020205020404" pitchFamily="49" charset="0"/>
+                <a:cs typeface="Courier New" panose="02070309020205020404" pitchFamily="49" charset="0"/>
+              </a:rPr>
+              <a:t>&lt;&lt; </a:t>
             </a:r>
             <a:r>
               <a:rPr lang="en-US" sz="1800" dirty="0">
                 <a:latin typeface="Courier New" panose="02070309020205020404" pitchFamily="49" charset="0"/>
                 <a:cs typeface="Courier New" panose="02070309020205020404" pitchFamily="49" charset="0"/>
               </a:rPr>
-              <a:t>%% { "port" : "1A", "LDEV" : "00:FF" } %% </a:t>
-            </a:r>
+              <a:t>{ "port" : "1A", "LDEV" : "00:FF" </a:t>
+            </a:r>
+            <a:r>
+              <a:rPr lang="en-US" sz="1800">
+                <a:latin typeface="Courier New" panose="02070309020205020404" pitchFamily="49" charset="0"/>
+                <a:cs typeface="Courier New" panose="02070309020205020404" pitchFamily="49" charset="0"/>
+              </a:rPr>
+              <a:t>} &gt;&gt; </a:t>
+            </a:r>
+            <a:endParaRPr lang="en-US" sz="1800" dirty="0">
+              <a:latin typeface="Courier New" panose="02070309020205020404" pitchFamily="49" charset="0"/>
+              <a:cs typeface="Courier New" panose="02070309020205020404" pitchFamily="49" charset="0"/>
+            </a:endParaRPr>
           </a:p>
         </p:txBody>
       </p:sp>

--- a/doc/ivyscript reference.pptx
+++ b/doc/ivyscript reference.pptx
@@ -324,7 +324,7 @@
             <a:fld id="{08B3F974-BB90-4059-9901-8147A3A63439}" type="datetimeFigureOut">
               <a:rPr lang="en-US" smtClean="0"/>
               <a:pPr/>
-              <a:t>9/20/2019</a:t>
+              <a:t>9/23/2019</a:t>
             </a:fld>
             <a:endParaRPr lang="en-US" dirty="0"/>
           </a:p>
@@ -37787,15 +37787,15 @@
             </a:r>
             <a:r>
               <a:rPr lang="en-US" sz="1600" dirty="0"/>
-              <a:t> to fire up </a:t>
-            </a:r>
-            <a:r>
-              <a:rPr lang="en-US" sz="1600" dirty="0" err="1"/>
-              <a:t>ivyslave</a:t>
+              <a:t> to fire </a:t>
+            </a:r>
+            <a:r>
+              <a:rPr lang="en-US" sz="1600"/>
+              <a:t>up ivydriver </a:t>
             </a:r>
             <a:r>
               <a:rPr lang="en-US" sz="1600" dirty="0"/>
-              <a:t> and </a:t>
+              <a:t>and </a:t>
             </a:r>
             <a:r>
               <a:rPr lang="en-US" sz="1600" dirty="0" err="1"/>

--- a/doc/ivyscript reference.pptx
+++ b/doc/ivyscript reference.pptx
@@ -5,10 +5,10 @@
     <p:sldMasterId id="2147483648" r:id="rId1"/>
   </p:sldMasterIdLst>
   <p:notesMasterIdLst>
-    <p:notesMasterId r:id="rId43"/>
+    <p:notesMasterId r:id="rId44"/>
   </p:notesMasterIdLst>
   <p:handoutMasterIdLst>
-    <p:handoutMasterId r:id="rId44"/>
+    <p:handoutMasterId r:id="rId45"/>
   </p:handoutMasterIdLst>
   <p:sldIdLst>
     <p:sldId id="309" r:id="rId2"/>
@@ -33,30 +33,31 @@
     <p:sldId id="487" r:id="rId21"/>
     <p:sldId id="327" r:id="rId22"/>
     <p:sldId id="393" r:id="rId23"/>
-    <p:sldId id="488" r:id="rId24"/>
-    <p:sldId id="328" r:id="rId25"/>
-    <p:sldId id="391" r:id="rId26"/>
-    <p:sldId id="437" r:id="rId27"/>
-    <p:sldId id="395" r:id="rId28"/>
-    <p:sldId id="397" r:id="rId29"/>
-    <p:sldId id="392" r:id="rId30"/>
-    <p:sldId id="396" r:id="rId31"/>
-    <p:sldId id="326" r:id="rId32"/>
-    <p:sldId id="394" r:id="rId33"/>
-    <p:sldId id="471" r:id="rId34"/>
-    <p:sldId id="329" r:id="rId35"/>
-    <p:sldId id="333" r:id="rId36"/>
-    <p:sldId id="335" r:id="rId37"/>
-    <p:sldId id="336" r:id="rId38"/>
-    <p:sldId id="337" r:id="rId39"/>
-    <p:sldId id="338" r:id="rId40"/>
-    <p:sldId id="339" r:id="rId41"/>
-    <p:sldId id="306" r:id="rId42"/>
+    <p:sldId id="489" r:id="rId24"/>
+    <p:sldId id="488" r:id="rId25"/>
+    <p:sldId id="328" r:id="rId26"/>
+    <p:sldId id="391" r:id="rId27"/>
+    <p:sldId id="437" r:id="rId28"/>
+    <p:sldId id="395" r:id="rId29"/>
+    <p:sldId id="397" r:id="rId30"/>
+    <p:sldId id="392" r:id="rId31"/>
+    <p:sldId id="396" r:id="rId32"/>
+    <p:sldId id="326" r:id="rId33"/>
+    <p:sldId id="394" r:id="rId34"/>
+    <p:sldId id="471" r:id="rId35"/>
+    <p:sldId id="329" r:id="rId36"/>
+    <p:sldId id="333" r:id="rId37"/>
+    <p:sldId id="335" r:id="rId38"/>
+    <p:sldId id="336" r:id="rId39"/>
+    <p:sldId id="337" r:id="rId40"/>
+    <p:sldId id="338" r:id="rId41"/>
+    <p:sldId id="339" r:id="rId42"/>
+    <p:sldId id="306" r:id="rId43"/>
   </p:sldIdLst>
   <p:sldSz cx="9144000" cy="5143500" type="screen16x9"/>
   <p:notesSz cx="6858000" cy="9144000"/>
   <p:custDataLst>
-    <p:tags r:id="rId45"/>
+    <p:tags r:id="rId46"/>
   </p:custDataLst>
   <p:defaultTextStyle>
     <a:defPPr>
@@ -324,7 +325,7 @@
             <a:fld id="{08B3F974-BB90-4059-9901-8147A3A63439}" type="datetimeFigureOut">
               <a:rPr lang="en-US" smtClean="0"/>
               <a:pPr/>
-              <a:t>9/23/2019</a:t>
+              <a:t>9/30/2019</a:t>
             </a:fld>
             <a:endParaRPr lang="en-US" dirty="0"/>
           </a:p>
@@ -30467,7 +30468,7 @@
           <a:p>
             <a:r>
               <a:rPr lang="en-US" dirty="0"/>
-              <a:t>2019-09-20</a:t>
+              <a:t>2019-09-30</a:t>
             </a:r>
           </a:p>
           <a:p>
@@ -33490,7 +33491,13 @@
       </p:grpSpPr>
       <p:sp>
         <p:nvSpPr>
-          <p:cNvPr id="2" name="Content Placeholder 1"/>
+          <p:cNvPr id="2" name="Content Placeholder 1">
+            <a:extLst>
+              <a:ext uri="{FF2B5EF4-FFF2-40B4-BE49-F238E27FC236}">
+                <a16:creationId xmlns:a16="http://schemas.microsoft.com/office/drawing/2014/main" id="{2E03355B-E18B-47FC-9496-73963F829383}"/>
+              </a:ext>
+            </a:extLst>
+          </p:cNvPr>
           <p:cNvSpPr>
             <a:spLocks noGrp="1"/>
           </p:cNvSpPr>
@@ -33501,825 +33508,189 @@
         <p:spPr>
           <a:xfrm>
             <a:off x="264160" y="967575"/>
-            <a:ext cx="8584006" cy="3939540"/>
+            <a:ext cx="8584006" cy="3831818"/>
           </a:xfrm>
         </p:spPr>
         <p:txBody>
           <a:bodyPr/>
           <a:lstStyle/>
           <a:p>
-            <a:pPr>
-              <a:spcAft>
-                <a:spcPts val="0"/>
-              </a:spcAft>
-              <a:tabLst>
-                <a:tab pos="4114800" algn="l"/>
-              </a:tabLst>
-            </a:pPr>
-            <a:r>
-              <a:rPr lang="en-US" sz="1400" dirty="0">
-                <a:cs typeface="Courier New" pitchFamily="49" charset="0"/>
-              </a:rPr>
-              <a:t>The following </a:t>
-            </a:r>
-            <a:r>
-              <a:rPr lang="en-US" sz="1400" dirty="0" err="1">
-                <a:cs typeface="Courier New" pitchFamily="49" charset="0"/>
-              </a:rPr>
-              <a:t>ivyscript</a:t>
-            </a:r>
-            <a:r>
-              <a:rPr lang="en-US" sz="1400" dirty="0">
-                <a:cs typeface="Courier New" pitchFamily="49" charset="0"/>
-              </a:rPr>
-              <a:t> </a:t>
-            </a:r>
-            <a:r>
-              <a:rPr lang="en-US" sz="1400" dirty="0" err="1">
-                <a:cs typeface="Courier New" pitchFamily="49" charset="0"/>
-              </a:rPr>
-              <a:t>builtin</a:t>
-            </a:r>
-            <a:r>
-              <a:rPr lang="en-US" sz="1400" dirty="0">
-                <a:cs typeface="Courier New" pitchFamily="49" charset="0"/>
-              </a:rPr>
-              <a:t> functions still work, but users are encouraged to switch over to using the equivalent calls to </a:t>
-            </a:r>
-            <a:r>
-              <a:rPr lang="en-US" sz="1400" dirty="0" err="1">
-                <a:latin typeface="Courier New" pitchFamily="49" charset="0"/>
-                <a:cs typeface="Courier New" pitchFamily="49" charset="0"/>
+            <a:r>
+              <a:rPr lang="en-US" sz="1800" dirty="0" err="1">
+                <a:latin typeface="Courier New" panose="02070309020205020404" pitchFamily="49" charset="0"/>
+                <a:cs typeface="Courier New" panose="02070309020205020404" pitchFamily="49" charset="0"/>
               </a:rPr>
               <a:t>ivy_engine_get</a:t>
             </a:r>
             <a:r>
-              <a:rPr lang="en-US" sz="1400" dirty="0">
-                <a:latin typeface="Courier New" pitchFamily="49" charset="0"/>
-                <a:cs typeface="Courier New" pitchFamily="49" charset="0"/>
-              </a:rPr>
-              <a:t>(“thing”) </a:t>
-            </a:r>
-            <a:r>
-              <a:rPr lang="en-US" sz="1400" dirty="0">
-                <a:cs typeface="Courier New" pitchFamily="49" charset="0"/>
-              </a:rPr>
-              <a:t>and</a:t>
-            </a:r>
-            <a:r>
-              <a:rPr lang="en-US" sz="1400" dirty="0">
-                <a:latin typeface="Courier New" pitchFamily="49" charset="0"/>
-                <a:cs typeface="Courier New" pitchFamily="49" charset="0"/>
-              </a:rPr>
-              <a:t> </a:t>
-            </a:r>
-            <a:r>
-              <a:rPr lang="en-US" sz="1400" dirty="0" err="1">
-                <a:latin typeface="Courier New" pitchFamily="49" charset="0"/>
-                <a:cs typeface="Courier New" pitchFamily="49" charset="0"/>
+              <a:rPr lang="en-US" sz="1800" dirty="0">
+                <a:latin typeface="Courier New" panose="02070309020205020404" pitchFamily="49" charset="0"/>
+                <a:cs typeface="Courier New" panose="02070309020205020404" pitchFamily="49" charset="0"/>
+              </a:rPr>
+              <a:t>("</a:t>
+            </a:r>
+            <a:r>
+              <a:rPr lang="en-US" sz="1800" dirty="0" err="1">
+                <a:latin typeface="Courier New" panose="02070309020205020404" pitchFamily="49" charset="0"/>
+                <a:cs typeface="Courier New" panose="02070309020205020404" pitchFamily="49" charset="0"/>
+              </a:rPr>
+              <a:t>achieved_IOPS_tolerance</a:t>
+            </a:r>
+            <a:r>
+              <a:rPr lang="en-US" sz="1800" dirty="0">
+                <a:latin typeface="Courier New" panose="02070309020205020404" pitchFamily="49" charset="0"/>
+                <a:cs typeface="Courier New" panose="02070309020205020404" pitchFamily="49" charset="0"/>
+              </a:rPr>
+              <a:t>")</a:t>
+            </a:r>
+            <a:br>
+              <a:rPr lang="en-US" sz="1800" dirty="0">
+                <a:latin typeface="Courier New" panose="02070309020205020404" pitchFamily="49" charset="0"/>
+                <a:cs typeface="Courier New" panose="02070309020205020404" pitchFamily="49" charset="0"/>
+              </a:rPr>
+            </a:br>
+            <a:r>
+              <a:rPr lang="en-US" sz="1800" dirty="0" err="1">
+                <a:latin typeface="Courier New" panose="02070309020205020404" pitchFamily="49" charset="0"/>
+                <a:cs typeface="Courier New" panose="02070309020205020404" pitchFamily="49" charset="0"/>
               </a:rPr>
               <a:t>ivy_engine_set</a:t>
             </a:r>
             <a:r>
-              <a:rPr lang="en-US" sz="1400" dirty="0">
-                <a:latin typeface="Courier New" pitchFamily="49" charset="0"/>
-                <a:cs typeface="Courier New" pitchFamily="49" charset="0"/>
-              </a:rPr>
-              <a:t>(“thing”, “value”) </a:t>
+              <a:rPr lang="en-US" sz="1800" dirty="0">
+                <a:latin typeface="Courier New" panose="02070309020205020404" pitchFamily="49" charset="0"/>
+                <a:cs typeface="Courier New" panose="02070309020205020404" pitchFamily="49" charset="0"/>
+              </a:rPr>
+              <a:t>("achieved_IOPS_tolerance","0.1%")</a:t>
             </a:r>
           </a:p>
           <a:p>
-            <a:pPr>
-              <a:spcAft>
-                <a:spcPts val="0"/>
-              </a:spcAft>
-              <a:tabLst>
-                <a:tab pos="4114800" algn="l"/>
-              </a:tabLst>
-            </a:pPr>
-            <a:r>
-              <a:rPr lang="en-US" sz="1400" dirty="0">
-                <a:solidFill>
-                  <a:schemeClr val="bg1">
-                    <a:lumMod val="65000"/>
-                  </a:schemeClr>
-                </a:solidFill>
-                <a:latin typeface="Courier New" pitchFamily="49" charset="0"/>
-                <a:cs typeface="Courier New" pitchFamily="49" charset="0"/>
-              </a:rPr>
-              <a:t>string </a:t>
-            </a:r>
-            <a:r>
-              <a:rPr lang="en-US" sz="1400" dirty="0" err="1">
-                <a:solidFill>
-                  <a:schemeClr val="bg1">
-                    <a:lumMod val="65000"/>
-                  </a:schemeClr>
-                </a:solidFill>
-                <a:latin typeface="Courier New" pitchFamily="49" charset="0"/>
-                <a:cs typeface="Courier New" pitchFamily="49" charset="0"/>
-              </a:rPr>
-              <a:t>outputFolderRoot</a:t>
-            </a:r>
-            <a:r>
-              <a:rPr lang="en-US" sz="1400" dirty="0">
-                <a:solidFill>
-                  <a:schemeClr val="bg1">
-                    <a:lumMod val="65000"/>
-                  </a:schemeClr>
-                </a:solidFill>
-                <a:latin typeface="Courier New" pitchFamily="49" charset="0"/>
-                <a:cs typeface="Courier New" pitchFamily="49" charset="0"/>
-              </a:rPr>
-              <a:t>();	</a:t>
-            </a:r>
-            <a:r>
-              <a:rPr lang="en-US" sz="1200" dirty="0">
-                <a:solidFill>
-                  <a:schemeClr val="bg1">
-                    <a:lumMod val="65000"/>
-                  </a:schemeClr>
-                </a:solidFill>
-              </a:rPr>
-              <a:t>from </a:t>
-            </a:r>
-            <a:r>
-              <a:rPr lang="en-US" sz="1200" dirty="0">
-                <a:solidFill>
-                  <a:schemeClr val="bg1">
-                    <a:lumMod val="65000"/>
-                  </a:schemeClr>
-                </a:solidFill>
+            <a:r>
+              <a:rPr lang="en-US" sz="1800" dirty="0">
+                <a:cs typeface="Courier New" panose="02070309020205020404" pitchFamily="49" charset="0"/>
+              </a:rPr>
+              <a:t>When running at a specific IOPS numeric value (that is, not running </a:t>
+            </a:r>
+            <a:r>
+              <a:rPr lang="en-US" sz="1800" dirty="0">
                 <a:latin typeface="Courier New" panose="02070309020205020404" pitchFamily="49" charset="0"/>
                 <a:cs typeface="Courier New" panose="02070309020205020404" pitchFamily="49" charset="0"/>
               </a:rPr>
-              <a:t>[</a:t>
-            </a:r>
-            <a:r>
-              <a:rPr lang="en-US" sz="1200" dirty="0" err="1">
-                <a:solidFill>
-                  <a:schemeClr val="bg1">
-                    <a:lumMod val="65000"/>
-                  </a:schemeClr>
-                </a:solidFill>
+              <a:t>IOPS=max</a:t>
+            </a:r>
+            <a:r>
+              <a:rPr lang="en-US" sz="1800" dirty="0">
+                <a:cs typeface="Courier New" panose="02070309020205020404" pitchFamily="49" charset="0"/>
+              </a:rPr>
+              <a:t>), the measurement will be marked "invalid" if the achieved IOPS is more than </a:t>
+            </a:r>
+            <a:r>
+              <a:rPr lang="en-US" sz="1800" dirty="0" err="1">
                 <a:latin typeface="Courier New" panose="02070309020205020404" pitchFamily="49" charset="0"/>
                 <a:cs typeface="Courier New" panose="02070309020205020404" pitchFamily="49" charset="0"/>
               </a:rPr>
-              <a:t>OutputFolderRoot</a:t>
-            </a:r>
-            <a:r>
-              <a:rPr lang="en-US" sz="1200" dirty="0">
-                <a:solidFill>
-                  <a:schemeClr val="bg1">
-                    <a:lumMod val="65000"/>
-                  </a:schemeClr>
-                </a:solidFill>
+              <a:t>achieved_IOPS_tolerance</a:t>
+            </a:r>
+            <a:r>
+              <a:rPr lang="en-US" sz="1800" dirty="0">
+                <a:cs typeface="Courier New" panose="02070309020205020404" pitchFamily="49" charset="0"/>
+              </a:rPr>
+              <a:t> different from the (rollup instance's) </a:t>
+            </a:r>
+            <a:r>
+              <a:rPr lang="en-US" sz="1800" dirty="0" err="1">
                 <a:latin typeface="Courier New" panose="02070309020205020404" pitchFamily="49" charset="0"/>
                 <a:cs typeface="Courier New" panose="02070309020205020404" pitchFamily="49" charset="0"/>
               </a:rPr>
-              <a:t>]</a:t>
-            </a:r>
-            <a:r>
-              <a:rPr lang="en-US" sz="1200" dirty="0">
-                <a:solidFill>
-                  <a:schemeClr val="bg1">
-                    <a:lumMod val="65000"/>
-                  </a:schemeClr>
-                </a:solidFill>
-              </a:rPr>
-              <a:t> statement – default "</a:t>
-            </a:r>
-            <a:r>
-              <a:rPr lang="en-US" sz="1200" dirty="0">
-                <a:solidFill>
-                  <a:schemeClr val="bg1">
-                    <a:lumMod val="65000"/>
-                  </a:schemeClr>
-                </a:solidFill>
+              <a:t>Total_IOPS</a:t>
+            </a:r>
+            <a:r>
+              <a:rPr lang="en-US" sz="1800" dirty="0">
+                <a:cs typeface="Courier New" panose="02070309020205020404" pitchFamily="49" charset="0"/>
+              </a:rPr>
+              <a:t> setting.</a:t>
+            </a:r>
+          </a:p>
+          <a:p>
+            <a:r>
+              <a:rPr lang="en-US" sz="1800" dirty="0">
+                <a:cs typeface="Courier New" panose="02070309020205020404" pitchFamily="49" charset="0"/>
+              </a:rPr>
+              <a:t>This is also the criterion that determines when to stop a </a:t>
+            </a:r>
+            <a:r>
+              <a:rPr lang="en-US" sz="1800" dirty="0">
                 <a:latin typeface="Courier New" panose="02070309020205020404" pitchFamily="49" charset="0"/>
                 <a:cs typeface="Courier New" panose="02070309020205020404" pitchFamily="49" charset="0"/>
               </a:rPr>
-              <a:t>.</a:t>
-            </a:r>
-            <a:r>
-              <a:rPr lang="en-US" sz="1200" dirty="0">
-                <a:solidFill>
-                  <a:schemeClr val="bg1">
-                    <a:lumMod val="65000"/>
-                  </a:schemeClr>
-                </a:solidFill>
-              </a:rPr>
-              <a:t>"</a:t>
-            </a:r>
-            <a:endParaRPr lang="en-US" sz="1200" dirty="0">
-              <a:solidFill>
-                <a:schemeClr val="bg1">
-                  <a:lumMod val="65000"/>
-                </a:schemeClr>
-              </a:solidFill>
-              <a:latin typeface="Courier New" pitchFamily="49" charset="0"/>
-              <a:cs typeface="Courier New" pitchFamily="49" charset="0"/>
-            </a:endParaRPr>
+              <a:t>DFC=</a:t>
+            </a:r>
+            <a:r>
+              <a:rPr lang="en-US" sz="1800" dirty="0" err="1">
+                <a:latin typeface="Courier New" panose="02070309020205020404" pitchFamily="49" charset="0"/>
+                <a:cs typeface="Courier New" panose="02070309020205020404" pitchFamily="49" charset="0"/>
+              </a:rPr>
+              <a:t>IOPS_staircase</a:t>
+            </a:r>
+            <a:r>
+              <a:rPr lang="en-US" sz="1800" dirty="0">
+                <a:cs typeface="Courier New" panose="02070309020205020404" pitchFamily="49" charset="0"/>
+              </a:rPr>
+              <a:t> run to saturation that doesn't specify an </a:t>
+            </a:r>
+            <a:r>
+              <a:rPr lang="en-US" sz="1800" dirty="0" err="1">
+                <a:latin typeface="Courier New" panose="02070309020205020404" pitchFamily="49" charset="0"/>
+                <a:cs typeface="Courier New" panose="02070309020205020404" pitchFamily="49" charset="0"/>
+              </a:rPr>
+              <a:t>ending_IOPS</a:t>
+            </a:r>
+            <a:r>
+              <a:rPr lang="en-US" sz="1800" dirty="0">
+                <a:cs typeface="Courier New" panose="02070309020205020404" pitchFamily="49" charset="0"/>
+              </a:rPr>
+              <a:t> or equivalent.  The staircase will stop after a step that fails to achieve its IOPS setting.</a:t>
+            </a:r>
           </a:p>
           <a:p>
-            <a:pPr>
-              <a:spcAft>
-                <a:spcPts val="0"/>
-              </a:spcAft>
-              <a:tabLst>
-                <a:tab pos="4114800" algn="l"/>
-              </a:tabLst>
-            </a:pPr>
-            <a:r>
-              <a:rPr lang="en-US" sz="1400" dirty="0">
-                <a:solidFill>
-                  <a:schemeClr val="bg1">
-                    <a:lumMod val="65000"/>
-                  </a:schemeClr>
-                </a:solidFill>
-                <a:latin typeface="Courier New" pitchFamily="49" charset="0"/>
-                <a:cs typeface="Courier New" pitchFamily="49" charset="0"/>
-              </a:rPr>
-              <a:t>string </a:t>
-            </a:r>
-            <a:r>
-              <a:rPr lang="en-US" sz="1400" dirty="0" err="1">
-                <a:solidFill>
-                  <a:schemeClr val="bg1">
-                    <a:lumMod val="65000"/>
-                  </a:schemeClr>
-                </a:solidFill>
-                <a:latin typeface="Courier New" pitchFamily="49" charset="0"/>
-                <a:cs typeface="Courier New" pitchFamily="49" charset="0"/>
-              </a:rPr>
-              <a:t>testName</a:t>
-            </a:r>
-            <a:r>
-              <a:rPr lang="en-US" sz="1400" dirty="0">
-                <a:solidFill>
-                  <a:schemeClr val="bg1">
-                    <a:lumMod val="65000"/>
-                  </a:schemeClr>
-                </a:solidFill>
-                <a:latin typeface="Courier New" pitchFamily="49" charset="0"/>
-                <a:cs typeface="Courier New" pitchFamily="49" charset="0"/>
-              </a:rPr>
-              <a:t>();	</a:t>
-            </a:r>
-            <a:r>
-              <a:rPr lang="en-US" sz="1200" dirty="0">
-                <a:solidFill>
-                  <a:schemeClr val="bg1">
-                    <a:lumMod val="65000"/>
-                  </a:schemeClr>
-                </a:solidFill>
-              </a:rPr>
-              <a:t>root part of </a:t>
-            </a:r>
-            <a:r>
-              <a:rPr lang="en-US" sz="1200" dirty="0" err="1">
-                <a:solidFill>
-                  <a:schemeClr val="bg1">
-                    <a:lumMod val="65000"/>
-                  </a:schemeClr>
-                </a:solidFill>
-              </a:rPr>
-              <a:t>ivyscript</a:t>
-            </a:r>
-            <a:r>
-              <a:rPr lang="en-US" sz="1200" dirty="0">
-                <a:solidFill>
-                  <a:schemeClr val="bg1">
-                    <a:lumMod val="65000"/>
-                  </a:schemeClr>
-                </a:solidFill>
-              </a:rPr>
-              <a:t> file without </a:t>
-            </a:r>
-            <a:r>
-              <a:rPr lang="en-US" sz="1200" dirty="0">
-                <a:solidFill>
-                  <a:schemeClr val="bg1">
-                    <a:lumMod val="65000"/>
-                  </a:schemeClr>
-                </a:solidFill>
-                <a:latin typeface="Courier New" pitchFamily="49" charset="0"/>
-                <a:cs typeface="Courier New" pitchFamily="49" charset="0"/>
-              </a:rPr>
-              <a:t>.</a:t>
-            </a:r>
-            <a:r>
-              <a:rPr lang="en-US" sz="1200" dirty="0" err="1">
-                <a:solidFill>
-                  <a:schemeClr val="bg1">
-                    <a:lumMod val="65000"/>
-                  </a:schemeClr>
-                </a:solidFill>
-                <a:latin typeface="Courier New" pitchFamily="49" charset="0"/>
-                <a:cs typeface="Courier New" pitchFamily="49" charset="0"/>
-              </a:rPr>
-              <a:t>ivyscript</a:t>
-            </a:r>
-            <a:r>
-              <a:rPr lang="en-US" sz="1200" dirty="0">
-                <a:solidFill>
-                  <a:schemeClr val="bg1">
-                    <a:lumMod val="65000"/>
-                  </a:schemeClr>
-                </a:solidFill>
-              </a:rPr>
-              <a:t> suffix</a:t>
-            </a:r>
-          </a:p>
-          <a:p>
-            <a:pPr>
-              <a:spcAft>
-                <a:spcPts val="0"/>
-              </a:spcAft>
-              <a:tabLst>
-                <a:tab pos="4114800" algn="l"/>
-              </a:tabLst>
-            </a:pPr>
-            <a:r>
-              <a:rPr lang="en-US" sz="1400" dirty="0">
-                <a:solidFill>
-                  <a:schemeClr val="bg1">
-                    <a:lumMod val="65000"/>
-                  </a:schemeClr>
-                </a:solidFill>
-                <a:latin typeface="Courier New" pitchFamily="49" charset="0"/>
-                <a:cs typeface="Courier New" pitchFamily="49" charset="0"/>
-              </a:rPr>
-              <a:t>string </a:t>
-            </a:r>
-            <a:r>
-              <a:rPr lang="en-US" sz="1400" dirty="0" err="1">
-                <a:solidFill>
-                  <a:schemeClr val="bg1">
-                    <a:lumMod val="65000"/>
-                  </a:schemeClr>
-                </a:solidFill>
-                <a:latin typeface="Courier New" pitchFamily="49" charset="0"/>
-                <a:cs typeface="Courier New" pitchFamily="49" charset="0"/>
-              </a:rPr>
-              <a:t>masterlogfile</a:t>
-            </a:r>
-            <a:r>
-              <a:rPr lang="en-US" sz="1400" dirty="0">
-                <a:solidFill>
-                  <a:schemeClr val="bg1">
-                    <a:lumMod val="65000"/>
-                  </a:schemeClr>
-                </a:solidFill>
-                <a:latin typeface="Courier New" pitchFamily="49" charset="0"/>
-                <a:cs typeface="Courier New" pitchFamily="49" charset="0"/>
-              </a:rPr>
-              <a:t>();	</a:t>
-            </a:r>
-            <a:r>
-              <a:rPr lang="en-US" sz="1200" dirty="0">
-                <a:solidFill>
-                  <a:schemeClr val="bg1">
-                    <a:lumMod val="65000"/>
-                  </a:schemeClr>
-                </a:solidFill>
-              </a:rPr>
-              <a:t>ivy master log filename</a:t>
-            </a:r>
-            <a:endParaRPr lang="en-US" sz="1200" dirty="0">
-              <a:solidFill>
-                <a:schemeClr val="bg1">
-                  <a:lumMod val="65000"/>
-                </a:schemeClr>
-              </a:solidFill>
-              <a:latin typeface="Courier New" pitchFamily="49" charset="0"/>
-              <a:cs typeface="Courier New" pitchFamily="49" charset="0"/>
-            </a:endParaRPr>
-          </a:p>
-          <a:p>
-            <a:pPr>
-              <a:spcAft>
-                <a:spcPts val="0"/>
-              </a:spcAft>
-              <a:tabLst>
-                <a:tab pos="4114800" algn="l"/>
-              </a:tabLst>
-            </a:pPr>
-            <a:r>
-              <a:rPr lang="en-US" sz="1400" dirty="0">
-                <a:solidFill>
-                  <a:schemeClr val="bg1">
-                    <a:lumMod val="65000"/>
-                  </a:schemeClr>
-                </a:solidFill>
-                <a:latin typeface="Courier New" pitchFamily="49" charset="0"/>
-                <a:cs typeface="Courier New" pitchFamily="49" charset="0"/>
-              </a:rPr>
-              <a:t>string </a:t>
-            </a:r>
-            <a:r>
-              <a:rPr lang="en-US" sz="1400" dirty="0" err="1">
-                <a:solidFill>
-                  <a:schemeClr val="bg1">
-                    <a:lumMod val="65000"/>
-                  </a:schemeClr>
-                </a:solidFill>
-                <a:latin typeface="Courier New" pitchFamily="49" charset="0"/>
-                <a:cs typeface="Courier New" pitchFamily="49" charset="0"/>
-              </a:rPr>
-              <a:t>testFolder</a:t>
-            </a:r>
-            <a:r>
-              <a:rPr lang="en-US" sz="1400" dirty="0">
-                <a:solidFill>
-                  <a:schemeClr val="bg1">
-                    <a:lumMod val="65000"/>
-                  </a:schemeClr>
-                </a:solidFill>
-                <a:latin typeface="Courier New" pitchFamily="49" charset="0"/>
-                <a:cs typeface="Courier New" pitchFamily="49" charset="0"/>
-              </a:rPr>
-              <a:t>();	</a:t>
-            </a:r>
-            <a:r>
-              <a:rPr lang="en-US" sz="1200" dirty="0">
-                <a:solidFill>
-                  <a:schemeClr val="bg1">
-                    <a:lumMod val="65000"/>
-                  </a:schemeClr>
-                </a:solidFill>
-              </a:rPr>
-              <a:t>root folder for output from this run</a:t>
-            </a:r>
-          </a:p>
-          <a:p>
-            <a:pPr>
-              <a:spcAft>
-                <a:spcPts val="0"/>
-              </a:spcAft>
-              <a:tabLst>
-                <a:tab pos="4114800" algn="l"/>
-              </a:tabLst>
-            </a:pPr>
-            <a:r>
-              <a:rPr lang="en-US" sz="1400" dirty="0">
-                <a:solidFill>
-                  <a:schemeClr val="bg1">
-                    <a:lumMod val="65000"/>
-                  </a:schemeClr>
-                </a:solidFill>
-                <a:latin typeface="Courier New" pitchFamily="49" charset="0"/>
-                <a:cs typeface="Courier New" pitchFamily="49" charset="0"/>
-              </a:rPr>
-              <a:t>string </a:t>
-            </a:r>
-            <a:r>
-              <a:rPr lang="en-US" sz="1400" dirty="0" err="1">
-                <a:solidFill>
-                  <a:schemeClr val="bg1">
-                    <a:lumMod val="65000"/>
-                  </a:schemeClr>
-                </a:solidFill>
-                <a:latin typeface="Courier New" pitchFamily="49" charset="0"/>
-                <a:cs typeface="Courier New" pitchFamily="49" charset="0"/>
-              </a:rPr>
-              <a:t>stepNNNN</a:t>
-            </a:r>
-            <a:r>
-              <a:rPr lang="en-US" sz="1400" dirty="0">
-                <a:solidFill>
-                  <a:schemeClr val="bg1">
-                    <a:lumMod val="65000"/>
-                  </a:schemeClr>
-                </a:solidFill>
-                <a:latin typeface="Courier New" pitchFamily="49" charset="0"/>
-                <a:cs typeface="Courier New" pitchFamily="49" charset="0"/>
-              </a:rPr>
-              <a:t>();	</a:t>
-            </a:r>
-            <a:r>
-              <a:rPr lang="en-US" sz="1200" dirty="0">
-                <a:solidFill>
-                  <a:schemeClr val="bg1">
-                    <a:lumMod val="65000"/>
-                  </a:schemeClr>
-                </a:solidFill>
-              </a:rPr>
-              <a:t>from most recent [Go!], e.g. step0002</a:t>
-            </a:r>
-          </a:p>
-          <a:p>
-            <a:pPr>
-              <a:spcAft>
-                <a:spcPts val="0"/>
-              </a:spcAft>
-              <a:tabLst>
-                <a:tab pos="4114800" algn="l"/>
-              </a:tabLst>
-            </a:pPr>
-            <a:r>
-              <a:rPr lang="en-US" sz="1400" dirty="0">
-                <a:solidFill>
-                  <a:schemeClr val="bg1">
-                    <a:lumMod val="65000"/>
-                  </a:schemeClr>
-                </a:solidFill>
-                <a:latin typeface="Courier New" pitchFamily="49" charset="0"/>
-                <a:cs typeface="Courier New" pitchFamily="49" charset="0"/>
-              </a:rPr>
-              <a:t>string </a:t>
-            </a:r>
-            <a:r>
-              <a:rPr lang="en-US" sz="1400" dirty="0" err="1">
-                <a:solidFill>
-                  <a:schemeClr val="bg1">
-                    <a:lumMod val="65000"/>
-                  </a:schemeClr>
-                </a:solidFill>
-                <a:latin typeface="Courier New" pitchFamily="49" charset="0"/>
-                <a:cs typeface="Courier New" pitchFamily="49" charset="0"/>
-              </a:rPr>
-              <a:t>stepName</a:t>
-            </a:r>
-            <a:r>
-              <a:rPr lang="en-US" sz="1400" dirty="0">
-                <a:solidFill>
-                  <a:schemeClr val="bg1">
-                    <a:lumMod val="65000"/>
-                  </a:schemeClr>
-                </a:solidFill>
-                <a:latin typeface="Courier New" pitchFamily="49" charset="0"/>
-                <a:cs typeface="Courier New" pitchFamily="49" charset="0"/>
-              </a:rPr>
-              <a:t>();	</a:t>
-            </a:r>
-            <a:r>
-              <a:rPr lang="en-US" sz="1200" dirty="0">
-                <a:solidFill>
-                  <a:schemeClr val="bg1">
-                    <a:lumMod val="65000"/>
-                  </a:schemeClr>
-                </a:solidFill>
-              </a:rPr>
-              <a:t>from most recent [Go]</a:t>
-            </a:r>
-          </a:p>
-          <a:p>
-            <a:pPr>
-              <a:spcAft>
-                <a:spcPts val="0"/>
-              </a:spcAft>
-              <a:tabLst>
-                <a:tab pos="4114800" algn="l"/>
-              </a:tabLst>
-            </a:pPr>
-            <a:r>
-              <a:rPr lang="en-US" sz="1400" dirty="0">
-                <a:solidFill>
-                  <a:schemeClr val="bg1">
-                    <a:lumMod val="65000"/>
-                  </a:schemeClr>
-                </a:solidFill>
-                <a:latin typeface="Courier New" pitchFamily="49" charset="0"/>
-                <a:cs typeface="Courier New" pitchFamily="49" charset="0"/>
-              </a:rPr>
-              <a:t>string </a:t>
-            </a:r>
-            <a:r>
-              <a:rPr lang="en-US" sz="1400" dirty="0" err="1">
-                <a:solidFill>
-                  <a:schemeClr val="bg1">
-                    <a:lumMod val="65000"/>
-                  </a:schemeClr>
-                </a:solidFill>
-                <a:latin typeface="Courier New" pitchFamily="49" charset="0"/>
-                <a:cs typeface="Courier New" pitchFamily="49" charset="0"/>
-              </a:rPr>
-              <a:t>stepFolder</a:t>
-            </a:r>
-            <a:r>
-              <a:rPr lang="en-US" sz="1400" dirty="0">
-                <a:solidFill>
-                  <a:schemeClr val="bg1">
-                    <a:lumMod val="65000"/>
-                  </a:schemeClr>
-                </a:solidFill>
-                <a:latin typeface="Courier New" pitchFamily="49" charset="0"/>
-                <a:cs typeface="Courier New" pitchFamily="49" charset="0"/>
-              </a:rPr>
-              <a:t>();	</a:t>
-            </a:r>
-            <a:r>
-              <a:rPr lang="en-US" sz="1200" dirty="0">
-                <a:solidFill>
-                  <a:schemeClr val="bg1">
-                    <a:lumMod val="65000"/>
-                  </a:schemeClr>
-                </a:solidFill>
-              </a:rPr>
-              <a:t>subfolder for most recent [go] within </a:t>
-            </a:r>
-            <a:r>
-              <a:rPr lang="en-US" sz="1200" dirty="0" err="1">
-                <a:solidFill>
-                  <a:schemeClr val="bg1">
-                    <a:lumMod val="65000"/>
-                  </a:schemeClr>
-                </a:solidFill>
-              </a:rPr>
-              <a:t>testFolder</a:t>
-            </a:r>
-            <a:r>
-              <a:rPr lang="en-US" sz="1200" dirty="0">
-                <a:solidFill>
-                  <a:schemeClr val="bg1">
-                    <a:lumMod val="65000"/>
-                  </a:schemeClr>
-                </a:solidFill>
-              </a:rPr>
-              <a:t>()</a:t>
-            </a:r>
-          </a:p>
-          <a:p>
-            <a:pPr>
-              <a:spcAft>
-                <a:spcPts val="0"/>
-              </a:spcAft>
-              <a:tabLst>
-                <a:tab pos="4114800" algn="l"/>
-              </a:tabLst>
-            </a:pPr>
-            <a:r>
-              <a:rPr lang="en-US" sz="1400" dirty="0">
-                <a:solidFill>
-                  <a:schemeClr val="bg1">
-                    <a:lumMod val="65000"/>
-                  </a:schemeClr>
-                </a:solidFill>
-                <a:latin typeface="Courier New" pitchFamily="49" charset="0"/>
-                <a:cs typeface="Courier New" pitchFamily="49" charset="0"/>
-              </a:rPr>
-              <a:t>string </a:t>
-            </a:r>
-            <a:r>
-              <a:rPr lang="en-US" sz="1400" dirty="0" err="1">
-                <a:solidFill>
-                  <a:schemeClr val="bg1">
-                    <a:lumMod val="65000"/>
-                  </a:schemeClr>
-                </a:solidFill>
-                <a:latin typeface="Courier New" pitchFamily="49" charset="0"/>
-                <a:cs typeface="Courier New" pitchFamily="49" charset="0"/>
-              </a:rPr>
-              <a:t>last_result</a:t>
-            </a:r>
-            <a:r>
-              <a:rPr lang="en-US" sz="1400" dirty="0">
-                <a:solidFill>
-                  <a:schemeClr val="bg1">
-                    <a:lumMod val="65000"/>
-                  </a:schemeClr>
-                </a:solidFill>
-                <a:latin typeface="Courier New" pitchFamily="49" charset="0"/>
-                <a:cs typeface="Courier New" pitchFamily="49" charset="0"/>
-              </a:rPr>
-              <a:t>();</a:t>
-            </a:r>
-            <a:r>
-              <a:rPr lang="en-US" sz="1600" dirty="0">
-                <a:solidFill>
-                  <a:schemeClr val="bg1">
-                    <a:lumMod val="65000"/>
-                  </a:schemeClr>
-                </a:solidFill>
-                <a:latin typeface="Courier New" pitchFamily="49" charset="0"/>
-                <a:cs typeface="Courier New" pitchFamily="49" charset="0"/>
-              </a:rPr>
-              <a:t>	</a:t>
-            </a:r>
-            <a:r>
-              <a:rPr lang="en-US" sz="1200" dirty="0">
-                <a:solidFill>
-                  <a:schemeClr val="bg1">
-                    <a:lumMod val="65000"/>
-                  </a:schemeClr>
-                </a:solidFill>
-              </a:rPr>
-              <a:t>for most recent [Go], returns "</a:t>
-            </a:r>
-            <a:r>
-              <a:rPr lang="en-US" sz="1200" dirty="0">
-                <a:solidFill>
-                  <a:schemeClr val="bg1">
-                    <a:lumMod val="65000"/>
-                  </a:schemeClr>
-                </a:solidFill>
+            <a:r>
+              <a:rPr lang="en-US" sz="1800" dirty="0">
+                <a:cs typeface="Courier New" panose="02070309020205020404" pitchFamily="49" charset="0"/>
+              </a:rPr>
+              <a:t>The default </a:t>
+            </a:r>
+            <a:r>
+              <a:rPr lang="en-US" sz="1800" dirty="0" err="1">
                 <a:latin typeface="Courier New" panose="02070309020205020404" pitchFamily="49" charset="0"/>
                 <a:cs typeface="Courier New" panose="02070309020205020404" pitchFamily="49" charset="0"/>
               </a:rPr>
-              <a:t>success</a:t>
-            </a:r>
-            <a:r>
-              <a:rPr lang="en-US" sz="1200" dirty="0">
-                <a:solidFill>
-                  <a:schemeClr val="bg1">
-                    <a:lumMod val="65000"/>
-                  </a:schemeClr>
-                </a:solidFill>
-              </a:rPr>
-              <a:t>" or "</a:t>
-            </a:r>
-            <a:r>
-              <a:rPr lang="en-US" sz="1200" dirty="0">
-                <a:solidFill>
-                  <a:schemeClr val="bg1">
-                    <a:lumMod val="65000"/>
-                  </a:schemeClr>
-                </a:solidFill>
+              <a:t>achieved_IOPS_tolerance</a:t>
+            </a:r>
+            <a:r>
+              <a:rPr lang="en-US" sz="1800" dirty="0">
                 <a:latin typeface="Courier New" panose="02070309020205020404" pitchFamily="49" charset="0"/>
                 <a:cs typeface="Courier New" panose="02070309020205020404" pitchFamily="49" charset="0"/>
               </a:rPr>
-              <a:t>failure</a:t>
-            </a:r>
-            <a:r>
-              <a:rPr lang="en-US" sz="1200" dirty="0">
-                <a:solidFill>
-                  <a:schemeClr val="bg1">
-                    <a:lumMod val="65000"/>
-                  </a:schemeClr>
-                </a:solidFill>
-              </a:rPr>
-              <a:t>"</a:t>
-            </a:r>
-            <a:endParaRPr lang="en-US" sz="1400" dirty="0">
-              <a:solidFill>
-                <a:schemeClr val="bg1">
-                  <a:lumMod val="65000"/>
-                </a:schemeClr>
-              </a:solidFill>
-            </a:endParaRPr>
-          </a:p>
-          <a:p>
-            <a:pPr>
-              <a:spcAft>
-                <a:spcPts val="0"/>
-              </a:spcAft>
-              <a:tabLst>
-                <a:tab pos="4114800" algn="l"/>
-              </a:tabLst>
-            </a:pPr>
-            <a:r>
-              <a:rPr lang="en-US" sz="1400" dirty="0">
-                <a:solidFill>
-                  <a:schemeClr val="bg1">
-                    <a:lumMod val="65000"/>
-                  </a:schemeClr>
-                </a:solidFill>
-                <a:latin typeface="Courier New" pitchFamily="49" charset="0"/>
-                <a:cs typeface="Courier New" pitchFamily="49" charset="0"/>
-              </a:rPr>
-              <a:t>string </a:t>
-            </a:r>
-            <a:r>
-              <a:rPr lang="en-US" sz="1400" dirty="0" err="1">
-                <a:solidFill>
-                  <a:schemeClr val="bg1">
-                    <a:lumMod val="65000"/>
-                  </a:schemeClr>
-                </a:solidFill>
-                <a:latin typeface="Courier New" pitchFamily="49" charset="0"/>
-                <a:cs typeface="Courier New" pitchFamily="49" charset="0"/>
-              </a:rPr>
-              <a:t>show_rollup_structure</a:t>
-            </a:r>
-            <a:r>
-              <a:rPr lang="en-US" sz="1400" dirty="0">
-                <a:solidFill>
-                  <a:schemeClr val="bg1">
-                    <a:lumMod val="65000"/>
-                  </a:schemeClr>
-                </a:solidFill>
-                <a:latin typeface="Courier New" pitchFamily="49" charset="0"/>
-                <a:cs typeface="Courier New" pitchFamily="49" charset="0"/>
-              </a:rPr>
-              <a:t>();	</a:t>
-            </a:r>
-            <a:r>
-              <a:rPr lang="en-US" sz="1200" dirty="0">
-                <a:solidFill>
-                  <a:schemeClr val="bg1">
-                    <a:lumMod val="65000"/>
-                  </a:schemeClr>
-                </a:solidFill>
-              </a:rPr>
-              <a:t>shows type / instance / workload thread hierarchy.</a:t>
+              <a:t> </a:t>
+            </a:r>
+            <a:r>
+              <a:rPr lang="en-US" sz="1800" dirty="0">
+                <a:cs typeface="Courier New" panose="02070309020205020404" pitchFamily="49" charset="0"/>
+              </a:rPr>
+              <a:t>is 0.1%.  This is good for the vast majority of cases.</a:t>
             </a:r>
           </a:p>
         </p:txBody>
       </p:sp>
       <p:sp>
         <p:nvSpPr>
-          <p:cNvPr id="3" name="Title 2"/>
+          <p:cNvPr id="3" name="Title 2">
+            <a:extLst>
+              <a:ext uri="{FF2B5EF4-FFF2-40B4-BE49-F238E27FC236}">
+                <a16:creationId xmlns:a16="http://schemas.microsoft.com/office/drawing/2014/main" id="{998A1D64-5234-4FA0-8239-64F342BBE8EB}"/>
+              </a:ext>
+            </a:extLst>
+          </p:cNvPr>
           <p:cNvSpPr>
             <a:spLocks noGrp="1"/>
           </p:cNvSpPr>
@@ -34329,57 +33700,19 @@
         </p:nvSpPr>
         <p:spPr/>
         <p:txBody>
-          <a:bodyPr>
-            <a:normAutofit/>
-          </a:bodyPr>
+          <a:bodyPr/>
           <a:lstStyle/>
           <a:p>
             <a:r>
-              <a:rPr lang="en-US" sz="2200" dirty="0">
-                <a:solidFill>
-                  <a:schemeClr val="bg1">
-                    <a:lumMod val="65000"/>
-                  </a:schemeClr>
-                </a:solidFill>
-              </a:rPr>
-              <a:t>Deprecated </a:t>
-            </a:r>
-            <a:r>
-              <a:rPr lang="en-US" sz="2200" dirty="0" err="1">
-                <a:solidFill>
-                  <a:schemeClr val="bg1">
-                    <a:lumMod val="65000"/>
-                  </a:schemeClr>
-                </a:solidFill>
-              </a:rPr>
-              <a:t>ivyscript</a:t>
-            </a:r>
-            <a:r>
-              <a:rPr lang="en-US" sz="2200" dirty="0">
-                <a:solidFill>
-                  <a:schemeClr val="bg1">
-                    <a:lumMod val="65000"/>
-                  </a:schemeClr>
-                </a:solidFill>
-              </a:rPr>
-              <a:t> ivy engine accessor </a:t>
-            </a:r>
-            <a:r>
-              <a:rPr lang="en-US" sz="2200" dirty="0" err="1">
-                <a:solidFill>
-                  <a:schemeClr val="bg1">
-                    <a:lumMod val="65000"/>
-                  </a:schemeClr>
-                </a:solidFill>
-              </a:rPr>
-              <a:t>builtins</a:t>
-            </a:r>
-            <a:endParaRPr lang="en-US" sz="2200" dirty="0">
-              <a:solidFill>
-                <a:schemeClr val="bg1">
-                  <a:lumMod val="65000"/>
-                </a:schemeClr>
-              </a:solidFill>
+              <a:rPr lang="en-US" b="0" dirty="0" err="1">
+                <a:latin typeface="Courier New" panose="02070309020205020404" pitchFamily="49" charset="0"/>
+                <a:cs typeface="Courier New" panose="02070309020205020404" pitchFamily="49" charset="0"/>
+              </a:rPr>
+              <a:t>achieved_IOPS_tolerance</a:t>
+            </a:r>
+            <a:endParaRPr lang="en-US" b="0" dirty="0">
+              <a:latin typeface="Courier New" panose="02070309020205020404" pitchFamily="49" charset="0"/>
+              <a:cs typeface="Courier New" panose="02070309020205020404" pitchFamily="49" charset="0"/>
             </a:endParaRPr>
           </a:p>
         </p:txBody>
@@ -34387,7 +33720,7 @@
     </p:spTree>
     <p:extLst>
       <p:ext uri="{BB962C8B-B14F-4D97-AF65-F5344CB8AC3E}">
-        <p14:creationId xmlns:p14="http://schemas.microsoft.com/office/powerpoint/2010/main" val="902688470"/>
+        <p14:creationId xmlns:p14="http://schemas.microsoft.com/office/powerpoint/2010/main" val="2925529468"/>
       </p:ext>
     </p:extLst>
   </p:cSld>
@@ -34439,282 +33772,819 @@
         <p:spPr>
           <a:xfrm>
             <a:off x="264160" y="967575"/>
-            <a:ext cx="8584006" cy="3693319"/>
+            <a:ext cx="8584006" cy="3939540"/>
           </a:xfrm>
         </p:spPr>
         <p:txBody>
           <a:bodyPr/>
           <a:lstStyle/>
           <a:p>
-            <a:r>
-              <a:rPr lang="en-US" sz="1600" dirty="0">
-                <a:latin typeface="Courier New" panose="02070309020205020404" pitchFamily="49" charset="0"/>
-                <a:cs typeface="Courier New" pitchFamily="49" charset="0"/>
-              </a:rPr>
-              <a:t>double sin(double), double </a:t>
-            </a:r>
-            <a:r>
-              <a:rPr lang="en-US" sz="1600" dirty="0" err="1">
-                <a:latin typeface="Courier New" pitchFamily="49" charset="0"/>
-                <a:cs typeface="Courier New" pitchFamily="49" charset="0"/>
-              </a:rPr>
-              <a:t>cos</a:t>
-            </a:r>
-            <a:r>
-              <a:rPr lang="en-US" sz="1600" dirty="0">
-                <a:latin typeface="Courier New" pitchFamily="49" charset="0"/>
-                <a:cs typeface="Courier New" pitchFamily="49" charset="0"/>
-              </a:rPr>
-              <a:t>(double), double tan(double)</a:t>
+            <a:pPr>
+              <a:spcAft>
+                <a:spcPts val="0"/>
+              </a:spcAft>
+              <a:tabLst>
+                <a:tab pos="4114800" algn="l"/>
+              </a:tabLst>
+            </a:pPr>
+            <a:r>
+              <a:rPr lang="en-US" sz="1400" dirty="0">
+                <a:cs typeface="Courier New" pitchFamily="49" charset="0"/>
+              </a:rPr>
+              <a:t>The following </a:t>
+            </a:r>
+            <a:r>
+              <a:rPr lang="en-US" sz="1400" dirty="0" err="1">
+                <a:cs typeface="Courier New" pitchFamily="49" charset="0"/>
+              </a:rPr>
+              <a:t>ivyscript</a:t>
+            </a:r>
+            <a:r>
+              <a:rPr lang="en-US" sz="1400" dirty="0">
+                <a:cs typeface="Courier New" pitchFamily="49" charset="0"/>
+              </a:rPr>
+              <a:t> </a:t>
+            </a:r>
+            <a:r>
+              <a:rPr lang="en-US" sz="1400" dirty="0" err="1">
+                <a:cs typeface="Courier New" pitchFamily="49" charset="0"/>
+              </a:rPr>
+              <a:t>builtin</a:t>
+            </a:r>
+            <a:r>
+              <a:rPr lang="en-US" sz="1400" dirty="0">
+                <a:cs typeface="Courier New" pitchFamily="49" charset="0"/>
+              </a:rPr>
+              <a:t> functions still work, but users are encouraged to switch over to using the equivalent calls to </a:t>
+            </a:r>
+            <a:r>
+              <a:rPr lang="en-US" sz="1400" dirty="0" err="1">
+                <a:latin typeface="Courier New" pitchFamily="49" charset="0"/>
+                <a:cs typeface="Courier New" pitchFamily="49" charset="0"/>
+              </a:rPr>
+              <a:t>ivy_engine_get</a:t>
+            </a:r>
+            <a:r>
+              <a:rPr lang="en-US" sz="1400" dirty="0">
+                <a:latin typeface="Courier New" pitchFamily="49" charset="0"/>
+                <a:cs typeface="Courier New" pitchFamily="49" charset="0"/>
+              </a:rPr>
+              <a:t>(“thing”) </a:t>
+            </a:r>
+            <a:r>
+              <a:rPr lang="en-US" sz="1400" dirty="0">
+                <a:cs typeface="Courier New" pitchFamily="49" charset="0"/>
+              </a:rPr>
+              <a:t>and</a:t>
+            </a:r>
+            <a:r>
+              <a:rPr lang="en-US" sz="1400" dirty="0">
+                <a:latin typeface="Courier New" pitchFamily="49" charset="0"/>
+                <a:cs typeface="Courier New" pitchFamily="49" charset="0"/>
+              </a:rPr>
+              <a:t> </a:t>
+            </a:r>
+            <a:r>
+              <a:rPr lang="en-US" sz="1400" dirty="0" err="1">
+                <a:latin typeface="Courier New" pitchFamily="49" charset="0"/>
+                <a:cs typeface="Courier New" pitchFamily="49" charset="0"/>
+              </a:rPr>
+              <a:t>ivy_engine_set</a:t>
+            </a:r>
+            <a:r>
+              <a:rPr lang="en-US" sz="1400" dirty="0">
+                <a:latin typeface="Courier New" pitchFamily="49" charset="0"/>
+                <a:cs typeface="Courier New" pitchFamily="49" charset="0"/>
+              </a:rPr>
+              <a:t>(“thing”, “value”) </a:t>
             </a:r>
           </a:p>
           <a:p>
-            <a:r>
-              <a:rPr lang="en-US" sz="1600" dirty="0">
-                <a:latin typeface="Courier New" pitchFamily="49" charset="0"/>
-                <a:cs typeface="Courier New" pitchFamily="49" charset="0"/>
-              </a:rPr>
-              <a:t>double </a:t>
-            </a:r>
-            <a:r>
-              <a:rPr lang="en-US" sz="1600" dirty="0" err="1">
-                <a:latin typeface="Courier New" pitchFamily="49" charset="0"/>
-                <a:cs typeface="Courier New" pitchFamily="49" charset="0"/>
-              </a:rPr>
-              <a:t>sinh</a:t>
-            </a:r>
-            <a:r>
-              <a:rPr lang="en-US" sz="1600" dirty="0">
-                <a:latin typeface="Courier New" pitchFamily="49" charset="0"/>
-                <a:cs typeface="Courier New" pitchFamily="49" charset="0"/>
-              </a:rPr>
-              <a:t>(double), double </a:t>
-            </a:r>
-            <a:r>
-              <a:rPr lang="en-US" sz="1600" dirty="0" err="1">
-                <a:latin typeface="Courier New" pitchFamily="49" charset="0"/>
-                <a:cs typeface="Courier New" pitchFamily="49" charset="0"/>
-              </a:rPr>
-              <a:t>cosh</a:t>
-            </a:r>
-            <a:r>
-              <a:rPr lang="en-US" sz="1600" dirty="0">
-                <a:latin typeface="Courier New" pitchFamily="49" charset="0"/>
-                <a:cs typeface="Courier New" pitchFamily="49" charset="0"/>
-              </a:rPr>
-              <a:t>(double), double </a:t>
-            </a:r>
-            <a:r>
-              <a:rPr lang="en-US" sz="1600" dirty="0" err="1">
-                <a:latin typeface="Courier New" pitchFamily="49" charset="0"/>
-                <a:cs typeface="Courier New" pitchFamily="49" charset="0"/>
-              </a:rPr>
-              <a:t>tanh</a:t>
-            </a:r>
-            <a:r>
-              <a:rPr lang="en-US" sz="1600" dirty="0">
-                <a:latin typeface="Courier New" pitchFamily="49" charset="0"/>
-                <a:cs typeface="Courier New" pitchFamily="49" charset="0"/>
-              </a:rPr>
-              <a:t>(double)</a:t>
-            </a:r>
+            <a:pPr>
+              <a:spcAft>
+                <a:spcPts val="0"/>
+              </a:spcAft>
+              <a:tabLst>
+                <a:tab pos="4114800" algn="l"/>
+              </a:tabLst>
+            </a:pPr>
+            <a:r>
+              <a:rPr lang="en-US" sz="1400" dirty="0">
+                <a:solidFill>
+                  <a:schemeClr val="bg1">
+                    <a:lumMod val="65000"/>
+                  </a:schemeClr>
+                </a:solidFill>
+                <a:latin typeface="Courier New" pitchFamily="49" charset="0"/>
+                <a:cs typeface="Courier New" pitchFamily="49" charset="0"/>
+              </a:rPr>
+              <a:t>string </a:t>
+            </a:r>
+            <a:r>
+              <a:rPr lang="en-US" sz="1400" dirty="0" err="1">
+                <a:solidFill>
+                  <a:schemeClr val="bg1">
+                    <a:lumMod val="65000"/>
+                  </a:schemeClr>
+                </a:solidFill>
+                <a:latin typeface="Courier New" pitchFamily="49" charset="0"/>
+                <a:cs typeface="Courier New" pitchFamily="49" charset="0"/>
+              </a:rPr>
+              <a:t>outputFolderRoot</a:t>
+            </a:r>
+            <a:r>
+              <a:rPr lang="en-US" sz="1400" dirty="0">
+                <a:solidFill>
+                  <a:schemeClr val="bg1">
+                    <a:lumMod val="65000"/>
+                  </a:schemeClr>
+                </a:solidFill>
+                <a:latin typeface="Courier New" pitchFamily="49" charset="0"/>
+                <a:cs typeface="Courier New" pitchFamily="49" charset="0"/>
+              </a:rPr>
+              <a:t>();	</a:t>
+            </a:r>
+            <a:r>
+              <a:rPr lang="en-US" sz="1200" dirty="0">
+                <a:solidFill>
+                  <a:schemeClr val="bg1">
+                    <a:lumMod val="65000"/>
+                  </a:schemeClr>
+                </a:solidFill>
+              </a:rPr>
+              <a:t>from </a:t>
+            </a:r>
+            <a:r>
+              <a:rPr lang="en-US" sz="1200" dirty="0">
+                <a:solidFill>
+                  <a:schemeClr val="bg1">
+                    <a:lumMod val="65000"/>
+                  </a:schemeClr>
+                </a:solidFill>
+                <a:latin typeface="Courier New" panose="02070309020205020404" pitchFamily="49" charset="0"/>
+                <a:cs typeface="Courier New" panose="02070309020205020404" pitchFamily="49" charset="0"/>
+              </a:rPr>
+              <a:t>[</a:t>
+            </a:r>
+            <a:r>
+              <a:rPr lang="en-US" sz="1200" dirty="0" err="1">
+                <a:solidFill>
+                  <a:schemeClr val="bg1">
+                    <a:lumMod val="65000"/>
+                  </a:schemeClr>
+                </a:solidFill>
+                <a:latin typeface="Courier New" panose="02070309020205020404" pitchFamily="49" charset="0"/>
+                <a:cs typeface="Courier New" panose="02070309020205020404" pitchFamily="49" charset="0"/>
+              </a:rPr>
+              <a:t>OutputFolderRoot</a:t>
+            </a:r>
+            <a:r>
+              <a:rPr lang="en-US" sz="1200" dirty="0">
+                <a:solidFill>
+                  <a:schemeClr val="bg1">
+                    <a:lumMod val="65000"/>
+                  </a:schemeClr>
+                </a:solidFill>
+                <a:latin typeface="Courier New" panose="02070309020205020404" pitchFamily="49" charset="0"/>
+                <a:cs typeface="Courier New" panose="02070309020205020404" pitchFamily="49" charset="0"/>
+              </a:rPr>
+              <a:t>]</a:t>
+            </a:r>
+            <a:r>
+              <a:rPr lang="en-US" sz="1200" dirty="0">
+                <a:solidFill>
+                  <a:schemeClr val="bg1">
+                    <a:lumMod val="65000"/>
+                  </a:schemeClr>
+                </a:solidFill>
+              </a:rPr>
+              <a:t> statement – default "</a:t>
+            </a:r>
+            <a:r>
+              <a:rPr lang="en-US" sz="1200" dirty="0">
+                <a:solidFill>
+                  <a:schemeClr val="bg1">
+                    <a:lumMod val="65000"/>
+                  </a:schemeClr>
+                </a:solidFill>
+                <a:latin typeface="Courier New" panose="02070309020205020404" pitchFamily="49" charset="0"/>
+                <a:cs typeface="Courier New" panose="02070309020205020404" pitchFamily="49" charset="0"/>
+              </a:rPr>
+              <a:t>.</a:t>
+            </a:r>
+            <a:r>
+              <a:rPr lang="en-US" sz="1200" dirty="0">
+                <a:solidFill>
+                  <a:schemeClr val="bg1">
+                    <a:lumMod val="65000"/>
+                  </a:schemeClr>
+                </a:solidFill>
+              </a:rPr>
+              <a:t>"</a:t>
+            </a:r>
+            <a:endParaRPr lang="en-US" sz="1200" dirty="0">
+              <a:solidFill>
+                <a:schemeClr val="bg1">
+                  <a:lumMod val="65000"/>
+                </a:schemeClr>
+              </a:solidFill>
+              <a:latin typeface="Courier New" pitchFamily="49" charset="0"/>
+              <a:cs typeface="Courier New" pitchFamily="49" charset="0"/>
+            </a:endParaRPr>
           </a:p>
           <a:p>
-            <a:r>
-              <a:rPr lang="en-US" sz="1600" dirty="0">
-                <a:latin typeface="Courier New" pitchFamily="49" charset="0"/>
-                <a:cs typeface="Courier New" pitchFamily="49" charset="0"/>
-              </a:rPr>
-              <a:t>double </a:t>
-            </a:r>
-            <a:r>
-              <a:rPr lang="en-US" sz="1600" dirty="0" err="1">
-                <a:latin typeface="Courier New" pitchFamily="49" charset="0"/>
-                <a:cs typeface="Courier New" pitchFamily="49" charset="0"/>
-              </a:rPr>
-              <a:t>asin</a:t>
-            </a:r>
-            <a:r>
-              <a:rPr lang="en-US" sz="1600" dirty="0">
-                <a:latin typeface="Courier New" pitchFamily="49" charset="0"/>
-                <a:cs typeface="Courier New" pitchFamily="49" charset="0"/>
-              </a:rPr>
-              <a:t>(double), double </a:t>
-            </a:r>
-            <a:r>
-              <a:rPr lang="en-US" sz="1600" dirty="0" err="1">
-                <a:latin typeface="Courier New" pitchFamily="49" charset="0"/>
-                <a:cs typeface="Courier New" pitchFamily="49" charset="0"/>
-              </a:rPr>
-              <a:t>acos</a:t>
-            </a:r>
-            <a:r>
-              <a:rPr lang="en-US" sz="1600" dirty="0">
-                <a:latin typeface="Courier New" pitchFamily="49" charset="0"/>
-                <a:cs typeface="Courier New" pitchFamily="49" charset="0"/>
-              </a:rPr>
-              <a:t>(double),</a:t>
-            </a:r>
-            <a:br>
-              <a:rPr lang="en-US" sz="1600" dirty="0">
-                <a:latin typeface="Courier New" pitchFamily="49" charset="0"/>
-                <a:cs typeface="Courier New" pitchFamily="49" charset="0"/>
-              </a:rPr>
-            </a:br>
-            <a:r>
-              <a:rPr lang="en-US" sz="1600" dirty="0">
-                <a:latin typeface="Courier New" pitchFamily="49" charset="0"/>
-                <a:cs typeface="Courier New" pitchFamily="49" charset="0"/>
-              </a:rPr>
-              <a:t>double </a:t>
-            </a:r>
-            <a:r>
-              <a:rPr lang="en-US" sz="1600" dirty="0" err="1">
-                <a:latin typeface="Courier New" pitchFamily="49" charset="0"/>
-                <a:cs typeface="Courier New" pitchFamily="49" charset="0"/>
-              </a:rPr>
-              <a:t>atan</a:t>
-            </a:r>
-            <a:r>
-              <a:rPr lang="en-US" sz="1600" dirty="0">
-                <a:latin typeface="Courier New" pitchFamily="49" charset="0"/>
-                <a:cs typeface="Courier New" pitchFamily="49" charset="0"/>
-              </a:rPr>
-              <a:t>(double), double atan2(</a:t>
-            </a:r>
-            <a:r>
-              <a:rPr lang="en-US" sz="1600" dirty="0" err="1">
-                <a:latin typeface="Courier New" pitchFamily="49" charset="0"/>
-                <a:cs typeface="Courier New" pitchFamily="49" charset="0"/>
-              </a:rPr>
-              <a:t>double,double</a:t>
-            </a:r>
-            <a:r>
-              <a:rPr lang="en-US" sz="1600" dirty="0">
-                <a:latin typeface="Courier New" pitchFamily="49" charset="0"/>
-                <a:cs typeface="Courier New" pitchFamily="49" charset="0"/>
-              </a:rPr>
-              <a:t>)</a:t>
+            <a:pPr>
+              <a:spcAft>
+                <a:spcPts val="0"/>
+              </a:spcAft>
+              <a:tabLst>
+                <a:tab pos="4114800" algn="l"/>
+              </a:tabLst>
+            </a:pPr>
+            <a:r>
+              <a:rPr lang="en-US" sz="1400" dirty="0">
+                <a:solidFill>
+                  <a:schemeClr val="bg1">
+                    <a:lumMod val="65000"/>
+                  </a:schemeClr>
+                </a:solidFill>
+                <a:latin typeface="Courier New" pitchFamily="49" charset="0"/>
+                <a:cs typeface="Courier New" pitchFamily="49" charset="0"/>
+              </a:rPr>
+              <a:t>string </a:t>
+            </a:r>
+            <a:r>
+              <a:rPr lang="en-US" sz="1400" dirty="0" err="1">
+                <a:solidFill>
+                  <a:schemeClr val="bg1">
+                    <a:lumMod val="65000"/>
+                  </a:schemeClr>
+                </a:solidFill>
+                <a:latin typeface="Courier New" pitchFamily="49" charset="0"/>
+                <a:cs typeface="Courier New" pitchFamily="49" charset="0"/>
+              </a:rPr>
+              <a:t>testName</a:t>
+            </a:r>
+            <a:r>
+              <a:rPr lang="en-US" sz="1400" dirty="0">
+                <a:solidFill>
+                  <a:schemeClr val="bg1">
+                    <a:lumMod val="65000"/>
+                  </a:schemeClr>
+                </a:solidFill>
+                <a:latin typeface="Courier New" pitchFamily="49" charset="0"/>
+                <a:cs typeface="Courier New" pitchFamily="49" charset="0"/>
+              </a:rPr>
+              <a:t>();	</a:t>
+            </a:r>
+            <a:r>
+              <a:rPr lang="en-US" sz="1200" dirty="0">
+                <a:solidFill>
+                  <a:schemeClr val="bg1">
+                    <a:lumMod val="65000"/>
+                  </a:schemeClr>
+                </a:solidFill>
+              </a:rPr>
+              <a:t>root part of </a:t>
+            </a:r>
+            <a:r>
+              <a:rPr lang="en-US" sz="1200" dirty="0" err="1">
+                <a:solidFill>
+                  <a:schemeClr val="bg1">
+                    <a:lumMod val="65000"/>
+                  </a:schemeClr>
+                </a:solidFill>
+              </a:rPr>
+              <a:t>ivyscript</a:t>
+            </a:r>
+            <a:r>
+              <a:rPr lang="en-US" sz="1200" dirty="0">
+                <a:solidFill>
+                  <a:schemeClr val="bg1">
+                    <a:lumMod val="65000"/>
+                  </a:schemeClr>
+                </a:solidFill>
+              </a:rPr>
+              <a:t> file without </a:t>
+            </a:r>
+            <a:r>
+              <a:rPr lang="en-US" sz="1200" dirty="0">
+                <a:solidFill>
+                  <a:schemeClr val="bg1">
+                    <a:lumMod val="65000"/>
+                  </a:schemeClr>
+                </a:solidFill>
+                <a:latin typeface="Courier New" pitchFamily="49" charset="0"/>
+                <a:cs typeface="Courier New" pitchFamily="49" charset="0"/>
+              </a:rPr>
+              <a:t>.</a:t>
+            </a:r>
+            <a:r>
+              <a:rPr lang="en-US" sz="1200" dirty="0" err="1">
+                <a:solidFill>
+                  <a:schemeClr val="bg1">
+                    <a:lumMod val="65000"/>
+                  </a:schemeClr>
+                </a:solidFill>
+                <a:latin typeface="Courier New" pitchFamily="49" charset="0"/>
+                <a:cs typeface="Courier New" pitchFamily="49" charset="0"/>
+              </a:rPr>
+              <a:t>ivyscript</a:t>
+            </a:r>
+            <a:r>
+              <a:rPr lang="en-US" sz="1200" dirty="0">
+                <a:solidFill>
+                  <a:schemeClr val="bg1">
+                    <a:lumMod val="65000"/>
+                  </a:schemeClr>
+                </a:solidFill>
+              </a:rPr>
+              <a:t> suffix</a:t>
             </a:r>
           </a:p>
           <a:p>
-            <a:r>
-              <a:rPr lang="en-US" sz="1600" dirty="0">
-                <a:latin typeface="Courier New" pitchFamily="49" charset="0"/>
-                <a:cs typeface="Courier New" pitchFamily="49" charset="0"/>
-              </a:rPr>
-              <a:t>double log(double), log10(double), </a:t>
-            </a:r>
-            <a:br>
-              <a:rPr lang="en-US" sz="1600" dirty="0">
-                <a:latin typeface="Courier New" pitchFamily="49" charset="0"/>
-                <a:cs typeface="Courier New" pitchFamily="49" charset="0"/>
-              </a:rPr>
-            </a:br>
-            <a:r>
-              <a:rPr lang="en-US" sz="1600" dirty="0">
-                <a:latin typeface="Courier New" pitchFamily="49" charset="0"/>
-                <a:cs typeface="Courier New" pitchFamily="49" charset="0"/>
-              </a:rPr>
-              <a:t>double exp(double), double </a:t>
-            </a:r>
-            <a:r>
-              <a:rPr lang="en-US" sz="1600" dirty="0" err="1">
-                <a:latin typeface="Courier New" pitchFamily="49" charset="0"/>
-                <a:cs typeface="Courier New" pitchFamily="49" charset="0"/>
-              </a:rPr>
-              <a:t>pow</a:t>
-            </a:r>
-            <a:r>
-              <a:rPr lang="en-US" sz="1600" dirty="0">
-                <a:latin typeface="Courier New" pitchFamily="49" charset="0"/>
-                <a:cs typeface="Courier New" pitchFamily="49" charset="0"/>
-              </a:rPr>
-              <a:t>(</a:t>
-            </a:r>
-            <a:r>
-              <a:rPr lang="en-US" sz="1600" dirty="0" err="1">
-                <a:latin typeface="Courier New" pitchFamily="49" charset="0"/>
-                <a:cs typeface="Courier New" pitchFamily="49" charset="0"/>
-              </a:rPr>
-              <a:t>double,double</a:t>
-            </a:r>
-            <a:r>
-              <a:rPr lang="en-US" sz="1600" dirty="0">
-                <a:latin typeface="Courier New" pitchFamily="49" charset="0"/>
-                <a:cs typeface="Courier New" pitchFamily="49" charset="0"/>
-              </a:rPr>
-              <a:t>)</a:t>
-            </a:r>
+            <a:pPr>
+              <a:spcAft>
+                <a:spcPts val="0"/>
+              </a:spcAft>
+              <a:tabLst>
+                <a:tab pos="4114800" algn="l"/>
+              </a:tabLst>
+            </a:pPr>
+            <a:r>
+              <a:rPr lang="en-US" sz="1400" dirty="0">
+                <a:solidFill>
+                  <a:schemeClr val="bg1">
+                    <a:lumMod val="65000"/>
+                  </a:schemeClr>
+                </a:solidFill>
+                <a:latin typeface="Courier New" pitchFamily="49" charset="0"/>
+                <a:cs typeface="Courier New" pitchFamily="49" charset="0"/>
+              </a:rPr>
+              <a:t>string </a:t>
+            </a:r>
+            <a:r>
+              <a:rPr lang="en-US" sz="1400" dirty="0" err="1">
+                <a:solidFill>
+                  <a:schemeClr val="bg1">
+                    <a:lumMod val="65000"/>
+                  </a:schemeClr>
+                </a:solidFill>
+                <a:latin typeface="Courier New" pitchFamily="49" charset="0"/>
+                <a:cs typeface="Courier New" pitchFamily="49" charset="0"/>
+              </a:rPr>
+              <a:t>masterlogfile</a:t>
+            </a:r>
+            <a:r>
+              <a:rPr lang="en-US" sz="1400" dirty="0">
+                <a:solidFill>
+                  <a:schemeClr val="bg1">
+                    <a:lumMod val="65000"/>
+                  </a:schemeClr>
+                </a:solidFill>
+                <a:latin typeface="Courier New" pitchFamily="49" charset="0"/>
+                <a:cs typeface="Courier New" pitchFamily="49" charset="0"/>
+              </a:rPr>
+              <a:t>();	</a:t>
+            </a:r>
+            <a:r>
+              <a:rPr lang="en-US" sz="1200" dirty="0">
+                <a:solidFill>
+                  <a:schemeClr val="bg1">
+                    <a:lumMod val="65000"/>
+                  </a:schemeClr>
+                </a:solidFill>
+              </a:rPr>
+              <a:t>ivy master log filename</a:t>
+            </a:r>
+            <a:endParaRPr lang="en-US" sz="1200" dirty="0">
+              <a:solidFill>
+                <a:schemeClr val="bg1">
+                  <a:lumMod val="65000"/>
+                </a:schemeClr>
+              </a:solidFill>
+              <a:latin typeface="Courier New" pitchFamily="49" charset="0"/>
+              <a:cs typeface="Courier New" pitchFamily="49" charset="0"/>
+            </a:endParaRPr>
           </a:p>
           <a:p>
-            <a:r>
-              <a:rPr lang="en-US" sz="1600" dirty="0">
-                <a:latin typeface="Courier New" pitchFamily="49" charset="0"/>
-                <a:cs typeface="Courier New" pitchFamily="49" charset="0"/>
-              </a:rPr>
-              <a:t>double </a:t>
-            </a:r>
-            <a:r>
-              <a:rPr lang="en-US" sz="1600" dirty="0" err="1">
-                <a:latin typeface="Courier New" pitchFamily="49" charset="0"/>
-                <a:cs typeface="Courier New" pitchFamily="49" charset="0"/>
-              </a:rPr>
-              <a:t>sqrt</a:t>
-            </a:r>
-            <a:r>
-              <a:rPr lang="en-US" sz="1600" dirty="0">
-                <a:latin typeface="Courier New" pitchFamily="49" charset="0"/>
-                <a:cs typeface="Courier New" pitchFamily="49" charset="0"/>
-              </a:rPr>
-              <a:t>(double)</a:t>
+            <a:pPr>
+              <a:spcAft>
+                <a:spcPts val="0"/>
+              </a:spcAft>
+              <a:tabLst>
+                <a:tab pos="4114800" algn="l"/>
+              </a:tabLst>
+            </a:pPr>
+            <a:r>
+              <a:rPr lang="en-US" sz="1400" dirty="0">
+                <a:solidFill>
+                  <a:schemeClr val="bg1">
+                    <a:lumMod val="65000"/>
+                  </a:schemeClr>
+                </a:solidFill>
+                <a:latin typeface="Courier New" pitchFamily="49" charset="0"/>
+                <a:cs typeface="Courier New" pitchFamily="49" charset="0"/>
+              </a:rPr>
+              <a:t>string </a:t>
+            </a:r>
+            <a:r>
+              <a:rPr lang="en-US" sz="1400" dirty="0" err="1">
+                <a:solidFill>
+                  <a:schemeClr val="bg1">
+                    <a:lumMod val="65000"/>
+                  </a:schemeClr>
+                </a:solidFill>
+                <a:latin typeface="Courier New" pitchFamily="49" charset="0"/>
+                <a:cs typeface="Courier New" pitchFamily="49" charset="0"/>
+              </a:rPr>
+              <a:t>testFolder</a:t>
+            </a:r>
+            <a:r>
+              <a:rPr lang="en-US" sz="1400" dirty="0">
+                <a:solidFill>
+                  <a:schemeClr val="bg1">
+                    <a:lumMod val="65000"/>
+                  </a:schemeClr>
+                </a:solidFill>
+                <a:latin typeface="Courier New" pitchFamily="49" charset="0"/>
+                <a:cs typeface="Courier New" pitchFamily="49" charset="0"/>
+              </a:rPr>
+              <a:t>();	</a:t>
+            </a:r>
+            <a:r>
+              <a:rPr lang="en-US" sz="1200" dirty="0">
+                <a:solidFill>
+                  <a:schemeClr val="bg1">
+                    <a:lumMod val="65000"/>
+                  </a:schemeClr>
+                </a:solidFill>
+              </a:rPr>
+              <a:t>root folder for output from this run</a:t>
             </a:r>
           </a:p>
           <a:p>
-            <a:r>
-              <a:rPr lang="en-US" sz="1600" dirty="0" err="1">
-                <a:latin typeface="Courier New" pitchFamily="49" charset="0"/>
-                <a:cs typeface="Courier New" pitchFamily="49" charset="0"/>
-              </a:rPr>
-              <a:t>int</a:t>
-            </a:r>
-            <a:r>
-              <a:rPr lang="en-US" sz="1600" dirty="0">
-                <a:latin typeface="Courier New" pitchFamily="49" charset="0"/>
-                <a:cs typeface="Courier New" pitchFamily="49" charset="0"/>
-              </a:rPr>
-              <a:t> abs(</a:t>
-            </a:r>
-            <a:r>
-              <a:rPr lang="en-US" sz="1600" dirty="0" err="1">
-                <a:latin typeface="Courier New" pitchFamily="49" charset="0"/>
-                <a:cs typeface="Courier New" pitchFamily="49" charset="0"/>
-              </a:rPr>
-              <a:t>int</a:t>
-            </a:r>
-            <a:r>
-              <a:rPr lang="en-US" sz="1600" dirty="0">
-                <a:latin typeface="Courier New" pitchFamily="49" charset="0"/>
-                <a:cs typeface="Courier New" pitchFamily="49" charset="0"/>
-              </a:rPr>
-              <a:t>) </a:t>
-            </a:r>
-            <a:r>
-              <a:rPr lang="en-US" sz="1600" dirty="0">
-                <a:cs typeface="Courier New" pitchFamily="49" charset="0"/>
-              </a:rPr>
-              <a:t>- absolute value</a:t>
+            <a:pPr>
+              <a:spcAft>
+                <a:spcPts val="0"/>
+              </a:spcAft>
+              <a:tabLst>
+                <a:tab pos="4114800" algn="l"/>
+              </a:tabLst>
+            </a:pPr>
+            <a:r>
+              <a:rPr lang="en-US" sz="1400" dirty="0">
+                <a:solidFill>
+                  <a:schemeClr val="bg1">
+                    <a:lumMod val="65000"/>
+                  </a:schemeClr>
+                </a:solidFill>
+                <a:latin typeface="Courier New" pitchFamily="49" charset="0"/>
+                <a:cs typeface="Courier New" pitchFamily="49" charset="0"/>
+              </a:rPr>
+              <a:t>string </a:t>
+            </a:r>
+            <a:r>
+              <a:rPr lang="en-US" sz="1400" dirty="0" err="1">
+                <a:solidFill>
+                  <a:schemeClr val="bg1">
+                    <a:lumMod val="65000"/>
+                  </a:schemeClr>
+                </a:solidFill>
+                <a:latin typeface="Courier New" pitchFamily="49" charset="0"/>
+                <a:cs typeface="Courier New" pitchFamily="49" charset="0"/>
+              </a:rPr>
+              <a:t>stepNNNN</a:t>
+            </a:r>
+            <a:r>
+              <a:rPr lang="en-US" sz="1400" dirty="0">
+                <a:solidFill>
+                  <a:schemeClr val="bg1">
+                    <a:lumMod val="65000"/>
+                  </a:schemeClr>
+                </a:solidFill>
+                <a:latin typeface="Courier New" pitchFamily="49" charset="0"/>
+                <a:cs typeface="Courier New" pitchFamily="49" charset="0"/>
+              </a:rPr>
+              <a:t>();	</a:t>
+            </a:r>
+            <a:r>
+              <a:rPr lang="en-US" sz="1200" dirty="0">
+                <a:solidFill>
+                  <a:schemeClr val="bg1">
+                    <a:lumMod val="65000"/>
+                  </a:schemeClr>
+                </a:solidFill>
+              </a:rPr>
+              <a:t>from most recent [Go!], e.g. step0002</a:t>
             </a:r>
           </a:p>
           <a:p>
+            <a:pPr>
+              <a:spcAft>
+                <a:spcPts val="0"/>
+              </a:spcAft>
+              <a:tabLst>
+                <a:tab pos="4114800" algn="l"/>
+              </a:tabLst>
+            </a:pPr>
+            <a:r>
+              <a:rPr lang="en-US" sz="1400" dirty="0">
+                <a:solidFill>
+                  <a:schemeClr val="bg1">
+                    <a:lumMod val="65000"/>
+                  </a:schemeClr>
+                </a:solidFill>
+                <a:latin typeface="Courier New" pitchFamily="49" charset="0"/>
+                <a:cs typeface="Courier New" pitchFamily="49" charset="0"/>
+              </a:rPr>
+              <a:t>string </a:t>
+            </a:r>
+            <a:r>
+              <a:rPr lang="en-US" sz="1400" dirty="0" err="1">
+                <a:solidFill>
+                  <a:schemeClr val="bg1">
+                    <a:lumMod val="65000"/>
+                  </a:schemeClr>
+                </a:solidFill>
+                <a:latin typeface="Courier New" pitchFamily="49" charset="0"/>
+                <a:cs typeface="Courier New" pitchFamily="49" charset="0"/>
+              </a:rPr>
+              <a:t>stepName</a:t>
+            </a:r>
+            <a:r>
+              <a:rPr lang="en-US" sz="1400" dirty="0">
+                <a:solidFill>
+                  <a:schemeClr val="bg1">
+                    <a:lumMod val="65000"/>
+                  </a:schemeClr>
+                </a:solidFill>
+                <a:latin typeface="Courier New" pitchFamily="49" charset="0"/>
+                <a:cs typeface="Courier New" pitchFamily="49" charset="0"/>
+              </a:rPr>
+              <a:t>();	</a:t>
+            </a:r>
+            <a:r>
+              <a:rPr lang="en-US" sz="1200" dirty="0">
+                <a:solidFill>
+                  <a:schemeClr val="bg1">
+                    <a:lumMod val="65000"/>
+                  </a:schemeClr>
+                </a:solidFill>
+              </a:rPr>
+              <a:t>from most recent [Go]</a:t>
+            </a:r>
+          </a:p>
+          <a:p>
+            <a:pPr>
+              <a:spcAft>
+                <a:spcPts val="0"/>
+              </a:spcAft>
+              <a:tabLst>
+                <a:tab pos="4114800" algn="l"/>
+              </a:tabLst>
+            </a:pPr>
+            <a:r>
+              <a:rPr lang="en-US" sz="1400" dirty="0">
+                <a:solidFill>
+                  <a:schemeClr val="bg1">
+                    <a:lumMod val="65000"/>
+                  </a:schemeClr>
+                </a:solidFill>
+                <a:latin typeface="Courier New" pitchFamily="49" charset="0"/>
+                <a:cs typeface="Courier New" pitchFamily="49" charset="0"/>
+              </a:rPr>
+              <a:t>string </a:t>
+            </a:r>
+            <a:r>
+              <a:rPr lang="en-US" sz="1400" dirty="0" err="1">
+                <a:solidFill>
+                  <a:schemeClr val="bg1">
+                    <a:lumMod val="65000"/>
+                  </a:schemeClr>
+                </a:solidFill>
+                <a:latin typeface="Courier New" pitchFamily="49" charset="0"/>
+                <a:cs typeface="Courier New" pitchFamily="49" charset="0"/>
+              </a:rPr>
+              <a:t>stepFolder</a:t>
+            </a:r>
+            <a:r>
+              <a:rPr lang="en-US" sz="1400" dirty="0">
+                <a:solidFill>
+                  <a:schemeClr val="bg1">
+                    <a:lumMod val="65000"/>
+                  </a:schemeClr>
+                </a:solidFill>
+                <a:latin typeface="Courier New" pitchFamily="49" charset="0"/>
+                <a:cs typeface="Courier New" pitchFamily="49" charset="0"/>
+              </a:rPr>
+              <a:t>();	</a:t>
+            </a:r>
+            <a:r>
+              <a:rPr lang="en-US" sz="1200" dirty="0">
+                <a:solidFill>
+                  <a:schemeClr val="bg1">
+                    <a:lumMod val="65000"/>
+                  </a:schemeClr>
+                </a:solidFill>
+              </a:rPr>
+              <a:t>subfolder for most recent [go] within </a:t>
+            </a:r>
+            <a:r>
+              <a:rPr lang="en-US" sz="1200" dirty="0" err="1">
+                <a:solidFill>
+                  <a:schemeClr val="bg1">
+                    <a:lumMod val="65000"/>
+                  </a:schemeClr>
+                </a:solidFill>
+              </a:rPr>
+              <a:t>testFolder</a:t>
+            </a:r>
+            <a:r>
+              <a:rPr lang="en-US" sz="1200" dirty="0">
+                <a:solidFill>
+                  <a:schemeClr val="bg1">
+                    <a:lumMod val="65000"/>
+                  </a:schemeClr>
+                </a:solidFill>
+              </a:rPr>
+              <a:t>()</a:t>
+            </a:r>
+          </a:p>
+          <a:p>
+            <a:pPr>
+              <a:spcAft>
+                <a:spcPts val="0"/>
+              </a:spcAft>
+              <a:tabLst>
+                <a:tab pos="4114800" algn="l"/>
+              </a:tabLst>
+            </a:pPr>
+            <a:r>
+              <a:rPr lang="en-US" sz="1400" dirty="0">
+                <a:solidFill>
+                  <a:schemeClr val="bg1">
+                    <a:lumMod val="65000"/>
+                  </a:schemeClr>
+                </a:solidFill>
+                <a:latin typeface="Courier New" pitchFamily="49" charset="0"/>
+                <a:cs typeface="Courier New" pitchFamily="49" charset="0"/>
+              </a:rPr>
+              <a:t>string </a:t>
+            </a:r>
+            <a:r>
+              <a:rPr lang="en-US" sz="1400" dirty="0" err="1">
+                <a:solidFill>
+                  <a:schemeClr val="bg1">
+                    <a:lumMod val="65000"/>
+                  </a:schemeClr>
+                </a:solidFill>
+                <a:latin typeface="Courier New" pitchFamily="49" charset="0"/>
+                <a:cs typeface="Courier New" pitchFamily="49" charset="0"/>
+              </a:rPr>
+              <a:t>last_result</a:t>
+            </a:r>
+            <a:r>
+              <a:rPr lang="en-US" sz="1400" dirty="0">
+                <a:solidFill>
+                  <a:schemeClr val="bg1">
+                    <a:lumMod val="65000"/>
+                  </a:schemeClr>
+                </a:solidFill>
+                <a:latin typeface="Courier New" pitchFamily="49" charset="0"/>
+                <a:cs typeface="Courier New" pitchFamily="49" charset="0"/>
+              </a:rPr>
+              <a:t>();</a:t>
+            </a:r>
             <a:r>
               <a:rPr lang="en-US" sz="1600" dirty="0">
-                <a:latin typeface="Courier New" pitchFamily="49" charset="0"/>
-                <a:cs typeface="Courier New" pitchFamily="49" charset="0"/>
-              </a:rPr>
-              <a:t>double pi(), double e()</a:t>
-            </a:r>
-            <a:endParaRPr lang="en-US" sz="1600" dirty="0"/>
+                <a:solidFill>
+                  <a:schemeClr val="bg1">
+                    <a:lumMod val="65000"/>
+                  </a:schemeClr>
+                </a:solidFill>
+                <a:latin typeface="Courier New" pitchFamily="49" charset="0"/>
+                <a:cs typeface="Courier New" pitchFamily="49" charset="0"/>
+              </a:rPr>
+              <a:t>	</a:t>
+            </a:r>
+            <a:r>
+              <a:rPr lang="en-US" sz="1200" dirty="0">
+                <a:solidFill>
+                  <a:schemeClr val="bg1">
+                    <a:lumMod val="65000"/>
+                  </a:schemeClr>
+                </a:solidFill>
+              </a:rPr>
+              <a:t>for most recent [Go], returns "</a:t>
+            </a:r>
+            <a:r>
+              <a:rPr lang="en-US" sz="1200" dirty="0">
+                <a:solidFill>
+                  <a:schemeClr val="bg1">
+                    <a:lumMod val="65000"/>
+                  </a:schemeClr>
+                </a:solidFill>
+                <a:latin typeface="Courier New" panose="02070309020205020404" pitchFamily="49" charset="0"/>
+                <a:cs typeface="Courier New" panose="02070309020205020404" pitchFamily="49" charset="0"/>
+              </a:rPr>
+              <a:t>success</a:t>
+            </a:r>
+            <a:r>
+              <a:rPr lang="en-US" sz="1200" dirty="0">
+                <a:solidFill>
+                  <a:schemeClr val="bg1">
+                    <a:lumMod val="65000"/>
+                  </a:schemeClr>
+                </a:solidFill>
+              </a:rPr>
+              <a:t>" or "</a:t>
+            </a:r>
+            <a:r>
+              <a:rPr lang="en-US" sz="1200" dirty="0">
+                <a:solidFill>
+                  <a:schemeClr val="bg1">
+                    <a:lumMod val="65000"/>
+                  </a:schemeClr>
+                </a:solidFill>
+                <a:latin typeface="Courier New" panose="02070309020205020404" pitchFamily="49" charset="0"/>
+                <a:cs typeface="Courier New" panose="02070309020205020404" pitchFamily="49" charset="0"/>
+              </a:rPr>
+              <a:t>failure</a:t>
+            </a:r>
+            <a:r>
+              <a:rPr lang="en-US" sz="1200" dirty="0">
+                <a:solidFill>
+                  <a:schemeClr val="bg1">
+                    <a:lumMod val="65000"/>
+                  </a:schemeClr>
+                </a:solidFill>
+              </a:rPr>
+              <a:t>"</a:t>
+            </a:r>
+            <a:endParaRPr lang="en-US" sz="1400" dirty="0">
+              <a:solidFill>
+                <a:schemeClr val="bg1">
+                  <a:lumMod val="65000"/>
+                </a:schemeClr>
+              </a:solidFill>
+            </a:endParaRPr>
+          </a:p>
+          <a:p>
+            <a:pPr>
+              <a:spcAft>
+                <a:spcPts val="0"/>
+              </a:spcAft>
+              <a:tabLst>
+                <a:tab pos="4114800" algn="l"/>
+              </a:tabLst>
+            </a:pPr>
+            <a:r>
+              <a:rPr lang="en-US" sz="1400" dirty="0">
+                <a:solidFill>
+                  <a:schemeClr val="bg1">
+                    <a:lumMod val="65000"/>
+                  </a:schemeClr>
+                </a:solidFill>
+                <a:latin typeface="Courier New" pitchFamily="49" charset="0"/>
+                <a:cs typeface="Courier New" pitchFamily="49" charset="0"/>
+              </a:rPr>
+              <a:t>string </a:t>
+            </a:r>
+            <a:r>
+              <a:rPr lang="en-US" sz="1400" dirty="0" err="1">
+                <a:solidFill>
+                  <a:schemeClr val="bg1">
+                    <a:lumMod val="65000"/>
+                  </a:schemeClr>
+                </a:solidFill>
+                <a:latin typeface="Courier New" pitchFamily="49" charset="0"/>
+                <a:cs typeface="Courier New" pitchFamily="49" charset="0"/>
+              </a:rPr>
+              <a:t>show_rollup_structure</a:t>
+            </a:r>
+            <a:r>
+              <a:rPr lang="en-US" sz="1400" dirty="0">
+                <a:solidFill>
+                  <a:schemeClr val="bg1">
+                    <a:lumMod val="65000"/>
+                  </a:schemeClr>
+                </a:solidFill>
+                <a:latin typeface="Courier New" pitchFamily="49" charset="0"/>
+                <a:cs typeface="Courier New" pitchFamily="49" charset="0"/>
+              </a:rPr>
+              <a:t>();	</a:t>
+            </a:r>
+            <a:r>
+              <a:rPr lang="en-US" sz="1200" dirty="0">
+                <a:solidFill>
+                  <a:schemeClr val="bg1">
+                    <a:lumMod val="65000"/>
+                  </a:schemeClr>
+                </a:solidFill>
+              </a:rPr>
+              <a:t>shows type / instance / workload thread hierarchy.</a:t>
+            </a:r>
           </a:p>
         </p:txBody>
       </p:sp>
@@ -34728,12 +34598,7 @@
             <p:ph type="title"/>
           </p:nvPr>
         </p:nvSpPr>
-        <p:spPr>
-          <a:xfrm>
-            <a:off x="264160" y="53113"/>
-            <a:ext cx="7236894" cy="732441"/>
-          </a:xfrm>
-        </p:spPr>
+        <p:spPr/>
         <p:txBody>
           <a:bodyPr>
             <a:normAutofit/>
@@ -34741,13 +34606,61 @@
           <a:lstStyle/>
           <a:p>
             <a:r>
-              <a:rPr lang="en-US" dirty="0"/>
-              <a:t>Math builtin functions – same as C/C++</a:t>
-            </a:r>
+              <a:rPr lang="en-US" sz="2200" dirty="0">
+                <a:solidFill>
+                  <a:schemeClr val="bg1">
+                    <a:lumMod val="65000"/>
+                  </a:schemeClr>
+                </a:solidFill>
+              </a:rPr>
+              <a:t>Deprecated </a:t>
+            </a:r>
+            <a:r>
+              <a:rPr lang="en-US" sz="2200" dirty="0" err="1">
+                <a:solidFill>
+                  <a:schemeClr val="bg1">
+                    <a:lumMod val="65000"/>
+                  </a:schemeClr>
+                </a:solidFill>
+              </a:rPr>
+              <a:t>ivyscript</a:t>
+            </a:r>
+            <a:r>
+              <a:rPr lang="en-US" sz="2200" dirty="0">
+                <a:solidFill>
+                  <a:schemeClr val="bg1">
+                    <a:lumMod val="65000"/>
+                  </a:schemeClr>
+                </a:solidFill>
+              </a:rPr>
+              <a:t> ivy engine accessor </a:t>
+            </a:r>
+            <a:r>
+              <a:rPr lang="en-US" sz="2200" dirty="0" err="1">
+                <a:solidFill>
+                  <a:schemeClr val="bg1">
+                    <a:lumMod val="65000"/>
+                  </a:schemeClr>
+                </a:solidFill>
+              </a:rPr>
+              <a:t>builtins</a:t>
+            </a:r>
+            <a:endParaRPr lang="en-US" sz="2200" dirty="0">
+              <a:solidFill>
+                <a:schemeClr val="bg1">
+                  <a:lumMod val="65000"/>
+                </a:schemeClr>
+              </a:solidFill>
+            </a:endParaRPr>
           </a:p>
         </p:txBody>
       </p:sp>
     </p:spTree>
+    <p:extLst>
+      <p:ext uri="{BB962C8B-B14F-4D97-AF65-F5344CB8AC3E}">
+        <p14:creationId xmlns:p14="http://schemas.microsoft.com/office/powerpoint/2010/main" val="902688470"/>
+      </p:ext>
+    </p:extLst>
   </p:cSld>
   <p:clrMapOvr>
     <a:masterClrMapping/>
@@ -34797,7 +34710,7 @@
         <p:spPr>
           <a:xfrm>
             <a:off x="264160" y="967575"/>
-            <a:ext cx="8584006" cy="3631763"/>
+            <a:ext cx="8584006" cy="3693319"/>
           </a:xfrm>
         </p:spPr>
         <p:txBody>
@@ -34805,387 +34718,274 @@
           <a:lstStyle/>
           <a:p>
             <a:r>
-              <a:rPr lang="en-US" sz="1400" dirty="0">
-                <a:latin typeface="Courier New" pitchFamily="49" charset="0"/>
-                <a:cs typeface="Courier New" pitchFamily="49" charset="0"/>
-              </a:rPr>
-              <a:t>string substring(string s, </a:t>
-            </a:r>
-            <a:r>
-              <a:rPr lang="en-US" sz="1400" dirty="0" err="1">
-                <a:latin typeface="Courier New" pitchFamily="49" charset="0"/>
-                <a:cs typeface="Courier New" pitchFamily="49" charset="0"/>
-              </a:rPr>
-              <a:t>int</a:t>
-            </a:r>
-            <a:r>
-              <a:rPr lang="en-US" sz="1400" dirty="0">
-                <a:latin typeface="Courier New" pitchFamily="49" charset="0"/>
-                <a:cs typeface="Courier New" pitchFamily="49" charset="0"/>
-              </a:rPr>
-              <a:t> </a:t>
-            </a:r>
-            <a:r>
-              <a:rPr lang="en-US" sz="1400" dirty="0" err="1">
-                <a:latin typeface="Courier New" pitchFamily="49" charset="0"/>
-                <a:cs typeface="Courier New" pitchFamily="49" charset="0"/>
-              </a:rPr>
-              <a:t>begin_index_from_zero</a:t>
-            </a:r>
-            <a:r>
-              <a:rPr lang="en-US" sz="1400" dirty="0">
-                <a:latin typeface="Courier New" pitchFamily="49" charset="0"/>
-                <a:cs typeface="Courier New" pitchFamily="49" charset="0"/>
-              </a:rPr>
-              <a:t>, </a:t>
-            </a:r>
-            <a:r>
-              <a:rPr lang="en-US" sz="1400" dirty="0" err="1">
-                <a:latin typeface="Courier New" pitchFamily="49" charset="0"/>
-                <a:cs typeface="Courier New" pitchFamily="49" charset="0"/>
-              </a:rPr>
-              <a:t>int</a:t>
-            </a:r>
-            <a:r>
-              <a:rPr lang="en-US" sz="1400" dirty="0">
-                <a:latin typeface="Courier New" pitchFamily="49" charset="0"/>
-                <a:cs typeface="Courier New" pitchFamily="49" charset="0"/>
-              </a:rPr>
-              <a:t> </a:t>
-            </a:r>
-            <a:r>
-              <a:rPr lang="en-US" sz="1400" dirty="0" err="1">
-                <a:latin typeface="Courier New" pitchFamily="49" charset="0"/>
-                <a:cs typeface="Courier New" pitchFamily="49" charset="0"/>
-              </a:rPr>
-              <a:t>number_of_chars</a:t>
-            </a:r>
-            <a:r>
-              <a:rPr lang="en-US" sz="1400" dirty="0">
-                <a:latin typeface="Courier New" pitchFamily="49" charset="0"/>
-                <a:cs typeface="Courier New" pitchFamily="49" charset="0"/>
-              </a:rPr>
-              <a:t>);</a:t>
+              <a:rPr lang="en-US" sz="1600" dirty="0">
+                <a:latin typeface="Courier New" panose="02070309020205020404" pitchFamily="49" charset="0"/>
+                <a:cs typeface="Courier New" pitchFamily="49" charset="0"/>
+              </a:rPr>
+              <a:t>double sin(double), double </a:t>
+            </a:r>
+            <a:r>
+              <a:rPr lang="en-US" sz="1600" dirty="0" err="1">
+                <a:latin typeface="Courier New" pitchFamily="49" charset="0"/>
+                <a:cs typeface="Courier New" pitchFamily="49" charset="0"/>
+              </a:rPr>
+              <a:t>cos</a:t>
+            </a:r>
+            <a:r>
+              <a:rPr lang="en-US" sz="1600" dirty="0">
+                <a:latin typeface="Courier New" pitchFamily="49" charset="0"/>
+                <a:cs typeface="Courier New" pitchFamily="49" charset="0"/>
+              </a:rPr>
+              <a:t>(double), double tan(double)</a:t>
             </a:r>
           </a:p>
           <a:p>
-            <a:pPr marL="280988" lvl="1" indent="-280988">
-              <a:lnSpc>
-                <a:spcPct val="100000"/>
-              </a:lnSpc>
-              <a:spcBef>
-                <a:spcPts val="1200"/>
-              </a:spcBef>
-              <a:spcAft>
-                <a:spcPts val="600"/>
-              </a:spcAft>
-              <a:buClr>
-                <a:schemeClr val="accent2"/>
-              </a:buClr>
-              <a:buFont typeface="Wingdings" charset="2"/>
-              <a:buChar char="§"/>
-              <a:tabLst>
-                <a:tab pos="3657600" algn="l"/>
-              </a:tabLst>
-            </a:pPr>
-            <a:r>
-              <a:rPr lang="en-US" sz="1400" dirty="0">
-                <a:latin typeface="Courier New" pitchFamily="49" charset="0"/>
-                <a:cs typeface="Courier New" pitchFamily="49" charset="0"/>
-              </a:rPr>
-              <a:t>string left(string s, </a:t>
-            </a:r>
-            <a:r>
-              <a:rPr lang="en-US" sz="1400" dirty="0" err="1">
-                <a:latin typeface="Courier New" pitchFamily="49" charset="0"/>
-                <a:cs typeface="Courier New" pitchFamily="49" charset="0"/>
-              </a:rPr>
-              <a:t>int</a:t>
-            </a:r>
-            <a:r>
-              <a:rPr lang="en-US" sz="1400" dirty="0">
-                <a:latin typeface="Courier New" pitchFamily="49" charset="0"/>
-                <a:cs typeface="Courier New" pitchFamily="49" charset="0"/>
-              </a:rPr>
-              <a:t> n);	</a:t>
-            </a:r>
-            <a:r>
-              <a:rPr lang="en-US" sz="1200" dirty="0">
-                <a:cs typeface="Courier New" pitchFamily="49" charset="0"/>
-              </a:rPr>
-              <a:t>like in BASIC, gives you leftmost / rightmost characters</a:t>
-            </a:r>
-            <a:br>
-              <a:rPr lang="en-US" sz="1400" dirty="0">
-                <a:latin typeface="Courier New" pitchFamily="49" charset="0"/>
-                <a:cs typeface="Courier New" pitchFamily="49" charset="0"/>
-              </a:rPr>
-            </a:br>
-            <a:r>
-              <a:rPr lang="en-US" sz="1400" dirty="0">
-                <a:latin typeface="Courier New" pitchFamily="49" charset="0"/>
-                <a:cs typeface="Courier New" pitchFamily="49" charset="0"/>
-              </a:rPr>
-              <a:t>string right(string s, </a:t>
-            </a:r>
-            <a:r>
-              <a:rPr lang="en-US" sz="1400" dirty="0" err="1">
-                <a:latin typeface="Courier New" pitchFamily="49" charset="0"/>
-                <a:cs typeface="Courier New" pitchFamily="49" charset="0"/>
-              </a:rPr>
-              <a:t>int</a:t>
-            </a:r>
-            <a:r>
-              <a:rPr lang="en-US" sz="1400" dirty="0">
-                <a:latin typeface="Courier New" pitchFamily="49" charset="0"/>
-                <a:cs typeface="Courier New" pitchFamily="49" charset="0"/>
-              </a:rPr>
-              <a:t> n);</a:t>
+            <a:r>
+              <a:rPr lang="en-US" sz="1600" dirty="0">
+                <a:latin typeface="Courier New" pitchFamily="49" charset="0"/>
+                <a:cs typeface="Courier New" pitchFamily="49" charset="0"/>
+              </a:rPr>
+              <a:t>double </a:t>
+            </a:r>
+            <a:r>
+              <a:rPr lang="en-US" sz="1600" dirty="0" err="1">
+                <a:latin typeface="Courier New" pitchFamily="49" charset="0"/>
+                <a:cs typeface="Courier New" pitchFamily="49" charset="0"/>
+              </a:rPr>
+              <a:t>sinh</a:t>
+            </a:r>
+            <a:r>
+              <a:rPr lang="en-US" sz="1600" dirty="0">
+                <a:latin typeface="Courier New" pitchFamily="49" charset="0"/>
+                <a:cs typeface="Courier New" pitchFamily="49" charset="0"/>
+              </a:rPr>
+              <a:t>(double), double </a:t>
+            </a:r>
+            <a:r>
+              <a:rPr lang="en-US" sz="1600" dirty="0" err="1">
+                <a:latin typeface="Courier New" pitchFamily="49" charset="0"/>
+                <a:cs typeface="Courier New" pitchFamily="49" charset="0"/>
+              </a:rPr>
+              <a:t>cosh</a:t>
+            </a:r>
+            <a:r>
+              <a:rPr lang="en-US" sz="1600" dirty="0">
+                <a:latin typeface="Courier New" pitchFamily="49" charset="0"/>
+                <a:cs typeface="Courier New" pitchFamily="49" charset="0"/>
+              </a:rPr>
+              <a:t>(double), double </a:t>
+            </a:r>
+            <a:r>
+              <a:rPr lang="en-US" sz="1600" dirty="0" err="1">
+                <a:latin typeface="Courier New" pitchFamily="49" charset="0"/>
+                <a:cs typeface="Courier New" pitchFamily="49" charset="0"/>
+              </a:rPr>
+              <a:t>tanh</a:t>
+            </a:r>
+            <a:r>
+              <a:rPr lang="en-US" sz="1600" dirty="0">
+                <a:latin typeface="Courier New" pitchFamily="49" charset="0"/>
+                <a:cs typeface="Courier New" pitchFamily="49" charset="0"/>
+              </a:rPr>
+              <a:t>(double)</a:t>
             </a:r>
           </a:p>
           <a:p>
-            <a:pPr>
-              <a:tabLst>
-                <a:tab pos="3657600" algn="l"/>
-              </a:tabLst>
-            </a:pPr>
-            <a:r>
-              <a:rPr lang="en-US" sz="1400" dirty="0">
-                <a:latin typeface="Courier New" pitchFamily="49" charset="0"/>
-                <a:cs typeface="Courier New" pitchFamily="49" charset="0"/>
-              </a:rPr>
-              <a:t>string trim(string s);	</a:t>
-            </a:r>
-            <a:r>
-              <a:rPr lang="en-US" sz="1200" dirty="0">
-                <a:cs typeface="Courier New" pitchFamily="49" charset="0"/>
-              </a:rPr>
-              <a:t>removes leading / trailing whitespace</a:t>
-            </a:r>
-            <a:endParaRPr lang="en-US" sz="1400" dirty="0">
-              <a:cs typeface="Courier New" pitchFamily="49" charset="0"/>
-            </a:endParaRPr>
+            <a:r>
+              <a:rPr lang="en-US" sz="1600" dirty="0">
+                <a:latin typeface="Courier New" pitchFamily="49" charset="0"/>
+                <a:cs typeface="Courier New" pitchFamily="49" charset="0"/>
+              </a:rPr>
+              <a:t>double </a:t>
+            </a:r>
+            <a:r>
+              <a:rPr lang="en-US" sz="1600" dirty="0" err="1">
+                <a:latin typeface="Courier New" pitchFamily="49" charset="0"/>
+                <a:cs typeface="Courier New" pitchFamily="49" charset="0"/>
+              </a:rPr>
+              <a:t>asin</a:t>
+            </a:r>
+            <a:r>
+              <a:rPr lang="en-US" sz="1600" dirty="0">
+                <a:latin typeface="Courier New" pitchFamily="49" charset="0"/>
+                <a:cs typeface="Courier New" pitchFamily="49" charset="0"/>
+              </a:rPr>
+              <a:t>(double), double </a:t>
+            </a:r>
+            <a:r>
+              <a:rPr lang="en-US" sz="1600" dirty="0" err="1">
+                <a:latin typeface="Courier New" pitchFamily="49" charset="0"/>
+                <a:cs typeface="Courier New" pitchFamily="49" charset="0"/>
+              </a:rPr>
+              <a:t>acos</a:t>
+            </a:r>
+            <a:r>
+              <a:rPr lang="en-US" sz="1600" dirty="0">
+                <a:latin typeface="Courier New" pitchFamily="49" charset="0"/>
+                <a:cs typeface="Courier New" pitchFamily="49" charset="0"/>
+              </a:rPr>
+              <a:t>(double),</a:t>
+            </a:r>
+            <a:br>
+              <a:rPr lang="en-US" sz="1600" dirty="0">
+                <a:latin typeface="Courier New" pitchFamily="49" charset="0"/>
+                <a:cs typeface="Courier New" pitchFamily="49" charset="0"/>
+              </a:rPr>
+            </a:br>
+            <a:r>
+              <a:rPr lang="en-US" sz="1600" dirty="0">
+                <a:latin typeface="Courier New" pitchFamily="49" charset="0"/>
+                <a:cs typeface="Courier New" pitchFamily="49" charset="0"/>
+              </a:rPr>
+              <a:t>double </a:t>
+            </a:r>
+            <a:r>
+              <a:rPr lang="en-US" sz="1600" dirty="0" err="1">
+                <a:latin typeface="Courier New" pitchFamily="49" charset="0"/>
+                <a:cs typeface="Courier New" pitchFamily="49" charset="0"/>
+              </a:rPr>
+              <a:t>atan</a:t>
+            </a:r>
+            <a:r>
+              <a:rPr lang="en-US" sz="1600" dirty="0">
+                <a:latin typeface="Courier New" pitchFamily="49" charset="0"/>
+                <a:cs typeface="Courier New" pitchFamily="49" charset="0"/>
+              </a:rPr>
+              <a:t>(double), double atan2(</a:t>
+            </a:r>
+            <a:r>
+              <a:rPr lang="en-US" sz="1600" dirty="0" err="1">
+                <a:latin typeface="Courier New" pitchFamily="49" charset="0"/>
+                <a:cs typeface="Courier New" pitchFamily="49" charset="0"/>
+              </a:rPr>
+              <a:t>double,double</a:t>
+            </a:r>
+            <a:r>
+              <a:rPr lang="en-US" sz="1600" dirty="0">
+                <a:latin typeface="Courier New" pitchFamily="49" charset="0"/>
+                <a:cs typeface="Courier New" pitchFamily="49" charset="0"/>
+              </a:rPr>
+              <a:t>)</a:t>
+            </a:r>
           </a:p>
           <a:p>
             <a:r>
-              <a:rPr lang="en-US" sz="1400" dirty="0">
-                <a:latin typeface="Courier New" pitchFamily="49" charset="0"/>
-                <a:cs typeface="Courier New" pitchFamily="49" charset="0"/>
-              </a:rPr>
-              <a:t>string </a:t>
-            </a:r>
-            <a:r>
-              <a:rPr lang="en-US" sz="1400" dirty="0" err="1">
-                <a:latin typeface="Courier New" pitchFamily="49" charset="0"/>
-                <a:cs typeface="Courier New" pitchFamily="49" charset="0"/>
-              </a:rPr>
-              <a:t>to_lower</a:t>
-            </a:r>
-            <a:r>
-              <a:rPr lang="en-US" sz="1400" dirty="0">
-                <a:latin typeface="Courier New" pitchFamily="49" charset="0"/>
-                <a:cs typeface="Courier New" pitchFamily="49" charset="0"/>
-              </a:rPr>
-              <a:t>(string s); </a:t>
+              <a:rPr lang="en-US" sz="1600" dirty="0">
+                <a:latin typeface="Courier New" pitchFamily="49" charset="0"/>
+                <a:cs typeface="Courier New" pitchFamily="49" charset="0"/>
+              </a:rPr>
+              <a:t>double log(double), log10(double), </a:t>
             </a:r>
             <a:br>
-              <a:rPr lang="en-US" sz="1400" dirty="0">
+              <a:rPr lang="en-US" sz="1600" dirty="0">
                 <a:latin typeface="Courier New" pitchFamily="49" charset="0"/>
                 <a:cs typeface="Courier New" pitchFamily="49" charset="0"/>
               </a:rPr>
             </a:br>
             <a:r>
-              <a:rPr lang="en-US" sz="1400" dirty="0">
-                <a:latin typeface="Courier New" pitchFamily="49" charset="0"/>
-                <a:cs typeface="Courier New" pitchFamily="49" charset="0"/>
-              </a:rPr>
-              <a:t>string </a:t>
-            </a:r>
-            <a:r>
-              <a:rPr lang="en-US" sz="1400" dirty="0" err="1">
-                <a:latin typeface="Courier New" pitchFamily="49" charset="0"/>
-                <a:cs typeface="Courier New" pitchFamily="49" charset="0"/>
-              </a:rPr>
-              <a:t>to_upper</a:t>
-            </a:r>
-            <a:r>
-              <a:rPr lang="en-US" sz="1400" dirty="0">
-                <a:latin typeface="Courier New" pitchFamily="49" charset="0"/>
-                <a:cs typeface="Courier New" pitchFamily="49" charset="0"/>
-              </a:rPr>
-              <a:t>(string s);</a:t>
+              <a:rPr lang="en-US" sz="1600" dirty="0">
+                <a:latin typeface="Courier New" pitchFamily="49" charset="0"/>
+                <a:cs typeface="Courier New" pitchFamily="49" charset="0"/>
+              </a:rPr>
+              <a:t>double exp(double), double </a:t>
+            </a:r>
+            <a:r>
+              <a:rPr lang="en-US" sz="1600" dirty="0" err="1">
+                <a:latin typeface="Courier New" pitchFamily="49" charset="0"/>
+                <a:cs typeface="Courier New" pitchFamily="49" charset="0"/>
+              </a:rPr>
+              <a:t>pow</a:t>
+            </a:r>
+            <a:r>
+              <a:rPr lang="en-US" sz="1600" dirty="0">
+                <a:latin typeface="Courier New" pitchFamily="49" charset="0"/>
+                <a:cs typeface="Courier New" pitchFamily="49" charset="0"/>
+              </a:rPr>
+              <a:t>(</a:t>
+            </a:r>
+            <a:r>
+              <a:rPr lang="en-US" sz="1600" dirty="0" err="1">
+                <a:latin typeface="Courier New" pitchFamily="49" charset="0"/>
+                <a:cs typeface="Courier New" pitchFamily="49" charset="0"/>
+              </a:rPr>
+              <a:t>double,double</a:t>
+            </a:r>
+            <a:r>
+              <a:rPr lang="en-US" sz="1600" dirty="0">
+                <a:latin typeface="Courier New" pitchFamily="49" charset="0"/>
+                <a:cs typeface="Courier New" pitchFamily="49" charset="0"/>
+              </a:rPr>
+              <a:t>)</a:t>
             </a:r>
           </a:p>
           <a:p>
             <a:r>
-              <a:rPr lang="en-US" sz="1400" dirty="0" err="1">
-                <a:latin typeface="Courier New" pitchFamily="49" charset="0"/>
-                <a:cs typeface="Courier New" pitchFamily="49" charset="0"/>
-              </a:rPr>
-              <a:t>int</a:t>
-            </a:r>
-            <a:r>
-              <a:rPr lang="en-US" sz="1400" dirty="0">
-                <a:latin typeface="Courier New" pitchFamily="49" charset="0"/>
-                <a:cs typeface="Courier New" pitchFamily="49" charset="0"/>
-              </a:rPr>
-              <a:t> </a:t>
-            </a:r>
-            <a:r>
-              <a:rPr lang="en-US" sz="1400" dirty="0" err="1">
-                <a:latin typeface="Courier New" pitchFamily="49" charset="0"/>
-                <a:cs typeface="Courier New" pitchFamily="49" charset="0"/>
-              </a:rPr>
-              <a:t>stringCaseInsensitiveEquality</a:t>
-            </a:r>
-            <a:r>
-              <a:rPr lang="en-US" sz="1400" dirty="0">
-                <a:latin typeface="Courier New" pitchFamily="49" charset="0"/>
-                <a:cs typeface="Courier New" pitchFamily="49" charset="0"/>
-              </a:rPr>
-              <a:t>(string s1, string s2);</a:t>
+              <a:rPr lang="en-US" sz="1600" dirty="0">
+                <a:latin typeface="Courier New" pitchFamily="49" charset="0"/>
+                <a:cs typeface="Courier New" pitchFamily="49" charset="0"/>
+              </a:rPr>
+              <a:t>double </a:t>
+            </a:r>
+            <a:r>
+              <a:rPr lang="en-US" sz="1600" dirty="0" err="1">
+                <a:latin typeface="Courier New" pitchFamily="49" charset="0"/>
+                <a:cs typeface="Courier New" pitchFamily="49" charset="0"/>
+              </a:rPr>
+              <a:t>sqrt</a:t>
+            </a:r>
+            <a:r>
+              <a:rPr lang="en-US" sz="1600" dirty="0">
+                <a:latin typeface="Courier New" pitchFamily="49" charset="0"/>
+                <a:cs typeface="Courier New" pitchFamily="49" charset="0"/>
+              </a:rPr>
+              <a:t>(double)</a:t>
             </a:r>
           </a:p>
           <a:p>
             <a:r>
-              <a:rPr lang="en-US" sz="1400" dirty="0">
-                <a:latin typeface="Courier New" pitchFamily="49" charset="0"/>
-                <a:cs typeface="Courier New" pitchFamily="49" charset="0"/>
-              </a:rPr>
-              <a:t>string </a:t>
-            </a:r>
-            <a:r>
-              <a:rPr lang="en-US" sz="1400" dirty="0" err="1">
-                <a:latin typeface="Courier New" pitchFamily="49" charset="0"/>
-                <a:cs typeface="Courier New" pitchFamily="49" charset="0"/>
-              </a:rPr>
-              <a:t>int_to_ldev</a:t>
-            </a:r>
-            <a:r>
-              <a:rPr lang="en-US" sz="1400" dirty="0">
-                <a:latin typeface="Courier New" pitchFamily="49" charset="0"/>
-                <a:cs typeface="Courier New" pitchFamily="49" charset="0"/>
-              </a:rPr>
-              <a:t>(</a:t>
-            </a:r>
-            <a:r>
-              <a:rPr lang="en-US" sz="1400" dirty="0" err="1">
+              <a:rPr lang="en-US" sz="1600" dirty="0" err="1">
                 <a:latin typeface="Courier New" pitchFamily="49" charset="0"/>
                 <a:cs typeface="Courier New" pitchFamily="49" charset="0"/>
               </a:rPr>
               <a:t>int</a:t>
             </a:r>
             <a:r>
-              <a:rPr lang="en-US" sz="1400" dirty="0">
-                <a:latin typeface="Courier New" pitchFamily="49" charset="0"/>
-                <a:cs typeface="Courier New" pitchFamily="49" charset="0"/>
-              </a:rPr>
-              <a:t> n);    </a:t>
-            </a:r>
-            <a:r>
-              <a:rPr lang="en-US" sz="1400" dirty="0" err="1">
-                <a:latin typeface="Courier New" pitchFamily="49" charset="0"/>
-                <a:cs typeface="Courier New" pitchFamily="49" charset="0"/>
-              </a:rPr>
-              <a:t>int_to_ldev</a:t>
-            </a:r>
-            <a:r>
-              <a:rPr lang="en-US" sz="1400" dirty="0">
-                <a:latin typeface="Courier New" pitchFamily="49" charset="0"/>
-                <a:cs typeface="Courier New" pitchFamily="49" charset="0"/>
-              </a:rPr>
-              <a:t>(0xFF) </a:t>
-            </a:r>
-            <a:r>
-              <a:rPr lang="en-US" sz="1400" dirty="0">
-                <a:cs typeface="Courier New" pitchFamily="49" charset="0"/>
-              </a:rPr>
-              <a:t>returns</a:t>
-            </a:r>
-            <a:r>
-              <a:rPr lang="en-US" sz="1400" dirty="0">
-                <a:latin typeface="Courier New" pitchFamily="49" charset="0"/>
-                <a:cs typeface="Courier New" pitchFamily="49" charset="0"/>
-              </a:rPr>
-              <a:t> "00:FF"</a:t>
+              <a:rPr lang="en-US" sz="1600" dirty="0">
+                <a:latin typeface="Courier New" pitchFamily="49" charset="0"/>
+                <a:cs typeface="Courier New" pitchFamily="49" charset="0"/>
+              </a:rPr>
+              <a:t> abs(</a:t>
+            </a:r>
+            <a:r>
+              <a:rPr lang="en-US" sz="1600" dirty="0" err="1">
+                <a:latin typeface="Courier New" pitchFamily="49" charset="0"/>
+                <a:cs typeface="Courier New" pitchFamily="49" charset="0"/>
+              </a:rPr>
+              <a:t>int</a:t>
+            </a:r>
+            <a:r>
+              <a:rPr lang="en-US" sz="1600" dirty="0">
+                <a:latin typeface="Courier New" pitchFamily="49" charset="0"/>
+                <a:cs typeface="Courier New" pitchFamily="49" charset="0"/>
+              </a:rPr>
+              <a:t>) </a:t>
+            </a:r>
+            <a:r>
+              <a:rPr lang="en-US" sz="1600" dirty="0">
+                <a:cs typeface="Courier New" pitchFamily="49" charset="0"/>
+              </a:rPr>
+              <a:t>- absolute value</a:t>
             </a:r>
           </a:p>
           <a:p>
             <a:r>
-              <a:rPr lang="en-US" sz="1400" dirty="0">
-                <a:latin typeface="Courier New" pitchFamily="49" charset="0"/>
-                <a:cs typeface="Courier New" pitchFamily="49" charset="0"/>
-              </a:rPr>
-              <a:t>string </a:t>
-            </a:r>
-            <a:r>
-              <a:rPr lang="en-US" sz="1400" dirty="0" err="1">
-                <a:latin typeface="Courier New" pitchFamily="49" charset="0"/>
-                <a:cs typeface="Courier New" pitchFamily="49" charset="0"/>
-              </a:rPr>
-              <a:t>to_string_with_decimal_places</a:t>
-            </a:r>
-            <a:r>
-              <a:rPr lang="en-US" sz="1400" dirty="0">
-                <a:latin typeface="Courier New" pitchFamily="49" charset="0"/>
-                <a:cs typeface="Courier New" pitchFamily="49" charset="0"/>
-              </a:rPr>
-              <a:t>(double x, </a:t>
-            </a:r>
-            <a:r>
-              <a:rPr lang="en-US" sz="1400" dirty="0" err="1">
-                <a:latin typeface="Courier New" pitchFamily="49" charset="0"/>
-                <a:cs typeface="Courier New" pitchFamily="49" charset="0"/>
-              </a:rPr>
-              <a:t>int</a:t>
-            </a:r>
-            <a:r>
-              <a:rPr lang="en-US" sz="1400" dirty="0">
-                <a:latin typeface="Courier New" pitchFamily="49" charset="0"/>
-                <a:cs typeface="Courier New" pitchFamily="49" charset="0"/>
-              </a:rPr>
-              <a:t> n);</a:t>
-            </a:r>
-            <a:br>
-              <a:rPr lang="en-US" sz="1400" dirty="0">
-                <a:latin typeface="Courier New" pitchFamily="49" charset="0"/>
-                <a:cs typeface="Courier New" pitchFamily="49" charset="0"/>
-              </a:rPr>
-            </a:br>
-            <a:r>
-              <a:rPr lang="en-US" sz="1400" dirty="0">
-                <a:latin typeface="Courier New" pitchFamily="49" charset="0"/>
-                <a:cs typeface="Courier New" pitchFamily="49" charset="0"/>
-              </a:rPr>
-              <a:t>	</a:t>
-            </a:r>
-            <a:r>
-              <a:rPr lang="en-US" sz="1400" dirty="0" err="1">
-                <a:latin typeface="Courier New" pitchFamily="49" charset="0"/>
-                <a:cs typeface="Courier New" pitchFamily="49" charset="0"/>
-              </a:rPr>
-              <a:t>to_string_decimal_places</a:t>
-            </a:r>
-            <a:r>
-              <a:rPr lang="en-US" sz="1400" dirty="0">
-                <a:latin typeface="Courier New" pitchFamily="49" charset="0"/>
-                <a:cs typeface="Courier New" pitchFamily="49" charset="0"/>
-              </a:rPr>
-              <a:t>(3.1415,2) </a:t>
-            </a:r>
-            <a:r>
-              <a:rPr lang="en-US" sz="1400" dirty="0">
-                <a:cs typeface="Courier New" pitchFamily="49" charset="0"/>
-              </a:rPr>
-              <a:t>returns</a:t>
-            </a:r>
-            <a:r>
-              <a:rPr lang="en-US" sz="1400" dirty="0">
-                <a:latin typeface="Courier New" pitchFamily="49" charset="0"/>
-                <a:cs typeface="Courier New" pitchFamily="49" charset="0"/>
-              </a:rPr>
-              <a:t> "3.14"</a:t>
-            </a:r>
+              <a:rPr lang="en-US" sz="1600" dirty="0">
+                <a:latin typeface="Courier New" pitchFamily="49" charset="0"/>
+                <a:cs typeface="Courier New" pitchFamily="49" charset="0"/>
+              </a:rPr>
+              <a:t>double pi(), double e()</a:t>
+            </a:r>
+            <a:endParaRPr lang="en-US" sz="1600" dirty="0"/>
           </a:p>
         </p:txBody>
       </p:sp>
@@ -35199,22 +34999,21 @@
             <p:ph type="title"/>
           </p:nvPr>
         </p:nvSpPr>
-        <p:spPr/>
+        <p:spPr>
+          <a:xfrm>
+            <a:off x="264160" y="53113"/>
+            <a:ext cx="7236894" cy="732441"/>
+          </a:xfrm>
+        </p:spPr>
         <p:txBody>
-          <a:bodyPr/>
+          <a:bodyPr>
+            <a:normAutofit/>
+          </a:bodyPr>
           <a:lstStyle/>
           <a:p>
             <a:r>
               <a:rPr lang="en-US" dirty="0"/>
-              <a:t>String </a:t>
-            </a:r>
-            <a:r>
-              <a:rPr lang="en-US" dirty="0" err="1"/>
-              <a:t>builtin</a:t>
-            </a:r>
-            <a:r>
-              <a:rPr lang="en-US" dirty="0"/>
-              <a:t> functions</a:t>
+              <a:t>Math builtin functions – same as C/C++</a:t>
             </a:r>
           </a:p>
         </p:txBody>
@@ -35269,7 +35068,7 @@
         <p:spPr>
           <a:xfrm>
             <a:off x="264160" y="967575"/>
-            <a:ext cx="8584006" cy="3585597"/>
+            <a:ext cx="8584006" cy="3631763"/>
           </a:xfrm>
         </p:spPr>
         <p:txBody>
@@ -35278,36 +35077,95 @@
           <a:p>
             <a:r>
               <a:rPr lang="en-US" sz="1400" dirty="0">
-                <a:cs typeface="Courier New" pitchFamily="49" charset="0"/>
-              </a:rPr>
-              <a:t>ivy uses the default flavour of C++ std::</a:t>
+                <a:latin typeface="Courier New" pitchFamily="49" charset="0"/>
+                <a:cs typeface="Courier New" pitchFamily="49" charset="0"/>
+              </a:rPr>
+              <a:t>string substring(string s, </a:t>
             </a:r>
             <a:r>
               <a:rPr lang="en-US" sz="1400" dirty="0" err="1">
-                <a:cs typeface="Courier New" pitchFamily="49" charset="0"/>
-              </a:rPr>
-              <a:t>regex</a:t>
+                <a:latin typeface="Courier New" pitchFamily="49" charset="0"/>
+                <a:cs typeface="Courier New" pitchFamily="49" charset="0"/>
+              </a:rPr>
+              <a:t>int</a:t>
             </a:r>
             <a:r>
               <a:rPr lang="en-US" sz="1400" dirty="0">
-                <a:cs typeface="Courier New" pitchFamily="49" charset="0"/>
-              </a:rPr>
-              <a:t>, which I think uses the </a:t>
+                <a:latin typeface="Courier New" pitchFamily="49" charset="0"/>
+                <a:cs typeface="Courier New" pitchFamily="49" charset="0"/>
+              </a:rPr>
+              <a:t> </a:t>
             </a:r>
             <a:r>
               <a:rPr lang="en-US" sz="1400" dirty="0" err="1">
-                <a:cs typeface="Courier New" pitchFamily="49" charset="0"/>
-              </a:rPr>
-              <a:t>ECMAscript</a:t>
+                <a:latin typeface="Courier New" pitchFamily="49" charset="0"/>
+                <a:cs typeface="Courier New" pitchFamily="49" charset="0"/>
+              </a:rPr>
+              <a:t>begin_index_from_zero</a:t>
             </a:r>
             <a:r>
               <a:rPr lang="en-US" sz="1400" dirty="0">
-                <a:cs typeface="Courier New" pitchFamily="49" charset="0"/>
-              </a:rPr>
-              <a:t> dialect</a:t>
+                <a:latin typeface="Courier New" pitchFamily="49" charset="0"/>
+                <a:cs typeface="Courier New" pitchFamily="49" charset="0"/>
+              </a:rPr>
+              <a:t>, </a:t>
+            </a:r>
+            <a:r>
+              <a:rPr lang="en-US" sz="1400" dirty="0" err="1">
+                <a:latin typeface="Courier New" pitchFamily="49" charset="0"/>
+                <a:cs typeface="Courier New" pitchFamily="49" charset="0"/>
+              </a:rPr>
+              <a:t>int</a:t>
+            </a:r>
+            <a:r>
+              <a:rPr lang="en-US" sz="1400" dirty="0">
+                <a:latin typeface="Courier New" pitchFamily="49" charset="0"/>
+                <a:cs typeface="Courier New" pitchFamily="49" charset="0"/>
+              </a:rPr>
+              <a:t> </a:t>
+            </a:r>
+            <a:r>
+              <a:rPr lang="en-US" sz="1400" dirty="0" err="1">
+                <a:latin typeface="Courier New" pitchFamily="49" charset="0"/>
+                <a:cs typeface="Courier New" pitchFamily="49" charset="0"/>
+              </a:rPr>
+              <a:t>number_of_chars</a:t>
+            </a:r>
+            <a:r>
+              <a:rPr lang="en-US" sz="1400" dirty="0">
+                <a:latin typeface="Courier New" pitchFamily="49" charset="0"/>
+                <a:cs typeface="Courier New" pitchFamily="49" charset="0"/>
+              </a:rPr>
+              <a:t>);</a:t>
             </a:r>
           </a:p>
           <a:p>
+            <a:pPr marL="280988" lvl="1" indent="-280988">
+              <a:lnSpc>
+                <a:spcPct val="100000"/>
+              </a:lnSpc>
+              <a:spcBef>
+                <a:spcPts val="1200"/>
+              </a:spcBef>
+              <a:spcAft>
+                <a:spcPts val="600"/>
+              </a:spcAft>
+              <a:buClr>
+                <a:schemeClr val="accent2"/>
+              </a:buClr>
+              <a:buFont typeface="Wingdings" charset="2"/>
+              <a:buChar char="§"/>
+              <a:tabLst>
+                <a:tab pos="3657600" algn="l"/>
+              </a:tabLst>
+            </a:pPr>
+            <a:r>
+              <a:rPr lang="en-US" sz="1400" dirty="0">
+                <a:latin typeface="Courier New" pitchFamily="49" charset="0"/>
+                <a:cs typeface="Courier New" pitchFamily="49" charset="0"/>
+              </a:rPr>
+              <a:t>string left(string s, </a:t>
+            </a:r>
             <a:r>
               <a:rPr lang="en-US" sz="1400" dirty="0" err="1">
                 <a:latin typeface="Courier New" pitchFamily="49" charset="0"/>
@@ -35320,35 +35178,13 @@
                 <a:latin typeface="Courier New" pitchFamily="49" charset="0"/>
                 <a:cs typeface="Courier New" pitchFamily="49" charset="0"/>
               </a:rPr>
-              <a:t> </a:t>
-            </a:r>
-            <a:r>
-              <a:rPr lang="en-US" sz="1400" dirty="0" err="1">
-                <a:latin typeface="Courier New" pitchFamily="49" charset="0"/>
-                <a:cs typeface="Courier New" pitchFamily="49" charset="0"/>
-              </a:rPr>
-              <a:t>regex_match</a:t>
-            </a:r>
-            <a:r>
-              <a:rPr lang="en-US" sz="1400" dirty="0">
-                <a:latin typeface="Courier New" pitchFamily="49" charset="0"/>
-                <a:cs typeface="Courier New" pitchFamily="49" charset="0"/>
-              </a:rPr>
-              <a:t>(std::string s, string </a:t>
-            </a:r>
-            <a:r>
-              <a:rPr lang="en-US" sz="1400" dirty="0" err="1">
-                <a:latin typeface="Courier New" pitchFamily="49" charset="0"/>
-                <a:cs typeface="Courier New" pitchFamily="49" charset="0"/>
-              </a:rPr>
-              <a:t>regex</a:t>
-            </a:r>
-            <a:r>
-              <a:rPr lang="en-US" sz="1400" dirty="0">
-                <a:latin typeface="Courier New" pitchFamily="49" charset="0"/>
-                <a:cs typeface="Courier New" pitchFamily="49" charset="0"/>
-              </a:rPr>
-              <a:t>);</a:t>
+              <a:t> n);	</a:t>
+            </a:r>
+            <a:r>
+              <a:rPr lang="en-US" sz="1200" dirty="0">
+                <a:cs typeface="Courier New" pitchFamily="49" charset="0"/>
+              </a:rPr>
+              <a:t>like in BASIC, gives you leftmost / rightmost characters</a:t>
             </a:r>
             <a:br>
               <a:rPr lang="en-US" sz="1400" dirty="0">
@@ -35361,91 +35197,47 @@
                 <a:latin typeface="Courier New" pitchFamily="49" charset="0"/>
                 <a:cs typeface="Courier New" pitchFamily="49" charset="0"/>
               </a:rPr>
-              <a:t>	</a:t>
-            </a:r>
-            <a:r>
-              <a:rPr lang="en-US" sz="1200" dirty="0">
-                <a:cs typeface="Courier New" pitchFamily="49" charset="0"/>
-              </a:rPr>
-              <a:t>E.g.   </a:t>
-            </a:r>
-            <a:r>
-              <a:rPr lang="en-US" sz="1200" dirty="0">
-                <a:latin typeface="Courier New" pitchFamily="49" charset="0"/>
-                <a:cs typeface="Courier New" pitchFamily="49" charset="0"/>
-              </a:rPr>
-              <a:t>if ( </a:t>
-            </a:r>
-            <a:r>
-              <a:rPr lang="en-US" sz="1200" dirty="0" err="1">
-                <a:latin typeface="Courier New" pitchFamily="49" charset="0"/>
-                <a:cs typeface="Courier New" pitchFamily="49" charset="0"/>
-              </a:rPr>
-              <a:t>regex_match</a:t>
-            </a:r>
-            <a:r>
-              <a:rPr lang="en-US" sz="1200" dirty="0">
-                <a:latin typeface="Courier New" pitchFamily="49" charset="0"/>
-                <a:cs typeface="Courier New" pitchFamily="49" charset="0"/>
-              </a:rPr>
-              <a:t>("horse","(horse)|(cow)") ) then print("animal\n");</a:t>
+              <a:t>string right(string s, </a:t>
+            </a:r>
+            <a:r>
+              <a:rPr lang="en-US" sz="1400" dirty="0" err="1">
+                <a:latin typeface="Courier New" pitchFamily="49" charset="0"/>
+                <a:cs typeface="Courier New" pitchFamily="49" charset="0"/>
+              </a:rPr>
+              <a:t>int</a:t>
+            </a:r>
+            <a:r>
+              <a:rPr lang="en-US" sz="1400" dirty="0">
+                <a:latin typeface="Courier New" pitchFamily="49" charset="0"/>
+                <a:cs typeface="Courier New" pitchFamily="49" charset="0"/>
+              </a:rPr>
+              <a:t> n);</a:t>
             </a:r>
           </a:p>
           <a:p>
             <a:pPr>
-              <a:spcBef>
-                <a:spcPts val="600"/>
-              </a:spcBef>
+              <a:tabLst>
+                <a:tab pos="3657600" algn="l"/>
+              </a:tabLst>
             </a:pPr>
             <a:r>
-              <a:rPr lang="en-US" sz="1400" dirty="0" err="1">
-                <a:latin typeface="Courier New" pitchFamily="49" charset="0"/>
-                <a:cs typeface="Courier New" pitchFamily="49" charset="0"/>
-              </a:rPr>
-              <a:t>int</a:t>
-            </a:r>
-            <a:r>
               <a:rPr lang="en-US" sz="1400" dirty="0">
                 <a:latin typeface="Courier New" pitchFamily="49" charset="0"/>
                 <a:cs typeface="Courier New" pitchFamily="49" charset="0"/>
               </a:rPr>
-              <a:t> </a:t>
-            </a:r>
-            <a:r>
-              <a:rPr lang="en-US" sz="1400" dirty="0" err="1">
-                <a:latin typeface="Courier New" pitchFamily="49" charset="0"/>
-                <a:cs typeface="Courier New" pitchFamily="49" charset="0"/>
-              </a:rPr>
-              <a:t>regex_sub_match_count</a:t>
-            </a:r>
-            <a:r>
-              <a:rPr lang="en-US" sz="1400" dirty="0">
-                <a:latin typeface="Courier New" pitchFamily="49" charset="0"/>
-                <a:cs typeface="Courier New" pitchFamily="49" charset="0"/>
-              </a:rPr>
-              <a:t>(string s, string </a:t>
-            </a:r>
-            <a:r>
-              <a:rPr lang="en-US" sz="1400" dirty="0" err="1">
-                <a:latin typeface="Courier New" pitchFamily="49" charset="0"/>
-                <a:cs typeface="Courier New" pitchFamily="49" charset="0"/>
-              </a:rPr>
-              <a:t>regex</a:t>
-            </a:r>
-            <a:r>
-              <a:rPr lang="en-US" sz="1400" dirty="0">
-                <a:latin typeface="Courier New" pitchFamily="49" charset="0"/>
-                <a:cs typeface="Courier New" pitchFamily="49" charset="0"/>
-              </a:rPr>
-              <a:t>);</a:t>
-            </a:r>
+              <a:t>string trim(string s);	</a:t>
+            </a:r>
+            <a:r>
+              <a:rPr lang="en-US" sz="1200" dirty="0">
+                <a:cs typeface="Courier New" pitchFamily="49" charset="0"/>
+              </a:rPr>
+              <a:t>removes leading / trailing whitespace</a:t>
+            </a:r>
+            <a:endParaRPr lang="en-US" sz="1400" dirty="0">
+              <a:cs typeface="Courier New" pitchFamily="49" charset="0"/>
+            </a:endParaRPr>
           </a:p>
           <a:p>
-            <a:pPr>
-              <a:spcBef>
-                <a:spcPts val="600"/>
-              </a:spcBef>
-            </a:pPr>
             <a:r>
               <a:rPr lang="en-US" sz="1400" dirty="0">
                 <a:latin typeface="Courier New" pitchFamily="49" charset="0"/>
@@ -35458,42 +35250,14 @@
                 <a:latin typeface="Courier New" pitchFamily="49" charset="0"/>
                 <a:cs typeface="Courier New" pitchFamily="49" charset="0"/>
               </a:rPr>
-              <a:t>regex_sub_match</a:t>
+              <a:t>to_lower</a:t>
             </a:r>
             <a:r>
               <a:rPr lang="en-US" sz="1400" dirty="0">
                 <a:latin typeface="Courier New" pitchFamily="49" charset="0"/>
                 <a:cs typeface="Courier New" pitchFamily="49" charset="0"/>
               </a:rPr>
-              <a:t>(string s, string </a:t>
-            </a:r>
-            <a:r>
-              <a:rPr lang="en-US" sz="1400" dirty="0" err="1">
-                <a:latin typeface="Courier New" pitchFamily="49" charset="0"/>
-                <a:cs typeface="Courier New" pitchFamily="49" charset="0"/>
-              </a:rPr>
-              <a:t>regex</a:t>
-            </a:r>
-            <a:r>
-              <a:rPr lang="en-US" sz="1400" dirty="0">
-                <a:latin typeface="Courier New" pitchFamily="49" charset="0"/>
-                <a:cs typeface="Courier New" pitchFamily="49" charset="0"/>
-              </a:rPr>
-              <a:t>, </a:t>
-            </a:r>
-            <a:r>
-              <a:rPr lang="en-US" sz="1400" dirty="0" err="1">
-                <a:latin typeface="Courier New" pitchFamily="49" charset="0"/>
-                <a:cs typeface="Courier New" pitchFamily="49" charset="0"/>
-              </a:rPr>
-              <a:t>int</a:t>
-            </a:r>
-            <a:r>
-              <a:rPr lang="en-US" sz="1400" dirty="0">
-                <a:latin typeface="Courier New" pitchFamily="49" charset="0"/>
-                <a:cs typeface="Courier New" pitchFamily="49" charset="0"/>
-              </a:rPr>
-              <a:t> n);</a:t>
+              <a:t>(string s); </a:t>
             </a:r>
             <a:br>
               <a:rPr lang="en-US" sz="1400" dirty="0">
@@ -35506,49 +35270,24 @@
                 <a:latin typeface="Courier New" pitchFamily="49" charset="0"/>
                 <a:cs typeface="Courier New" pitchFamily="49" charset="0"/>
               </a:rPr>
-              <a:t>	n</a:t>
-            </a:r>
-            <a:r>
-              <a:rPr lang="en-US" sz="1200" dirty="0">
-                <a:cs typeface="Courier New" pitchFamily="49" charset="0"/>
-              </a:rPr>
-              <a:t> must be less than </a:t>
-            </a:r>
-            <a:r>
-              <a:rPr lang="en-US" sz="1200" dirty="0" err="1">
-                <a:latin typeface="Courier New" pitchFamily="49" charset="0"/>
-                <a:cs typeface="Courier New" pitchFamily="49" charset="0"/>
-              </a:rPr>
-              <a:t>regex_sub_match_count</a:t>
-            </a:r>
-            <a:r>
-              <a:rPr lang="en-US" sz="1200" dirty="0">
-                <a:latin typeface="Courier New" pitchFamily="49" charset="0"/>
-                <a:cs typeface="Courier New" pitchFamily="49" charset="0"/>
-              </a:rPr>
-              <a:t>(s, </a:t>
-            </a:r>
-            <a:r>
-              <a:rPr lang="en-US" sz="1200" dirty="0" err="1">
-                <a:latin typeface="Courier New" pitchFamily="49" charset="0"/>
-                <a:cs typeface="Courier New" pitchFamily="49" charset="0"/>
-              </a:rPr>
-              <a:t>regex</a:t>
-            </a:r>
-            <a:r>
-              <a:rPr lang="en-US" sz="1200" dirty="0">
-                <a:latin typeface="Courier New" pitchFamily="49" charset="0"/>
-                <a:cs typeface="Courier New" pitchFamily="49" charset="0"/>
-              </a:rPr>
-              <a:t>)</a:t>
+              <a:t>string </a:t>
+            </a:r>
+            <a:r>
+              <a:rPr lang="en-US" sz="1400" dirty="0" err="1">
+                <a:latin typeface="Courier New" pitchFamily="49" charset="0"/>
+                <a:cs typeface="Courier New" pitchFamily="49" charset="0"/>
+              </a:rPr>
+              <a:t>to_upper</a:t>
+            </a:r>
+            <a:r>
+              <a:rPr lang="en-US" sz="1400" dirty="0">
+                <a:latin typeface="Courier New" pitchFamily="49" charset="0"/>
+                <a:cs typeface="Courier New" pitchFamily="49" charset="0"/>
+              </a:rPr>
+              <a:t>(string s);</a:t>
             </a:r>
           </a:p>
           <a:p>
-            <a:pPr>
-              <a:spcBef>
-                <a:spcPts val="600"/>
-              </a:spcBef>
-            </a:pPr>
             <a:r>
               <a:rPr lang="en-US" sz="1400" dirty="0" err="1">
                 <a:latin typeface="Courier New" pitchFamily="49" charset="0"/>
@@ -35568,14 +35307,115 @@
                 <a:latin typeface="Courier New" pitchFamily="49" charset="0"/>
                 <a:cs typeface="Courier New" pitchFamily="49" charset="0"/>
               </a:rPr>
-              <a:t>matches_digits</a:t>
+              <a:t>stringCaseInsensitiveEquality</a:t>
             </a:r>
             <a:r>
               <a:rPr lang="en-US" sz="1400" dirty="0">
                 <a:latin typeface="Courier New" pitchFamily="49" charset="0"/>
                 <a:cs typeface="Courier New" pitchFamily="49" charset="0"/>
               </a:rPr>
-              <a:t>(string s);</a:t>
+              <a:t>(string s1, string s2);</a:t>
+            </a:r>
+          </a:p>
+          <a:p>
+            <a:r>
+              <a:rPr lang="en-US" sz="1400" dirty="0">
+                <a:latin typeface="Courier New" pitchFamily="49" charset="0"/>
+                <a:cs typeface="Courier New" pitchFamily="49" charset="0"/>
+              </a:rPr>
+              <a:t>string </a:t>
+            </a:r>
+            <a:r>
+              <a:rPr lang="en-US" sz="1400" dirty="0" err="1">
+                <a:latin typeface="Courier New" pitchFamily="49" charset="0"/>
+                <a:cs typeface="Courier New" pitchFamily="49" charset="0"/>
+              </a:rPr>
+              <a:t>int_to_ldev</a:t>
+            </a:r>
+            <a:r>
+              <a:rPr lang="en-US" sz="1400" dirty="0">
+                <a:latin typeface="Courier New" pitchFamily="49" charset="0"/>
+                <a:cs typeface="Courier New" pitchFamily="49" charset="0"/>
+              </a:rPr>
+              <a:t>(</a:t>
+            </a:r>
+            <a:r>
+              <a:rPr lang="en-US" sz="1400" dirty="0" err="1">
+                <a:latin typeface="Courier New" pitchFamily="49" charset="0"/>
+                <a:cs typeface="Courier New" pitchFamily="49" charset="0"/>
+              </a:rPr>
+              <a:t>int</a:t>
+            </a:r>
+            <a:r>
+              <a:rPr lang="en-US" sz="1400" dirty="0">
+                <a:latin typeface="Courier New" pitchFamily="49" charset="0"/>
+                <a:cs typeface="Courier New" pitchFamily="49" charset="0"/>
+              </a:rPr>
+              <a:t> n);    </a:t>
+            </a:r>
+            <a:r>
+              <a:rPr lang="en-US" sz="1400" dirty="0" err="1">
+                <a:latin typeface="Courier New" pitchFamily="49" charset="0"/>
+                <a:cs typeface="Courier New" pitchFamily="49" charset="0"/>
+              </a:rPr>
+              <a:t>int_to_ldev</a:t>
+            </a:r>
+            <a:r>
+              <a:rPr lang="en-US" sz="1400" dirty="0">
+                <a:latin typeface="Courier New" pitchFamily="49" charset="0"/>
+                <a:cs typeface="Courier New" pitchFamily="49" charset="0"/>
+              </a:rPr>
+              <a:t>(0xFF) </a:t>
+            </a:r>
+            <a:r>
+              <a:rPr lang="en-US" sz="1400" dirty="0">
+                <a:cs typeface="Courier New" pitchFamily="49" charset="0"/>
+              </a:rPr>
+              <a:t>returns</a:t>
+            </a:r>
+            <a:r>
+              <a:rPr lang="en-US" sz="1400" dirty="0">
+                <a:latin typeface="Courier New" pitchFamily="49" charset="0"/>
+                <a:cs typeface="Courier New" pitchFamily="49" charset="0"/>
+              </a:rPr>
+              <a:t> "00:FF"</a:t>
+            </a:r>
+          </a:p>
+          <a:p>
+            <a:r>
+              <a:rPr lang="en-US" sz="1400" dirty="0">
+                <a:latin typeface="Courier New" pitchFamily="49" charset="0"/>
+                <a:cs typeface="Courier New" pitchFamily="49" charset="0"/>
+              </a:rPr>
+              <a:t>string </a:t>
+            </a:r>
+            <a:r>
+              <a:rPr lang="en-US" sz="1400" dirty="0" err="1">
+                <a:latin typeface="Courier New" pitchFamily="49" charset="0"/>
+                <a:cs typeface="Courier New" pitchFamily="49" charset="0"/>
+              </a:rPr>
+              <a:t>to_string_with_decimal_places</a:t>
+            </a:r>
+            <a:r>
+              <a:rPr lang="en-US" sz="1400" dirty="0">
+                <a:latin typeface="Courier New" pitchFamily="49" charset="0"/>
+                <a:cs typeface="Courier New" pitchFamily="49" charset="0"/>
+              </a:rPr>
+              <a:t>(double x, </a:t>
+            </a:r>
+            <a:r>
+              <a:rPr lang="en-US" sz="1400" dirty="0" err="1">
+                <a:latin typeface="Courier New" pitchFamily="49" charset="0"/>
+                <a:cs typeface="Courier New" pitchFamily="49" charset="0"/>
+              </a:rPr>
+              <a:t>int</a:t>
+            </a:r>
+            <a:r>
+              <a:rPr lang="en-US" sz="1400" dirty="0">
+                <a:latin typeface="Courier New" pitchFamily="49" charset="0"/>
+                <a:cs typeface="Courier New" pitchFamily="49" charset="0"/>
+              </a:rPr>
+              <a:t> n);</a:t>
             </a:r>
             <a:br>
               <a:rPr lang="en-US" sz="1400" dirty="0">
@@ -35584,157 +35424,38 @@
               </a:rPr>
             </a:br>
             <a:r>
+              <a:rPr lang="en-US" sz="1400" dirty="0">
+                <a:latin typeface="Courier New" pitchFamily="49" charset="0"/>
+                <a:cs typeface="Courier New" pitchFamily="49" charset="0"/>
+              </a:rPr>
+              <a:t>	</a:t>
+            </a:r>
+            <a:r>
               <a:rPr lang="en-US" sz="1400" dirty="0" err="1">
                 <a:latin typeface="Courier New" pitchFamily="49" charset="0"/>
                 <a:cs typeface="Courier New" pitchFamily="49" charset="0"/>
               </a:rPr>
-              <a:t>int</a:t>
+              <a:t>to_string_decimal_places</a:t>
             </a:r>
             <a:r>
               <a:rPr lang="en-US" sz="1400" dirty="0">
                 <a:latin typeface="Courier New" pitchFamily="49" charset="0"/>
                 <a:cs typeface="Courier New" pitchFamily="49" charset="0"/>
               </a:rPr>
-              <a:t> </a:t>
-            </a:r>
-            <a:r>
-              <a:rPr lang="en-US" sz="1400" dirty="0" err="1">
-                <a:latin typeface="Courier New" pitchFamily="49" charset="0"/>
-                <a:cs typeface="Courier New" pitchFamily="49" charset="0"/>
-              </a:rPr>
-              <a:t>matches_float_number</a:t>
+              <a:t>(3.1415,2) </a:t>
             </a:r>
             <a:r>
               <a:rPr lang="en-US" sz="1400" dirty="0">
-                <a:latin typeface="Courier New" pitchFamily="49" charset="0"/>
-                <a:cs typeface="Courier New" pitchFamily="49" charset="0"/>
-              </a:rPr>
-              <a:t>(string s);</a:t>
-            </a:r>
-            <a:br>
+                <a:cs typeface="Courier New" pitchFamily="49" charset="0"/>
+              </a:rPr>
+              <a:t>returns</a:t>
+            </a:r>
+            <a:r>
               <a:rPr lang="en-US" sz="1400" dirty="0">
                 <a:latin typeface="Courier New" pitchFamily="49" charset="0"/>
                 <a:cs typeface="Courier New" pitchFamily="49" charset="0"/>
               </a:rPr>
-            </a:br>
-            <a:r>
-              <a:rPr lang="en-US" sz="1400" dirty="0" err="1">
-                <a:latin typeface="Courier New" pitchFamily="49" charset="0"/>
-                <a:cs typeface="Courier New" pitchFamily="49" charset="0"/>
-              </a:rPr>
-              <a:t>int</a:t>
-            </a:r>
-            <a:r>
-              <a:rPr lang="en-US" sz="1400" dirty="0">
-                <a:latin typeface="Courier New" pitchFamily="49" charset="0"/>
-                <a:cs typeface="Courier New" pitchFamily="49" charset="0"/>
-              </a:rPr>
-              <a:t> </a:t>
-            </a:r>
-            <a:r>
-              <a:rPr lang="en-US" sz="1400" dirty="0" err="1">
-                <a:latin typeface="Courier New" pitchFamily="49" charset="0"/>
-                <a:cs typeface="Courier New" pitchFamily="49" charset="0"/>
-              </a:rPr>
-              <a:t>matches_float_number_optional_trailing_percent</a:t>
-            </a:r>
-            <a:r>
-              <a:rPr lang="en-US" sz="1400" dirty="0">
-                <a:latin typeface="Courier New" pitchFamily="49" charset="0"/>
-                <a:cs typeface="Courier New" pitchFamily="49" charset="0"/>
-              </a:rPr>
-              <a:t>(string s);</a:t>
-            </a:r>
-            <a:br>
-              <a:rPr lang="en-US" sz="1400" dirty="0">
-                <a:latin typeface="Courier New" pitchFamily="49" charset="0"/>
-                <a:cs typeface="Courier New" pitchFamily="49" charset="0"/>
-              </a:rPr>
-            </a:br>
-            <a:r>
-              <a:rPr lang="en-US" sz="1400" dirty="0">
-                <a:latin typeface="Courier New" pitchFamily="49" charset="0"/>
-                <a:cs typeface="Courier New" pitchFamily="49" charset="0"/>
-              </a:rPr>
-              <a:t>	</a:t>
-            </a:r>
-            <a:r>
-              <a:rPr lang="en-US" sz="1400" dirty="0">
-                <a:cs typeface="Courier New" pitchFamily="49" charset="0"/>
-              </a:rPr>
-              <a:t>some ivy parameters can be set to these</a:t>
-            </a:r>
-            <a:br>
-              <a:rPr lang="en-US" sz="1400" dirty="0">
-                <a:latin typeface="Courier New" pitchFamily="49" charset="0"/>
-                <a:cs typeface="Courier New" pitchFamily="49" charset="0"/>
-              </a:rPr>
-            </a:br>
-            <a:r>
-              <a:rPr lang="en-US" sz="1400" dirty="0" err="1">
-                <a:latin typeface="Courier New" pitchFamily="49" charset="0"/>
-                <a:cs typeface="Courier New" pitchFamily="49" charset="0"/>
-              </a:rPr>
-              <a:t>int</a:t>
-            </a:r>
-            <a:r>
-              <a:rPr lang="en-US" sz="1400" dirty="0">
-                <a:latin typeface="Courier New" pitchFamily="49" charset="0"/>
-                <a:cs typeface="Courier New" pitchFamily="49" charset="0"/>
-              </a:rPr>
-              <a:t> </a:t>
-            </a:r>
-            <a:r>
-              <a:rPr lang="en-US" sz="1400" dirty="0" err="1">
-                <a:latin typeface="Courier New" pitchFamily="49" charset="0"/>
-                <a:cs typeface="Courier New" pitchFamily="49" charset="0"/>
-              </a:rPr>
-              <a:t>matches_identifier</a:t>
-            </a:r>
-            <a:r>
-              <a:rPr lang="en-US" sz="1400" dirty="0">
-                <a:latin typeface="Courier New" pitchFamily="49" charset="0"/>
-                <a:cs typeface="Courier New" pitchFamily="49" charset="0"/>
-              </a:rPr>
-              <a:t>(string s);</a:t>
-            </a:r>
-            <a:br>
-              <a:rPr lang="en-US" sz="1400" dirty="0">
-                <a:latin typeface="Courier New" pitchFamily="49" charset="0"/>
-                <a:cs typeface="Courier New" pitchFamily="49" charset="0"/>
-              </a:rPr>
-            </a:br>
-            <a:r>
-              <a:rPr lang="en-US" sz="1400" dirty="0">
-                <a:latin typeface="Courier New" pitchFamily="49" charset="0"/>
-                <a:cs typeface="Courier New" pitchFamily="49" charset="0"/>
-              </a:rPr>
-              <a:t>	</a:t>
-            </a:r>
-            <a:r>
-              <a:rPr lang="en-US" sz="1400" dirty="0">
-                <a:cs typeface="Courier New" pitchFamily="49" charset="0"/>
-              </a:rPr>
-              <a:t>alphabetic, continued with alphanumeric and underscores _</a:t>
-            </a:r>
-            <a:br>
-              <a:rPr lang="en-US" sz="1400" dirty="0">
-                <a:cs typeface="Courier New" pitchFamily="49" charset="0"/>
-              </a:rPr>
-            </a:br>
-            <a:r>
-              <a:rPr lang="en-US" sz="1400" dirty="0" err="1">
-                <a:latin typeface="Courier New" pitchFamily="49" charset="0"/>
-                <a:cs typeface="Courier New" pitchFamily="49" charset="0"/>
-              </a:rPr>
-              <a:t>int</a:t>
-            </a:r>
-            <a:r>
-              <a:rPr lang="en-US" sz="1400" dirty="0">
-                <a:latin typeface="Courier New" pitchFamily="49" charset="0"/>
-                <a:cs typeface="Courier New" pitchFamily="49" charset="0"/>
-              </a:rPr>
-              <a:t> matches_IPv4_dotted_quad(string s);</a:t>
+              <a:t> "3.14"</a:t>
             </a:r>
           </a:p>
         </p:txBody>
@@ -35755,12 +35476,8 @@
           <a:lstStyle/>
           <a:p>
             <a:r>
-              <a:rPr lang="en-US" dirty="0" err="1"/>
-              <a:t>regex</a:t>
-            </a:r>
-            <a:r>
               <a:rPr lang="en-US" dirty="0"/>
-              <a:t> </a:t>
+              <a:t>String </a:t>
             </a:r>
             <a:r>
               <a:rPr lang="en-US" dirty="0" err="1"/>
@@ -35794,6 +35511,560 @@
 </file>
 
 <file path=ppt/slides/slide27.xml><?xml version="1.0" encoding="utf-8"?>
+<p:sld xmlns:a="http://schemas.openxmlformats.org/drawingml/2006/main" xmlns:r="http://schemas.openxmlformats.org/officeDocument/2006/relationships" xmlns:p="http://schemas.openxmlformats.org/presentationml/2006/main">
+  <p:cSld>
+    <p:spTree>
+      <p:nvGrpSpPr>
+        <p:cNvPr id="1" name=""/>
+        <p:cNvGrpSpPr/>
+        <p:nvPr/>
+      </p:nvGrpSpPr>
+      <p:grpSpPr>
+        <a:xfrm>
+          <a:off x="0" y="0"/>
+          <a:ext cx="0" cy="0"/>
+          <a:chOff x="0" y="0"/>
+          <a:chExt cx="0" cy="0"/>
+        </a:xfrm>
+      </p:grpSpPr>
+      <p:sp>
+        <p:nvSpPr>
+          <p:cNvPr id="2" name="Content Placeholder 1"/>
+          <p:cNvSpPr>
+            <a:spLocks noGrp="1"/>
+          </p:cNvSpPr>
+          <p:nvPr>
+            <p:ph idx="1"/>
+          </p:nvPr>
+        </p:nvSpPr>
+        <p:spPr>
+          <a:xfrm>
+            <a:off x="264160" y="967575"/>
+            <a:ext cx="8584006" cy="3585597"/>
+          </a:xfrm>
+        </p:spPr>
+        <p:txBody>
+          <a:bodyPr/>
+          <a:lstStyle/>
+          <a:p>
+            <a:r>
+              <a:rPr lang="en-US" sz="1400" dirty="0">
+                <a:cs typeface="Courier New" pitchFamily="49" charset="0"/>
+              </a:rPr>
+              <a:t>ivy uses the default flavour of C++ std::</a:t>
+            </a:r>
+            <a:r>
+              <a:rPr lang="en-US" sz="1400" dirty="0" err="1">
+                <a:cs typeface="Courier New" pitchFamily="49" charset="0"/>
+              </a:rPr>
+              <a:t>regex</a:t>
+            </a:r>
+            <a:r>
+              <a:rPr lang="en-US" sz="1400" dirty="0">
+                <a:cs typeface="Courier New" pitchFamily="49" charset="0"/>
+              </a:rPr>
+              <a:t>, which I think uses the </a:t>
+            </a:r>
+            <a:r>
+              <a:rPr lang="en-US" sz="1400" dirty="0" err="1">
+                <a:cs typeface="Courier New" pitchFamily="49" charset="0"/>
+              </a:rPr>
+              <a:t>ECMAscript</a:t>
+            </a:r>
+            <a:r>
+              <a:rPr lang="en-US" sz="1400" dirty="0">
+                <a:cs typeface="Courier New" pitchFamily="49" charset="0"/>
+              </a:rPr>
+              <a:t> dialect</a:t>
+            </a:r>
+          </a:p>
+          <a:p>
+            <a:r>
+              <a:rPr lang="en-US" sz="1400" dirty="0" err="1">
+                <a:latin typeface="Courier New" pitchFamily="49" charset="0"/>
+                <a:cs typeface="Courier New" pitchFamily="49" charset="0"/>
+              </a:rPr>
+              <a:t>int</a:t>
+            </a:r>
+            <a:r>
+              <a:rPr lang="en-US" sz="1400" dirty="0">
+                <a:latin typeface="Courier New" pitchFamily="49" charset="0"/>
+                <a:cs typeface="Courier New" pitchFamily="49" charset="0"/>
+              </a:rPr>
+              <a:t> </a:t>
+            </a:r>
+            <a:r>
+              <a:rPr lang="en-US" sz="1400" dirty="0" err="1">
+                <a:latin typeface="Courier New" pitchFamily="49" charset="0"/>
+                <a:cs typeface="Courier New" pitchFamily="49" charset="0"/>
+              </a:rPr>
+              <a:t>regex_match</a:t>
+            </a:r>
+            <a:r>
+              <a:rPr lang="en-US" sz="1400" dirty="0">
+                <a:latin typeface="Courier New" pitchFamily="49" charset="0"/>
+                <a:cs typeface="Courier New" pitchFamily="49" charset="0"/>
+              </a:rPr>
+              <a:t>(std::string s, string </a:t>
+            </a:r>
+            <a:r>
+              <a:rPr lang="en-US" sz="1400" dirty="0" err="1">
+                <a:latin typeface="Courier New" pitchFamily="49" charset="0"/>
+                <a:cs typeface="Courier New" pitchFamily="49" charset="0"/>
+              </a:rPr>
+              <a:t>regex</a:t>
+            </a:r>
+            <a:r>
+              <a:rPr lang="en-US" sz="1400" dirty="0">
+                <a:latin typeface="Courier New" pitchFamily="49" charset="0"/>
+                <a:cs typeface="Courier New" pitchFamily="49" charset="0"/>
+              </a:rPr>
+              <a:t>);</a:t>
+            </a:r>
+            <a:br>
+              <a:rPr lang="en-US" sz="1400" dirty="0">
+                <a:latin typeface="Courier New" pitchFamily="49" charset="0"/>
+                <a:cs typeface="Courier New" pitchFamily="49" charset="0"/>
+              </a:rPr>
+            </a:br>
+            <a:r>
+              <a:rPr lang="en-US" sz="1400" dirty="0">
+                <a:latin typeface="Courier New" pitchFamily="49" charset="0"/>
+                <a:cs typeface="Courier New" pitchFamily="49" charset="0"/>
+              </a:rPr>
+              <a:t>	</a:t>
+            </a:r>
+            <a:r>
+              <a:rPr lang="en-US" sz="1200" dirty="0">
+                <a:cs typeface="Courier New" pitchFamily="49" charset="0"/>
+              </a:rPr>
+              <a:t>E.g.   </a:t>
+            </a:r>
+            <a:r>
+              <a:rPr lang="en-US" sz="1200" dirty="0">
+                <a:latin typeface="Courier New" pitchFamily="49" charset="0"/>
+                <a:cs typeface="Courier New" pitchFamily="49" charset="0"/>
+              </a:rPr>
+              <a:t>if ( </a:t>
+            </a:r>
+            <a:r>
+              <a:rPr lang="en-US" sz="1200" dirty="0" err="1">
+                <a:latin typeface="Courier New" pitchFamily="49" charset="0"/>
+                <a:cs typeface="Courier New" pitchFamily="49" charset="0"/>
+              </a:rPr>
+              <a:t>regex_match</a:t>
+            </a:r>
+            <a:r>
+              <a:rPr lang="en-US" sz="1200" dirty="0">
+                <a:latin typeface="Courier New" pitchFamily="49" charset="0"/>
+                <a:cs typeface="Courier New" pitchFamily="49" charset="0"/>
+              </a:rPr>
+              <a:t>("horse","(horse)|(cow)") ) then print("animal\n");</a:t>
+            </a:r>
+          </a:p>
+          <a:p>
+            <a:pPr>
+              <a:spcBef>
+                <a:spcPts val="600"/>
+              </a:spcBef>
+            </a:pPr>
+            <a:r>
+              <a:rPr lang="en-US" sz="1400" dirty="0" err="1">
+                <a:latin typeface="Courier New" pitchFamily="49" charset="0"/>
+                <a:cs typeface="Courier New" pitchFamily="49" charset="0"/>
+              </a:rPr>
+              <a:t>int</a:t>
+            </a:r>
+            <a:r>
+              <a:rPr lang="en-US" sz="1400" dirty="0">
+                <a:latin typeface="Courier New" pitchFamily="49" charset="0"/>
+                <a:cs typeface="Courier New" pitchFamily="49" charset="0"/>
+              </a:rPr>
+              <a:t> </a:t>
+            </a:r>
+            <a:r>
+              <a:rPr lang="en-US" sz="1400" dirty="0" err="1">
+                <a:latin typeface="Courier New" pitchFamily="49" charset="0"/>
+                <a:cs typeface="Courier New" pitchFamily="49" charset="0"/>
+              </a:rPr>
+              <a:t>regex_sub_match_count</a:t>
+            </a:r>
+            <a:r>
+              <a:rPr lang="en-US" sz="1400" dirty="0">
+                <a:latin typeface="Courier New" pitchFamily="49" charset="0"/>
+                <a:cs typeface="Courier New" pitchFamily="49" charset="0"/>
+              </a:rPr>
+              <a:t>(string s, string </a:t>
+            </a:r>
+            <a:r>
+              <a:rPr lang="en-US" sz="1400" dirty="0" err="1">
+                <a:latin typeface="Courier New" pitchFamily="49" charset="0"/>
+                <a:cs typeface="Courier New" pitchFamily="49" charset="0"/>
+              </a:rPr>
+              <a:t>regex</a:t>
+            </a:r>
+            <a:r>
+              <a:rPr lang="en-US" sz="1400" dirty="0">
+                <a:latin typeface="Courier New" pitchFamily="49" charset="0"/>
+                <a:cs typeface="Courier New" pitchFamily="49" charset="0"/>
+              </a:rPr>
+              <a:t>);</a:t>
+            </a:r>
+          </a:p>
+          <a:p>
+            <a:pPr>
+              <a:spcBef>
+                <a:spcPts val="600"/>
+              </a:spcBef>
+            </a:pPr>
+            <a:r>
+              <a:rPr lang="en-US" sz="1400" dirty="0">
+                <a:latin typeface="Courier New" pitchFamily="49" charset="0"/>
+                <a:cs typeface="Courier New" pitchFamily="49" charset="0"/>
+              </a:rPr>
+              <a:t>string </a:t>
+            </a:r>
+            <a:r>
+              <a:rPr lang="en-US" sz="1400" dirty="0" err="1">
+                <a:latin typeface="Courier New" pitchFamily="49" charset="0"/>
+                <a:cs typeface="Courier New" pitchFamily="49" charset="0"/>
+              </a:rPr>
+              <a:t>regex_sub_match</a:t>
+            </a:r>
+            <a:r>
+              <a:rPr lang="en-US" sz="1400" dirty="0">
+                <a:latin typeface="Courier New" pitchFamily="49" charset="0"/>
+                <a:cs typeface="Courier New" pitchFamily="49" charset="0"/>
+              </a:rPr>
+              <a:t>(string s, string </a:t>
+            </a:r>
+            <a:r>
+              <a:rPr lang="en-US" sz="1400" dirty="0" err="1">
+                <a:latin typeface="Courier New" pitchFamily="49" charset="0"/>
+                <a:cs typeface="Courier New" pitchFamily="49" charset="0"/>
+              </a:rPr>
+              <a:t>regex</a:t>
+            </a:r>
+            <a:r>
+              <a:rPr lang="en-US" sz="1400" dirty="0">
+                <a:latin typeface="Courier New" pitchFamily="49" charset="0"/>
+                <a:cs typeface="Courier New" pitchFamily="49" charset="0"/>
+              </a:rPr>
+              <a:t>, </a:t>
+            </a:r>
+            <a:r>
+              <a:rPr lang="en-US" sz="1400" dirty="0" err="1">
+                <a:latin typeface="Courier New" pitchFamily="49" charset="0"/>
+                <a:cs typeface="Courier New" pitchFamily="49" charset="0"/>
+              </a:rPr>
+              <a:t>int</a:t>
+            </a:r>
+            <a:r>
+              <a:rPr lang="en-US" sz="1400" dirty="0">
+                <a:latin typeface="Courier New" pitchFamily="49" charset="0"/>
+                <a:cs typeface="Courier New" pitchFamily="49" charset="0"/>
+              </a:rPr>
+              <a:t> n);</a:t>
+            </a:r>
+            <a:br>
+              <a:rPr lang="en-US" sz="1400" dirty="0">
+                <a:latin typeface="Courier New" pitchFamily="49" charset="0"/>
+                <a:cs typeface="Courier New" pitchFamily="49" charset="0"/>
+              </a:rPr>
+            </a:br>
+            <a:r>
+              <a:rPr lang="en-US" sz="1400" dirty="0">
+                <a:latin typeface="Courier New" pitchFamily="49" charset="0"/>
+                <a:cs typeface="Courier New" pitchFamily="49" charset="0"/>
+              </a:rPr>
+              <a:t>	n</a:t>
+            </a:r>
+            <a:r>
+              <a:rPr lang="en-US" sz="1200" dirty="0">
+                <a:cs typeface="Courier New" pitchFamily="49" charset="0"/>
+              </a:rPr>
+              <a:t> must be less than </a:t>
+            </a:r>
+            <a:r>
+              <a:rPr lang="en-US" sz="1200" dirty="0" err="1">
+                <a:latin typeface="Courier New" pitchFamily="49" charset="0"/>
+                <a:cs typeface="Courier New" pitchFamily="49" charset="0"/>
+              </a:rPr>
+              <a:t>regex_sub_match_count</a:t>
+            </a:r>
+            <a:r>
+              <a:rPr lang="en-US" sz="1200" dirty="0">
+                <a:latin typeface="Courier New" pitchFamily="49" charset="0"/>
+                <a:cs typeface="Courier New" pitchFamily="49" charset="0"/>
+              </a:rPr>
+              <a:t>(s, </a:t>
+            </a:r>
+            <a:r>
+              <a:rPr lang="en-US" sz="1200" dirty="0" err="1">
+                <a:latin typeface="Courier New" pitchFamily="49" charset="0"/>
+                <a:cs typeface="Courier New" pitchFamily="49" charset="0"/>
+              </a:rPr>
+              <a:t>regex</a:t>
+            </a:r>
+            <a:r>
+              <a:rPr lang="en-US" sz="1200" dirty="0">
+                <a:latin typeface="Courier New" pitchFamily="49" charset="0"/>
+                <a:cs typeface="Courier New" pitchFamily="49" charset="0"/>
+              </a:rPr>
+              <a:t>)</a:t>
+            </a:r>
+          </a:p>
+          <a:p>
+            <a:pPr>
+              <a:spcBef>
+                <a:spcPts val="600"/>
+              </a:spcBef>
+            </a:pPr>
+            <a:r>
+              <a:rPr lang="en-US" sz="1400" dirty="0" err="1">
+                <a:latin typeface="Courier New" pitchFamily="49" charset="0"/>
+                <a:cs typeface="Courier New" pitchFamily="49" charset="0"/>
+              </a:rPr>
+              <a:t>int</a:t>
+            </a:r>
+            <a:r>
+              <a:rPr lang="en-US" sz="1400" dirty="0">
+                <a:latin typeface="Courier New" pitchFamily="49" charset="0"/>
+                <a:cs typeface="Courier New" pitchFamily="49" charset="0"/>
+              </a:rPr>
+              <a:t> </a:t>
+            </a:r>
+            <a:r>
+              <a:rPr lang="en-US" sz="1400" dirty="0" err="1">
+                <a:latin typeface="Courier New" pitchFamily="49" charset="0"/>
+                <a:cs typeface="Courier New" pitchFamily="49" charset="0"/>
+              </a:rPr>
+              <a:t>matches_digits</a:t>
+            </a:r>
+            <a:r>
+              <a:rPr lang="en-US" sz="1400" dirty="0">
+                <a:latin typeface="Courier New" pitchFamily="49" charset="0"/>
+                <a:cs typeface="Courier New" pitchFamily="49" charset="0"/>
+              </a:rPr>
+              <a:t>(string s);</a:t>
+            </a:r>
+            <a:br>
+              <a:rPr lang="en-US" sz="1400" dirty="0">
+                <a:latin typeface="Courier New" pitchFamily="49" charset="0"/>
+                <a:cs typeface="Courier New" pitchFamily="49" charset="0"/>
+              </a:rPr>
+            </a:br>
+            <a:r>
+              <a:rPr lang="en-US" sz="1400" dirty="0" err="1">
+                <a:latin typeface="Courier New" pitchFamily="49" charset="0"/>
+                <a:cs typeface="Courier New" pitchFamily="49" charset="0"/>
+              </a:rPr>
+              <a:t>int</a:t>
+            </a:r>
+            <a:r>
+              <a:rPr lang="en-US" sz="1400" dirty="0">
+                <a:latin typeface="Courier New" pitchFamily="49" charset="0"/>
+                <a:cs typeface="Courier New" pitchFamily="49" charset="0"/>
+              </a:rPr>
+              <a:t> </a:t>
+            </a:r>
+            <a:r>
+              <a:rPr lang="en-US" sz="1400" dirty="0" err="1">
+                <a:latin typeface="Courier New" pitchFamily="49" charset="0"/>
+                <a:cs typeface="Courier New" pitchFamily="49" charset="0"/>
+              </a:rPr>
+              <a:t>matches_float_number</a:t>
+            </a:r>
+            <a:r>
+              <a:rPr lang="en-US" sz="1400" dirty="0">
+                <a:latin typeface="Courier New" pitchFamily="49" charset="0"/>
+                <a:cs typeface="Courier New" pitchFamily="49" charset="0"/>
+              </a:rPr>
+              <a:t>(string s);</a:t>
+            </a:r>
+            <a:br>
+              <a:rPr lang="en-US" sz="1400" dirty="0">
+                <a:latin typeface="Courier New" pitchFamily="49" charset="0"/>
+                <a:cs typeface="Courier New" pitchFamily="49" charset="0"/>
+              </a:rPr>
+            </a:br>
+            <a:r>
+              <a:rPr lang="en-US" sz="1400" dirty="0" err="1">
+                <a:latin typeface="Courier New" pitchFamily="49" charset="0"/>
+                <a:cs typeface="Courier New" pitchFamily="49" charset="0"/>
+              </a:rPr>
+              <a:t>int</a:t>
+            </a:r>
+            <a:r>
+              <a:rPr lang="en-US" sz="1400" dirty="0">
+                <a:latin typeface="Courier New" pitchFamily="49" charset="0"/>
+                <a:cs typeface="Courier New" pitchFamily="49" charset="0"/>
+              </a:rPr>
+              <a:t> </a:t>
+            </a:r>
+            <a:r>
+              <a:rPr lang="en-US" sz="1400" dirty="0" err="1">
+                <a:latin typeface="Courier New" pitchFamily="49" charset="0"/>
+                <a:cs typeface="Courier New" pitchFamily="49" charset="0"/>
+              </a:rPr>
+              <a:t>matches_float_number_optional_trailing_percent</a:t>
+            </a:r>
+            <a:r>
+              <a:rPr lang="en-US" sz="1400" dirty="0">
+                <a:latin typeface="Courier New" pitchFamily="49" charset="0"/>
+                <a:cs typeface="Courier New" pitchFamily="49" charset="0"/>
+              </a:rPr>
+              <a:t>(string s);</a:t>
+            </a:r>
+            <a:br>
+              <a:rPr lang="en-US" sz="1400" dirty="0">
+                <a:latin typeface="Courier New" pitchFamily="49" charset="0"/>
+                <a:cs typeface="Courier New" pitchFamily="49" charset="0"/>
+              </a:rPr>
+            </a:br>
+            <a:r>
+              <a:rPr lang="en-US" sz="1400" dirty="0">
+                <a:latin typeface="Courier New" pitchFamily="49" charset="0"/>
+                <a:cs typeface="Courier New" pitchFamily="49" charset="0"/>
+              </a:rPr>
+              <a:t>	</a:t>
+            </a:r>
+            <a:r>
+              <a:rPr lang="en-US" sz="1400" dirty="0">
+                <a:cs typeface="Courier New" pitchFamily="49" charset="0"/>
+              </a:rPr>
+              <a:t>some ivy parameters can be set to these</a:t>
+            </a:r>
+            <a:br>
+              <a:rPr lang="en-US" sz="1400" dirty="0">
+                <a:latin typeface="Courier New" pitchFamily="49" charset="0"/>
+                <a:cs typeface="Courier New" pitchFamily="49" charset="0"/>
+              </a:rPr>
+            </a:br>
+            <a:r>
+              <a:rPr lang="en-US" sz="1400" dirty="0" err="1">
+                <a:latin typeface="Courier New" pitchFamily="49" charset="0"/>
+                <a:cs typeface="Courier New" pitchFamily="49" charset="0"/>
+              </a:rPr>
+              <a:t>int</a:t>
+            </a:r>
+            <a:r>
+              <a:rPr lang="en-US" sz="1400" dirty="0">
+                <a:latin typeface="Courier New" pitchFamily="49" charset="0"/>
+                <a:cs typeface="Courier New" pitchFamily="49" charset="0"/>
+              </a:rPr>
+              <a:t> </a:t>
+            </a:r>
+            <a:r>
+              <a:rPr lang="en-US" sz="1400" dirty="0" err="1">
+                <a:latin typeface="Courier New" pitchFamily="49" charset="0"/>
+                <a:cs typeface="Courier New" pitchFamily="49" charset="0"/>
+              </a:rPr>
+              <a:t>matches_identifier</a:t>
+            </a:r>
+            <a:r>
+              <a:rPr lang="en-US" sz="1400" dirty="0">
+                <a:latin typeface="Courier New" pitchFamily="49" charset="0"/>
+                <a:cs typeface="Courier New" pitchFamily="49" charset="0"/>
+              </a:rPr>
+              <a:t>(string s);</a:t>
+            </a:r>
+            <a:br>
+              <a:rPr lang="en-US" sz="1400" dirty="0">
+                <a:latin typeface="Courier New" pitchFamily="49" charset="0"/>
+                <a:cs typeface="Courier New" pitchFamily="49" charset="0"/>
+              </a:rPr>
+            </a:br>
+            <a:r>
+              <a:rPr lang="en-US" sz="1400" dirty="0">
+                <a:latin typeface="Courier New" pitchFamily="49" charset="0"/>
+                <a:cs typeface="Courier New" pitchFamily="49" charset="0"/>
+              </a:rPr>
+              <a:t>	</a:t>
+            </a:r>
+            <a:r>
+              <a:rPr lang="en-US" sz="1400" dirty="0">
+                <a:cs typeface="Courier New" pitchFamily="49" charset="0"/>
+              </a:rPr>
+              <a:t>alphabetic, continued with alphanumeric and underscores _</a:t>
+            </a:r>
+            <a:br>
+              <a:rPr lang="en-US" sz="1400" dirty="0">
+                <a:cs typeface="Courier New" pitchFamily="49" charset="0"/>
+              </a:rPr>
+            </a:br>
+            <a:r>
+              <a:rPr lang="en-US" sz="1400" dirty="0" err="1">
+                <a:latin typeface="Courier New" pitchFamily="49" charset="0"/>
+                <a:cs typeface="Courier New" pitchFamily="49" charset="0"/>
+              </a:rPr>
+              <a:t>int</a:t>
+            </a:r>
+            <a:r>
+              <a:rPr lang="en-US" sz="1400" dirty="0">
+                <a:latin typeface="Courier New" pitchFamily="49" charset="0"/>
+                <a:cs typeface="Courier New" pitchFamily="49" charset="0"/>
+              </a:rPr>
+              <a:t> matches_IPv4_dotted_quad(string s);</a:t>
+            </a:r>
+          </a:p>
+        </p:txBody>
+      </p:sp>
+      <p:sp>
+        <p:nvSpPr>
+          <p:cNvPr id="3" name="Title 2"/>
+          <p:cNvSpPr>
+            <a:spLocks noGrp="1"/>
+          </p:cNvSpPr>
+          <p:nvPr>
+            <p:ph type="title"/>
+          </p:nvPr>
+        </p:nvSpPr>
+        <p:spPr/>
+        <p:txBody>
+          <a:bodyPr/>
+          <a:lstStyle/>
+          <a:p>
+            <a:r>
+              <a:rPr lang="en-US" dirty="0" err="1"/>
+              <a:t>regex</a:t>
+            </a:r>
+            <a:r>
+              <a:rPr lang="en-US" dirty="0"/>
+              <a:t> </a:t>
+            </a:r>
+            <a:r>
+              <a:rPr lang="en-US" dirty="0" err="1"/>
+              <a:t>builtin</a:t>
+            </a:r>
+            <a:r>
+              <a:rPr lang="en-US" dirty="0"/>
+              <a:t> functions</a:t>
+            </a:r>
+          </a:p>
+        </p:txBody>
+      </p:sp>
+    </p:spTree>
+  </p:cSld>
+  <p:clrMapOvr>
+    <a:masterClrMapping/>
+  </p:clrMapOvr>
+  <mc:AlternateContent xmlns:mc="http://schemas.openxmlformats.org/markup-compatibility/2006" xmlns:p14="http://schemas.microsoft.com/office/powerpoint/2010/main">
+    <mc:Choice Requires="p14">
+      <p:transition spd="med" p14:dur="700">
+        <p:fade/>
+      </p:transition>
+    </mc:Choice>
+    <mc:Fallback xmlns="">
+      <p:transition spd="med">
+        <p:fade/>
+      </p:transition>
+    </mc:Fallback>
+  </mc:AlternateContent>
+</p:sld>
+</file>
+
+<file path=ppt/slides/slide28.xml><?xml version="1.0" encoding="utf-8"?>
 <p:sld xmlns:a="http://schemas.openxmlformats.org/drawingml/2006/main" xmlns:r="http://schemas.openxmlformats.org/officeDocument/2006/relationships" xmlns:p="http://schemas.openxmlformats.org/presentationml/2006/main">
   <p:cSld>
     <p:spTree>
@@ -36204,7 +36475,7 @@
 </p:sld>
 </file>
 
-<file path=ppt/slides/slide28.xml><?xml version="1.0" encoding="utf-8"?>
+<file path=ppt/slides/slide29.xml><?xml version="1.0" encoding="utf-8"?>
 <p:sld xmlns:a="http://schemas.openxmlformats.org/drawingml/2006/main" xmlns:r="http://schemas.openxmlformats.org/officeDocument/2006/relationships" xmlns:p="http://schemas.openxmlformats.org/presentationml/2006/main">
   <p:cSld>
     <p:spTree>
@@ -36427,430 +36698,6 @@
             <a:r>
               <a:rPr lang="en-US" dirty="0"/>
               <a:t>Csv file builtin functions 1/3 – overall size</a:t>
-            </a:r>
-          </a:p>
-        </p:txBody>
-      </p:sp>
-    </p:spTree>
-  </p:cSld>
-  <p:clrMapOvr>
-    <a:masterClrMapping/>
-  </p:clrMapOvr>
-  <mc:AlternateContent xmlns:mc="http://schemas.openxmlformats.org/markup-compatibility/2006" xmlns:p14="http://schemas.microsoft.com/office/powerpoint/2010/main">
-    <mc:Choice Requires="p14">
-      <p:transition spd="med" p14:dur="700">
-        <p:fade/>
-      </p:transition>
-    </mc:Choice>
-    <mc:Fallback xmlns="">
-      <p:transition spd="med">
-        <p:fade/>
-      </p:transition>
-    </mc:Fallback>
-  </mc:AlternateContent>
-</p:sld>
-</file>
-
-<file path=ppt/slides/slide29.xml><?xml version="1.0" encoding="utf-8"?>
-<p:sld xmlns:a="http://schemas.openxmlformats.org/drawingml/2006/main" xmlns:r="http://schemas.openxmlformats.org/officeDocument/2006/relationships" xmlns:p="http://schemas.openxmlformats.org/presentationml/2006/main">
-  <p:cSld>
-    <p:spTree>
-      <p:nvGrpSpPr>
-        <p:cNvPr id="1" name=""/>
-        <p:cNvGrpSpPr/>
-        <p:nvPr/>
-      </p:nvGrpSpPr>
-      <p:grpSpPr>
-        <a:xfrm>
-          <a:off x="0" y="0"/>
-          <a:ext cx="0" cy="0"/>
-          <a:chOff x="0" y="0"/>
-          <a:chExt cx="0" cy="0"/>
-        </a:xfrm>
-      </p:grpSpPr>
-      <p:sp>
-        <p:nvSpPr>
-          <p:cNvPr id="2" name="Content Placeholder 1"/>
-          <p:cNvSpPr>
-            <a:spLocks noGrp="1"/>
-          </p:cNvSpPr>
-          <p:nvPr>
-            <p:ph idx="1"/>
-          </p:nvPr>
-        </p:nvSpPr>
-        <p:spPr>
-          <a:xfrm>
-            <a:off x="264160" y="967575"/>
-            <a:ext cx="8584006" cy="3388363"/>
-          </a:xfrm>
-        </p:spPr>
-        <p:txBody>
-          <a:bodyPr/>
-          <a:lstStyle/>
-          <a:p>
-            <a:r>
-              <a:rPr lang="en-US" sz="1400" dirty="0">
-                <a:latin typeface="Courier New" pitchFamily="49" charset="0"/>
-                <a:cs typeface="Courier New" pitchFamily="49" charset="0"/>
-              </a:rPr>
-              <a:t>string </a:t>
-            </a:r>
-            <a:r>
-              <a:rPr lang="en-US" sz="1400" dirty="0" err="1">
-                <a:latin typeface="Courier New" pitchFamily="49" charset="0"/>
-                <a:cs typeface="Courier New" pitchFamily="49" charset="0"/>
-              </a:rPr>
-              <a:t>csv_cell_value</a:t>
-            </a:r>
-            <a:r>
-              <a:rPr lang="en-US" sz="1400" dirty="0">
-                <a:latin typeface="Courier New" pitchFamily="49" charset="0"/>
-                <a:cs typeface="Courier New" pitchFamily="49" charset="0"/>
-              </a:rPr>
-              <a:t>(string filename, </a:t>
-            </a:r>
-            <a:r>
-              <a:rPr lang="en-US" sz="1400" dirty="0" err="1">
-                <a:latin typeface="Courier New" pitchFamily="49" charset="0"/>
-                <a:cs typeface="Courier New" pitchFamily="49" charset="0"/>
-              </a:rPr>
-              <a:t>int</a:t>
-            </a:r>
-            <a:r>
-              <a:rPr lang="en-US" sz="1400" dirty="0">
-                <a:latin typeface="Courier New" pitchFamily="49" charset="0"/>
-                <a:cs typeface="Courier New" pitchFamily="49" charset="0"/>
-              </a:rPr>
-              <a:t> row, </a:t>
-            </a:r>
-            <a:r>
-              <a:rPr lang="en-US" sz="1400" dirty="0" err="1">
-                <a:latin typeface="Courier New" pitchFamily="49" charset="0"/>
-                <a:cs typeface="Courier New" pitchFamily="49" charset="0"/>
-              </a:rPr>
-              <a:t>int</a:t>
-            </a:r>
-            <a:r>
-              <a:rPr lang="en-US" sz="1400" dirty="0">
-                <a:latin typeface="Courier New" pitchFamily="49" charset="0"/>
-                <a:cs typeface="Courier New" pitchFamily="49" charset="0"/>
-              </a:rPr>
-              <a:t> column);</a:t>
-            </a:r>
-            <a:br>
-              <a:rPr lang="en-US" sz="1400" dirty="0">
-                <a:latin typeface="Courier New" pitchFamily="49" charset="0"/>
-                <a:cs typeface="Courier New" pitchFamily="49" charset="0"/>
-              </a:rPr>
-            </a:br>
-            <a:r>
-              <a:rPr lang="en-US" sz="1400" dirty="0">
-                <a:latin typeface="Courier New" pitchFamily="49" charset="0"/>
-                <a:cs typeface="Courier New" pitchFamily="49" charset="0"/>
-              </a:rPr>
-              <a:t>string </a:t>
-            </a:r>
-            <a:r>
-              <a:rPr lang="en-US" sz="1400" dirty="0" err="1">
-                <a:latin typeface="Courier New" pitchFamily="49" charset="0"/>
-                <a:cs typeface="Courier New" pitchFamily="49" charset="0"/>
-              </a:rPr>
-              <a:t>csv_cell_value</a:t>
-            </a:r>
-            <a:r>
-              <a:rPr lang="en-US" sz="1400" dirty="0">
-                <a:latin typeface="Courier New" pitchFamily="49" charset="0"/>
-                <a:cs typeface="Courier New" pitchFamily="49" charset="0"/>
-              </a:rPr>
-              <a:t>(string filename, </a:t>
-            </a:r>
-            <a:r>
-              <a:rPr lang="en-US" sz="1400" dirty="0" err="1">
-                <a:latin typeface="Courier New" pitchFamily="49" charset="0"/>
-                <a:cs typeface="Courier New" pitchFamily="49" charset="0"/>
-              </a:rPr>
-              <a:t>int</a:t>
-            </a:r>
-            <a:r>
-              <a:rPr lang="en-US" sz="1400" dirty="0">
-                <a:latin typeface="Courier New" pitchFamily="49" charset="0"/>
-                <a:cs typeface="Courier New" pitchFamily="49" charset="0"/>
-              </a:rPr>
-              <a:t> row, string </a:t>
-            </a:r>
-            <a:r>
-              <a:rPr lang="en-US" sz="1400" dirty="0" err="1">
-                <a:latin typeface="Courier New" pitchFamily="49" charset="0"/>
-                <a:cs typeface="Courier New" pitchFamily="49" charset="0"/>
-              </a:rPr>
-              <a:t>column_header_text</a:t>
-            </a:r>
-            <a:r>
-              <a:rPr lang="en-US" sz="1400" dirty="0">
-                <a:latin typeface="Courier New" pitchFamily="49" charset="0"/>
-                <a:cs typeface="Courier New" pitchFamily="49" charset="0"/>
-              </a:rPr>
-              <a:t>);</a:t>
-            </a:r>
-          </a:p>
-          <a:p>
-            <a:pPr lvl="1"/>
-            <a:r>
-              <a:rPr lang="en-US" sz="1200" dirty="0">
-                <a:cs typeface="Courier New" pitchFamily="49" charset="0"/>
-              </a:rPr>
-              <a:t>You can refer to a column using an </a:t>
-            </a:r>
-            <a:r>
-              <a:rPr lang="en-US" sz="1200" dirty="0" err="1">
-                <a:cs typeface="Courier New" pitchFamily="49" charset="0"/>
-              </a:rPr>
-              <a:t>int</a:t>
-            </a:r>
-            <a:r>
-              <a:rPr lang="en-US" sz="1200" dirty="0">
-                <a:cs typeface="Courier New" pitchFamily="49" charset="0"/>
-              </a:rPr>
-              <a:t>, the column index from zero.</a:t>
-            </a:r>
-          </a:p>
-          <a:p>
-            <a:pPr lvl="1"/>
-            <a:r>
-              <a:rPr lang="en-US" sz="1200" dirty="0">
-                <a:cs typeface="Courier New" pitchFamily="49" charset="0"/>
-              </a:rPr>
-              <a:t> You can refer to a column using a string, the column header text.</a:t>
-            </a:r>
-          </a:p>
-          <a:p>
-            <a:r>
-              <a:rPr lang="en-US" sz="1400" dirty="0">
-                <a:latin typeface="Courier New" pitchFamily="49" charset="0"/>
-                <a:cs typeface="Courier New" pitchFamily="49" charset="0"/>
-              </a:rPr>
-              <a:t>string </a:t>
-            </a:r>
-            <a:r>
-              <a:rPr lang="en-US" sz="1400" dirty="0" err="1">
-                <a:latin typeface="Courier New" pitchFamily="49" charset="0"/>
-                <a:cs typeface="Courier New" pitchFamily="49" charset="0"/>
-              </a:rPr>
-              <a:t>csv_raw_cell_value</a:t>
-            </a:r>
-            <a:r>
-              <a:rPr lang="en-US" sz="1400" dirty="0">
-                <a:latin typeface="Courier New" pitchFamily="49" charset="0"/>
-                <a:cs typeface="Courier New" pitchFamily="49" charset="0"/>
-              </a:rPr>
-              <a:t>(string filename, </a:t>
-            </a:r>
-            <a:r>
-              <a:rPr lang="en-US" sz="1400" dirty="0" err="1">
-                <a:latin typeface="Courier New" pitchFamily="49" charset="0"/>
-                <a:cs typeface="Courier New" pitchFamily="49" charset="0"/>
-              </a:rPr>
-              <a:t>int</a:t>
-            </a:r>
-            <a:r>
-              <a:rPr lang="en-US" sz="1400" dirty="0">
-                <a:latin typeface="Courier New" pitchFamily="49" charset="0"/>
-                <a:cs typeface="Courier New" pitchFamily="49" charset="0"/>
-              </a:rPr>
-              <a:t> row, </a:t>
-            </a:r>
-            <a:r>
-              <a:rPr lang="en-US" sz="1400" dirty="0" err="1">
-                <a:latin typeface="Courier New" pitchFamily="49" charset="0"/>
-                <a:cs typeface="Courier New" pitchFamily="49" charset="0"/>
-              </a:rPr>
-              <a:t>int</a:t>
-            </a:r>
-            <a:r>
-              <a:rPr lang="en-US" sz="1400" dirty="0">
-                <a:latin typeface="Courier New" pitchFamily="49" charset="0"/>
-                <a:cs typeface="Courier New" pitchFamily="49" charset="0"/>
-              </a:rPr>
-              <a:t> column);</a:t>
-            </a:r>
-            <a:br>
-              <a:rPr lang="en-US" sz="1400" dirty="0">
-                <a:latin typeface="Courier New" pitchFamily="49" charset="0"/>
-                <a:cs typeface="Courier New" pitchFamily="49" charset="0"/>
-              </a:rPr>
-            </a:br>
-            <a:r>
-              <a:rPr lang="en-US" sz="1400" dirty="0">
-                <a:latin typeface="Courier New" pitchFamily="49" charset="0"/>
-                <a:cs typeface="Courier New" pitchFamily="49" charset="0"/>
-              </a:rPr>
-              <a:t>string </a:t>
-            </a:r>
-            <a:r>
-              <a:rPr lang="en-US" sz="1400" dirty="0" err="1">
-                <a:latin typeface="Courier New" pitchFamily="49" charset="0"/>
-                <a:cs typeface="Courier New" pitchFamily="49" charset="0"/>
-              </a:rPr>
-              <a:t>csv_raw_cell_value</a:t>
-            </a:r>
-            <a:r>
-              <a:rPr lang="en-US" sz="1400" dirty="0">
-                <a:latin typeface="Courier New" pitchFamily="49" charset="0"/>
-                <a:cs typeface="Courier New" pitchFamily="49" charset="0"/>
-              </a:rPr>
-              <a:t>(string filename, </a:t>
-            </a:r>
-            <a:br>
-              <a:rPr lang="en-US" sz="1400" dirty="0">
-                <a:latin typeface="Courier New" pitchFamily="49" charset="0"/>
-                <a:cs typeface="Courier New" pitchFamily="49" charset="0"/>
-              </a:rPr>
-            </a:br>
-            <a:r>
-              <a:rPr lang="en-US" sz="1400" dirty="0">
-                <a:latin typeface="Courier New" pitchFamily="49" charset="0"/>
-                <a:cs typeface="Courier New" pitchFamily="49" charset="0"/>
-              </a:rPr>
-              <a:t>				</a:t>
-            </a:r>
-            <a:r>
-              <a:rPr lang="en-US" sz="1400" dirty="0" err="1">
-                <a:latin typeface="Courier New" pitchFamily="49" charset="0"/>
-                <a:cs typeface="Courier New" pitchFamily="49" charset="0"/>
-              </a:rPr>
-              <a:t>int</a:t>
-            </a:r>
-            <a:r>
-              <a:rPr lang="en-US" sz="1400" dirty="0">
-                <a:latin typeface="Courier New" pitchFamily="49" charset="0"/>
-                <a:cs typeface="Courier New" pitchFamily="49" charset="0"/>
-              </a:rPr>
-              <a:t> row, string </a:t>
-            </a:r>
-            <a:r>
-              <a:rPr lang="en-US" sz="1400" dirty="0" err="1">
-                <a:latin typeface="Courier New" pitchFamily="49" charset="0"/>
-                <a:cs typeface="Courier New" pitchFamily="49" charset="0"/>
-              </a:rPr>
-              <a:t>column_header_text</a:t>
-            </a:r>
-            <a:r>
-              <a:rPr lang="en-US" sz="1400" dirty="0">
-                <a:latin typeface="Courier New" pitchFamily="49" charset="0"/>
-                <a:cs typeface="Courier New" pitchFamily="49" charset="0"/>
-              </a:rPr>
-              <a:t>);</a:t>
-            </a:r>
-          </a:p>
-          <a:p>
-            <a:pPr lvl="1"/>
-            <a:r>
-              <a:rPr lang="en-US" sz="1200" dirty="0">
-                <a:cs typeface="Courier New" pitchFamily="49" charset="0"/>
-              </a:rPr>
-              <a:t>ivy "wraps" text fields as a formula with a string constant, e.g. </a:t>
-            </a:r>
-            <a:r>
-              <a:rPr lang="en-US" sz="1200" dirty="0">
-                <a:latin typeface="Courier New" pitchFamily="49" charset="0"/>
-                <a:cs typeface="Courier New" pitchFamily="49" charset="0"/>
-              </a:rPr>
-              <a:t>="horse"</a:t>
-            </a:r>
-          </a:p>
-          <a:p>
-            <a:pPr lvl="2"/>
-            <a:r>
-              <a:rPr lang="en-US" sz="1100" dirty="0">
-                <a:cs typeface="Courier New" pitchFamily="49" charset="0"/>
-              </a:rPr>
-              <a:t>This stops Excel from interpreting 1-1 as January 1</a:t>
-            </a:r>
-            <a:r>
-              <a:rPr lang="en-US" sz="1100" baseline="30000" dirty="0">
-                <a:cs typeface="Courier New" pitchFamily="49" charset="0"/>
-              </a:rPr>
-              <a:t>st</a:t>
-            </a:r>
-            <a:r>
-              <a:rPr lang="en-US" sz="1100" dirty="0">
-                <a:cs typeface="Courier New" pitchFamily="49" charset="0"/>
-              </a:rPr>
-              <a:t>, and 00:00 from interpreting as a time.</a:t>
-            </a:r>
-          </a:p>
-          <a:p>
-            <a:pPr lvl="1"/>
-            <a:r>
-              <a:rPr lang="en-US" sz="1200" dirty="0">
-                <a:cs typeface="Courier New" pitchFamily="49" charset="0"/>
-              </a:rPr>
-              <a:t>The csv file functions normally "unwrap" csv column values, removing this kind of wrapper or removing simple double quotes surrounding a value, to treat </a:t>
-            </a:r>
-            <a:r>
-              <a:rPr lang="en-US" sz="1200" dirty="0">
-                <a:latin typeface="Courier New" pitchFamily="49" charset="0"/>
-                <a:cs typeface="Courier New" pitchFamily="49" charset="0"/>
-              </a:rPr>
-              <a:t>="horse", "horse"</a:t>
-            </a:r>
-            <a:r>
-              <a:rPr lang="en-US" sz="1200" dirty="0">
-                <a:cs typeface="Courier New" pitchFamily="49" charset="0"/>
-              </a:rPr>
-              <a:t>  and </a:t>
-            </a:r>
-            <a:r>
-              <a:rPr lang="en-US" sz="1200" dirty="0">
-                <a:latin typeface="Courier New" pitchFamily="49" charset="0"/>
-                <a:cs typeface="Courier New" pitchFamily="49" charset="0"/>
-              </a:rPr>
-              <a:t>horse </a:t>
-            </a:r>
-            <a:r>
-              <a:rPr lang="en-US" sz="1200" dirty="0">
-                <a:cs typeface="Courier New" pitchFamily="49" charset="0"/>
-              </a:rPr>
-              <a:t>the same</a:t>
-            </a:r>
-          </a:p>
-          <a:p>
-            <a:pPr lvl="1"/>
-            <a:r>
-              <a:rPr lang="en-US" sz="1200" dirty="0">
-                <a:cs typeface="Courier New" pitchFamily="49" charset="0"/>
-              </a:rPr>
-              <a:t>Retrieving the raw value give you exactly what was between the commas in the csv file.</a:t>
-            </a:r>
-          </a:p>
-        </p:txBody>
-      </p:sp>
-      <p:sp>
-        <p:nvSpPr>
-          <p:cNvPr id="3" name="Title 2"/>
-          <p:cNvSpPr>
-            <a:spLocks noGrp="1"/>
-          </p:cNvSpPr>
-          <p:nvPr>
-            <p:ph type="title"/>
-          </p:nvPr>
-        </p:nvSpPr>
-        <p:spPr/>
-        <p:txBody>
-          <a:bodyPr/>
-          <a:lstStyle/>
-          <a:p>
-            <a:r>
-              <a:rPr lang="en-US" dirty="0"/>
-              <a:t>Csv file </a:t>
-            </a:r>
-            <a:r>
-              <a:rPr lang="en-US" dirty="0" err="1"/>
-              <a:t>builtin</a:t>
-            </a:r>
-            <a:r>
-              <a:rPr lang="en-US" dirty="0"/>
-              <a:t> functions 2/3 – individual cells</a:t>
             </a:r>
           </a:p>
         </p:txBody>
@@ -37052,7 +36899,7 @@
         <p:spPr>
           <a:xfrm>
             <a:off x="264160" y="967575"/>
-            <a:ext cx="8584006" cy="4243213"/>
+            <a:ext cx="8584006" cy="3388363"/>
           </a:xfrm>
         </p:spPr>
         <p:txBody>
@@ -37060,10 +36907,31 @@
           <a:lstStyle/>
           <a:p>
             <a:r>
+              <a:rPr lang="en-US" sz="1400" dirty="0">
+                <a:latin typeface="Courier New" pitchFamily="49" charset="0"/>
+                <a:cs typeface="Courier New" pitchFamily="49" charset="0"/>
+              </a:rPr>
+              <a:t>string </a:t>
+            </a:r>
+            <a:r>
               <a:rPr lang="en-US" sz="1400" dirty="0" err="1">
                 <a:latin typeface="Courier New" pitchFamily="49" charset="0"/>
                 <a:cs typeface="Courier New" pitchFamily="49" charset="0"/>
               </a:rPr>
+              <a:t>csv_cell_value</a:t>
+            </a:r>
+            <a:r>
+              <a:rPr lang="en-US" sz="1400" dirty="0">
+                <a:latin typeface="Courier New" pitchFamily="49" charset="0"/>
+                <a:cs typeface="Courier New" pitchFamily="49" charset="0"/>
+              </a:rPr>
+              <a:t>(string filename, </a:t>
+            </a:r>
+            <a:r>
+              <a:rPr lang="en-US" sz="1400" dirty="0" err="1">
+                <a:latin typeface="Courier New" pitchFamily="49" charset="0"/>
+                <a:cs typeface="Courier New" pitchFamily="49" charset="0"/>
+              </a:rPr>
               <a:t>int</a:t>
             </a:r>
             <a:r>
@@ -37071,28 +36939,69 @@
                 <a:latin typeface="Courier New" pitchFamily="49" charset="0"/>
                 <a:cs typeface="Courier New" pitchFamily="49" charset="0"/>
               </a:rPr>
-              <a:t> </a:t>
+              <a:t> row, </a:t>
             </a:r>
             <a:r>
               <a:rPr lang="en-US" sz="1400" dirty="0" err="1">
                 <a:latin typeface="Courier New" pitchFamily="49" charset="0"/>
                 <a:cs typeface="Courier New" pitchFamily="49" charset="0"/>
               </a:rPr>
-              <a:t>csv_lookup_column</a:t>
+              <a:t>int</a:t>
             </a:r>
             <a:r>
               <a:rPr lang="en-US" sz="1400" dirty="0">
                 <a:latin typeface="Courier New" pitchFamily="49" charset="0"/>
                 <a:cs typeface="Courier New" pitchFamily="49" charset="0"/>
               </a:rPr>
-              <a:t>(string filename, string </a:t>
+              <a:t> column);</a:t>
+            </a:r>
+            <a:br>
+              <a:rPr lang="en-US" sz="1400" dirty="0">
+                <a:latin typeface="Courier New" pitchFamily="49" charset="0"/>
+                <a:cs typeface="Courier New" pitchFamily="49" charset="0"/>
+              </a:rPr>
+            </a:br>
+            <a:r>
+              <a:rPr lang="en-US" sz="1400" dirty="0">
+                <a:latin typeface="Courier New" pitchFamily="49" charset="0"/>
+                <a:cs typeface="Courier New" pitchFamily="49" charset="0"/>
+              </a:rPr>
+              <a:t>string </a:t>
             </a:r>
             <a:r>
               <a:rPr lang="en-US" sz="1400" dirty="0" err="1">
                 <a:latin typeface="Courier New" pitchFamily="49" charset="0"/>
                 <a:cs typeface="Courier New" pitchFamily="49" charset="0"/>
               </a:rPr>
-              <a:t>column_header</a:t>
+              <a:t>csv_cell_value</a:t>
+            </a:r>
+            <a:r>
+              <a:rPr lang="en-US" sz="1400" dirty="0">
+                <a:latin typeface="Courier New" pitchFamily="49" charset="0"/>
+                <a:cs typeface="Courier New" pitchFamily="49" charset="0"/>
+              </a:rPr>
+              <a:t>(string filename, </a:t>
+            </a:r>
+            <a:r>
+              <a:rPr lang="en-US" sz="1400" dirty="0" err="1">
+                <a:latin typeface="Courier New" pitchFamily="49" charset="0"/>
+                <a:cs typeface="Courier New" pitchFamily="49" charset="0"/>
+              </a:rPr>
+              <a:t>int</a:t>
+            </a:r>
+            <a:r>
+              <a:rPr lang="en-US" sz="1400" dirty="0">
+                <a:latin typeface="Courier New" pitchFamily="49" charset="0"/>
+                <a:cs typeface="Courier New" pitchFamily="49" charset="0"/>
+              </a:rPr>
+              <a:t> row, string </a:t>
+            </a:r>
+            <a:r>
+              <a:rPr lang="en-US" sz="1400" dirty="0" err="1">
+                <a:latin typeface="Courier New" pitchFamily="49" charset="0"/>
+                <a:cs typeface="Courier New" pitchFamily="49" charset="0"/>
+              </a:rPr>
+              <a:t>column_header_text</a:t>
             </a:r>
             <a:r>
               <a:rPr lang="en-US" sz="1400" dirty="0">
@@ -37108,44 +37017,19 @@
               <a:rPr lang="en-US" sz="1200" dirty="0">
                 <a:cs typeface="Courier New" pitchFamily="49" charset="0"/>
               </a:rPr>
-              <a:t>Gives you the column number for a column title string.</a:t>
-            </a:r>
-          </a:p>
-          <a:p>
-            <a:r>
-              <a:rPr lang="en-US" sz="1400" dirty="0">
-                <a:latin typeface="Courier New" pitchFamily="49" charset="0"/>
-                <a:cs typeface="Courier New" pitchFamily="49" charset="0"/>
-              </a:rPr>
-              <a:t>string </a:t>
-            </a:r>
-            <a:r>
-              <a:rPr lang="en-US" sz="1400" dirty="0" err="1">
-                <a:latin typeface="Courier New" pitchFamily="49" charset="0"/>
-                <a:cs typeface="Courier New" pitchFamily="49" charset="0"/>
-              </a:rPr>
-              <a:t>csv_column_header</a:t>
-            </a:r>
-            <a:r>
-              <a:rPr lang="en-US" sz="1400" dirty="0">
-                <a:latin typeface="Courier New" pitchFamily="49" charset="0"/>
-                <a:cs typeface="Courier New" pitchFamily="49" charset="0"/>
-              </a:rPr>
-              <a:t>(string filename, </a:t>
-            </a:r>
-            <a:r>
-              <a:rPr lang="en-US" sz="1400" dirty="0" err="1">
-                <a:latin typeface="Courier New" pitchFamily="49" charset="0"/>
+              <a:t>You can refer to a column using an </a:t>
+            </a:r>
+            <a:r>
+              <a:rPr lang="en-US" sz="1200" dirty="0" err="1">
                 <a:cs typeface="Courier New" pitchFamily="49" charset="0"/>
               </a:rPr>
               <a:t>int</a:t>
             </a:r>
             <a:r>
-              <a:rPr lang="en-US" sz="1400" dirty="0">
-                <a:latin typeface="Courier New" pitchFamily="49" charset="0"/>
-                <a:cs typeface="Courier New" pitchFamily="49" charset="0"/>
-              </a:rPr>
-              <a:t> col);</a:t>
+              <a:rPr lang="en-US" sz="1200" dirty="0">
+                <a:cs typeface="Courier New" pitchFamily="49" charset="0"/>
+              </a:rPr>
+              <a:t>, the column index from zero.</a:t>
             </a:r>
           </a:p>
           <a:p>
@@ -37154,7 +37038,7 @@
               <a:rPr lang="en-US" sz="1200" dirty="0">
                 <a:cs typeface="Courier New" pitchFamily="49" charset="0"/>
               </a:rPr>
-              <a:t>Give you the text of the column header for a column number from zero.</a:t>
+              <a:t> You can refer to a column using a string, the column header text.</a:t>
             </a:r>
           </a:p>
           <a:p>
@@ -37170,7 +37054,7 @@
                 <a:latin typeface="Courier New" pitchFamily="49" charset="0"/>
                 <a:cs typeface="Courier New" pitchFamily="49" charset="0"/>
               </a:rPr>
-              <a:t>csv_column</a:t>
+              <a:t>csv_raw_cell_value</a:t>
             </a:r>
             <a:r>
               <a:rPr lang="en-US" sz="1400" dirty="0">
@@ -37191,7 +37075,21 @@
                 <a:latin typeface="Courier New" pitchFamily="49" charset="0"/>
                 <a:cs typeface="Courier New" pitchFamily="49" charset="0"/>
               </a:rPr>
-              <a:t> col);</a:t>
+              <a:t> row, </a:t>
+            </a:r>
+            <a:r>
+              <a:rPr lang="en-US" sz="1400" dirty="0" err="1">
+                <a:latin typeface="Courier New" pitchFamily="49" charset="0"/>
+                <a:cs typeface="Courier New" pitchFamily="49" charset="0"/>
+              </a:rPr>
+              <a:t>int</a:t>
+            </a:r>
+            <a:r>
+              <a:rPr lang="en-US" sz="1400" dirty="0">
+                <a:latin typeface="Courier New" pitchFamily="49" charset="0"/>
+                <a:cs typeface="Courier New" pitchFamily="49" charset="0"/>
+              </a:rPr>
+              <a:t> column);</a:t>
             </a:r>
             <a:br>
               <a:rPr lang="en-US" sz="1400" dirty="0">
@@ -37211,21 +37109,48 @@
                 <a:latin typeface="Courier New" pitchFamily="49" charset="0"/>
                 <a:cs typeface="Courier New" pitchFamily="49" charset="0"/>
               </a:rPr>
-              <a:t>csv_column</a:t>
+              <a:t>csv_raw_cell_value</a:t>
             </a:r>
             <a:r>
               <a:rPr lang="en-US" sz="1400" dirty="0">
                 <a:latin typeface="Courier New" pitchFamily="49" charset="0"/>
                 <a:cs typeface="Courier New" pitchFamily="49" charset="0"/>
               </a:rPr>
-              <a:t>(string filename, string </a:t>
+              <a:t>(string filename, </a:t>
+            </a:r>
+            <a:br>
+              <a:rPr lang="en-US" sz="1400" dirty="0">
+                <a:latin typeface="Courier New" pitchFamily="49" charset="0"/>
+                <a:cs typeface="Courier New" pitchFamily="49" charset="0"/>
+              </a:rPr>
+            </a:br>
+            <a:r>
+              <a:rPr lang="en-US" sz="1400" dirty="0">
+                <a:latin typeface="Courier New" pitchFamily="49" charset="0"/>
+                <a:cs typeface="Courier New" pitchFamily="49" charset="0"/>
+              </a:rPr>
+              <a:t>				</a:t>
             </a:r>
             <a:r>
               <a:rPr lang="en-US" sz="1400" dirty="0" err="1">
                 <a:latin typeface="Courier New" pitchFamily="49" charset="0"/>
                 <a:cs typeface="Courier New" pitchFamily="49" charset="0"/>
               </a:rPr>
-              <a:t>column_header</a:t>
+              <a:t>int</a:t>
+            </a:r>
+            <a:r>
+              <a:rPr lang="en-US" sz="1400" dirty="0">
+                <a:latin typeface="Courier New" pitchFamily="49" charset="0"/>
+                <a:cs typeface="Courier New" pitchFamily="49" charset="0"/>
+              </a:rPr>
+              <a:t> row, string </a:t>
+            </a:r>
+            <a:r>
+              <a:rPr lang="en-US" sz="1400" dirty="0" err="1">
+                <a:latin typeface="Courier New" pitchFamily="49" charset="0"/>
+                <a:cs typeface="Courier New" pitchFamily="49" charset="0"/>
+              </a:rPr>
+              <a:t>column_header_text</a:t>
             </a:r>
             <a:r>
               <a:rPr lang="en-US" sz="1400" dirty="0">
@@ -37241,13 +37166,35 @@
               <a:rPr lang="en-US" sz="1200" dirty="0">
                 <a:cs typeface="Courier New" pitchFamily="49" charset="0"/>
               </a:rPr>
-              <a:t>Gives you a "column slice" of the spreadsheet showing "raw" values</a:t>
-            </a:r>
-            <a:r>
-              <a:rPr lang="en-US" sz="1400" dirty="0">
-                <a:cs typeface="Courier New" pitchFamily="49" charset="0"/>
-              </a:rPr>
-              <a:t>.</a:t>
+              <a:t>ivy "wraps" text fields as a formula with a string constant, e.g. </a:t>
+            </a:r>
+            <a:r>
+              <a:rPr lang="en-US" sz="1200" dirty="0">
+                <a:latin typeface="Courier New" pitchFamily="49" charset="0"/>
+                <a:cs typeface="Courier New" pitchFamily="49" charset="0"/>
+              </a:rPr>
+              <a:t>="horse"</a:t>
+            </a:r>
+          </a:p>
+          <a:p>
+            <a:pPr lvl="2"/>
+            <a:r>
+              <a:rPr lang="en-US" sz="1100" dirty="0">
+                <a:cs typeface="Courier New" pitchFamily="49" charset="0"/>
+              </a:rPr>
+              <a:t>This stops Excel from interpreting 1-1 as January 1</a:t>
+            </a:r>
+            <a:r>
+              <a:rPr lang="en-US" sz="1100" baseline="30000" dirty="0">
+                <a:cs typeface="Courier New" pitchFamily="49" charset="0"/>
+              </a:rPr>
+              <a:t>st</a:t>
+            </a:r>
+            <a:r>
+              <a:rPr lang="en-US" sz="1100" dirty="0">
+                <a:cs typeface="Courier New" pitchFamily="49" charset="0"/>
+              </a:rPr>
+              <a:t>, and 00:00 from interpreting as a time.</a:t>
             </a:r>
           </a:p>
           <a:p>
@@ -37256,20 +37203,33 @@
               <a:rPr lang="en-US" sz="1200" dirty="0">
                 <a:cs typeface="Courier New" pitchFamily="49" charset="0"/>
               </a:rPr>
-              <a:t>E.g.</a:t>
-            </a:r>
-            <a:r>
-              <a:rPr lang="en-US" sz="1400" dirty="0">
-                <a:cs typeface="Courier New" pitchFamily="49" charset="0"/>
-              </a:rPr>
-              <a:t> </a:t>
-            </a:r>
-            <a:r>
-              <a:rPr lang="en-US" sz="1400" dirty="0">
-                <a:latin typeface="Courier New" pitchFamily="49" charset="0"/>
-                <a:cs typeface="Courier New" pitchFamily="49" charset="0"/>
-              </a:rPr>
-              <a:t>"IOPS,55,66,55,44"</a:t>
+              <a:t>The csv file functions normally "unwrap" csv column values, removing this kind of wrapper or removing simple double quotes surrounding a value, to treat </a:t>
+            </a:r>
+            <a:r>
+              <a:rPr lang="en-US" sz="1200" dirty="0">
+                <a:latin typeface="Courier New" pitchFamily="49" charset="0"/>
+                <a:cs typeface="Courier New" pitchFamily="49" charset="0"/>
+              </a:rPr>
+              <a:t>="horse", "horse"</a:t>
+            </a:r>
+            <a:r>
+              <a:rPr lang="en-US" sz="1200" dirty="0">
+                <a:cs typeface="Courier New" pitchFamily="49" charset="0"/>
+              </a:rPr>
+              <a:t>  and </a:t>
+            </a:r>
+            <a:r>
+              <a:rPr lang="en-US" sz="1200" dirty="0">
+                <a:latin typeface="Courier New" pitchFamily="49" charset="0"/>
+                <a:cs typeface="Courier New" pitchFamily="49" charset="0"/>
+              </a:rPr>
+              <a:t>horse </a:t>
+            </a:r>
+            <a:r>
+              <a:rPr lang="en-US" sz="1200" dirty="0">
+                <a:cs typeface="Courier New" pitchFamily="49" charset="0"/>
+              </a:rPr>
+              <a:t>the same</a:t>
             </a:r>
           </a:p>
           <a:p>
@@ -37278,86 +37238,7 @@
               <a:rPr lang="en-US" sz="1200" dirty="0">
                 <a:cs typeface="Courier New" pitchFamily="49" charset="0"/>
               </a:rPr>
-              <a:t>Demo number 8 shows iterating through the column slices to write out the transpose of a csv file.</a:t>
-            </a:r>
-            <a:endParaRPr lang="en-US" sz="1400" dirty="0">
-              <a:cs typeface="Courier New" pitchFamily="49" charset="0"/>
-            </a:endParaRPr>
-          </a:p>
-          <a:p>
-            <a:r>
-              <a:rPr lang="en-US" sz="1400" dirty="0">
-                <a:latin typeface="Courier New" pitchFamily="49" charset="0"/>
-                <a:cs typeface="Courier New" pitchFamily="49" charset="0"/>
-              </a:rPr>
-              <a:t>string </a:t>
-            </a:r>
-            <a:r>
-              <a:rPr lang="en-US" sz="1400" dirty="0" err="1">
-                <a:latin typeface="Courier New" pitchFamily="49" charset="0"/>
-                <a:cs typeface="Courier New" pitchFamily="49" charset="0"/>
-              </a:rPr>
-              <a:t>csvfile_row</a:t>
-            </a:r>
-            <a:r>
-              <a:rPr lang="en-US" sz="1400" dirty="0">
-                <a:latin typeface="Courier New" pitchFamily="49" charset="0"/>
-                <a:cs typeface="Courier New" pitchFamily="49" charset="0"/>
-              </a:rPr>
-              <a:t>(string filename, </a:t>
-            </a:r>
-            <a:r>
-              <a:rPr lang="en-US" sz="1400" dirty="0" err="1">
-                <a:latin typeface="Courier New" pitchFamily="49" charset="0"/>
-                <a:cs typeface="Courier New" pitchFamily="49" charset="0"/>
-              </a:rPr>
-              <a:t>int</a:t>
-            </a:r>
-            <a:r>
-              <a:rPr lang="en-US" sz="1400" dirty="0">
-                <a:latin typeface="Courier New" pitchFamily="49" charset="0"/>
-                <a:cs typeface="Courier New" pitchFamily="49" charset="0"/>
-              </a:rPr>
-              <a:t> row);</a:t>
-            </a:r>
-          </a:p>
-          <a:p>
-            <a:pPr lvl="1"/>
-            <a:r>
-              <a:rPr lang="en-US" sz="1200" dirty="0">
-                <a:cs typeface="Courier New" pitchFamily="49" charset="0"/>
-              </a:rPr>
-              <a:t>Gives you a "row slice" of the spreadsheet showing the "raw" values.</a:t>
-            </a:r>
-          </a:p>
-          <a:p>
-            <a:pPr lvl="1"/>
-            <a:r>
-              <a:rPr lang="en-US" sz="1200" dirty="0">
-                <a:cs typeface="Courier New" pitchFamily="49" charset="0"/>
-              </a:rPr>
-              <a:t>E.g. </a:t>
-            </a:r>
-            <a:r>
-              <a:rPr lang="en-US" sz="1200" dirty="0">
-                <a:latin typeface="Courier New" pitchFamily="49" charset="0"/>
-                <a:cs typeface="Courier New" pitchFamily="49" charset="0"/>
-              </a:rPr>
-              <a:t>="</a:t>
-            </a:r>
-            <a:r>
-              <a:rPr lang="en-US" sz="1200" dirty="0" err="1">
-                <a:latin typeface="Courier New" pitchFamily="49" charset="0"/>
-                <a:cs typeface="Courier New" pitchFamily="49" charset="0"/>
-              </a:rPr>
-              <a:t>random_independent</a:t>
-            </a:r>
-            <a:r>
-              <a:rPr lang="en-US" sz="1200" dirty="0">
-                <a:latin typeface="Courier New" pitchFamily="49" charset="0"/>
-                <a:cs typeface="Courier New" pitchFamily="49" charset="0"/>
-              </a:rPr>
-              <a:t>",="4 KiB",32,2601.7</a:t>
+              <a:t>Retrieving the raw value give you exactly what was between the commas in the csv file.</a:t>
             </a:r>
           </a:p>
         </p:txBody>
@@ -37387,7 +37268,7 @@
             </a:r>
             <a:r>
               <a:rPr lang="en-US" dirty="0"/>
-              <a:t> functions 3/3 – headers &amp; slices</a:t>
+              <a:t> functions 2/3 – individual cells</a:t>
             </a:r>
           </a:p>
         </p:txBody>
@@ -37442,7 +37323,7 @@
         <p:spPr>
           <a:xfrm>
             <a:off x="264160" y="967575"/>
-            <a:ext cx="8584006" cy="3520964"/>
+            <a:ext cx="8584006" cy="4243213"/>
           </a:xfrm>
         </p:spPr>
         <p:txBody>
@@ -37450,152 +37331,304 @@
           <a:lstStyle/>
           <a:p>
             <a:r>
-              <a:rPr lang="en-US" sz="1600" dirty="0">
-                <a:latin typeface="Courier New" pitchFamily="49" charset="0"/>
-                <a:cs typeface="Courier New" pitchFamily="49" charset="0"/>
-              </a:rPr>
-              <a:t>string print(string), double print(double), </a:t>
-            </a:r>
-            <a:r>
-              <a:rPr lang="en-US" sz="1600" dirty="0" err="1">
+              <a:rPr lang="en-US" sz="1400" dirty="0" err="1">
                 <a:latin typeface="Courier New" pitchFamily="49" charset="0"/>
                 <a:cs typeface="Courier New" pitchFamily="49" charset="0"/>
               </a:rPr>
               <a:t>int</a:t>
             </a:r>
             <a:r>
-              <a:rPr lang="en-US" sz="1600" dirty="0">
-                <a:latin typeface="Courier New" pitchFamily="49" charset="0"/>
-                <a:cs typeface="Courier New" pitchFamily="49" charset="0"/>
-              </a:rPr>
-              <a:t> print(</a:t>
-            </a:r>
-            <a:r>
-              <a:rPr lang="en-US" sz="1600" dirty="0" err="1">
-                <a:latin typeface="Courier New" pitchFamily="49" charset="0"/>
-                <a:cs typeface="Courier New" pitchFamily="49" charset="0"/>
-              </a:rPr>
-              <a:t>int</a:t>
-            </a:r>
-            <a:r>
-              <a:rPr lang="en-US" sz="1600" dirty="0">
-                <a:latin typeface="Courier New" pitchFamily="49" charset="0"/>
-                <a:cs typeface="Courier New" pitchFamily="49" charset="0"/>
-              </a:rPr>
-              <a:t>)</a:t>
+              <a:rPr lang="en-US" sz="1400" dirty="0">
+                <a:latin typeface="Courier New" pitchFamily="49" charset="0"/>
+                <a:cs typeface="Courier New" pitchFamily="49" charset="0"/>
+              </a:rPr>
+              <a:t> </a:t>
+            </a:r>
+            <a:r>
+              <a:rPr lang="en-US" sz="1400" dirty="0" err="1">
+                <a:latin typeface="Courier New" pitchFamily="49" charset="0"/>
+                <a:cs typeface="Courier New" pitchFamily="49" charset="0"/>
+              </a:rPr>
+              <a:t>csv_lookup_column</a:t>
+            </a:r>
+            <a:r>
+              <a:rPr lang="en-US" sz="1400" dirty="0">
+                <a:latin typeface="Courier New" pitchFamily="49" charset="0"/>
+                <a:cs typeface="Courier New" pitchFamily="49" charset="0"/>
+              </a:rPr>
+              <a:t>(string filename, string </a:t>
+            </a:r>
+            <a:r>
+              <a:rPr lang="en-US" sz="1400" dirty="0" err="1">
+                <a:latin typeface="Courier New" pitchFamily="49" charset="0"/>
+                <a:cs typeface="Courier New" pitchFamily="49" charset="0"/>
+              </a:rPr>
+              <a:t>column_header</a:t>
+            </a:r>
+            <a:r>
+              <a:rPr lang="en-US" sz="1400" dirty="0">
+                <a:latin typeface="Courier New" pitchFamily="49" charset="0"/>
+                <a:cs typeface="Courier New" pitchFamily="49" charset="0"/>
+              </a:rPr>
+              <a:t>);</a:t>
             </a:r>
           </a:p>
           <a:p>
             <a:pPr lvl="1"/>
             <a:r>
-              <a:rPr lang="en-US" sz="1600" dirty="0"/>
-              <a:t>Prints the specified value to </a:t>
-            </a:r>
-            <a:r>
-              <a:rPr lang="en-US" sz="1600" dirty="0" err="1"/>
-              <a:t>stdout</a:t>
-            </a:r>
-            <a:r>
-              <a:rPr lang="en-US" sz="1600" dirty="0"/>
-              <a:t> and then returns that value.</a:t>
+              <a:rPr lang="en-US" sz="1200" dirty="0">
+                <a:cs typeface="Courier New" pitchFamily="49" charset="0"/>
+              </a:rPr>
+              <a:t>Gives you the column number for a column title string.</a:t>
             </a:r>
           </a:p>
           <a:p>
             <a:r>
-              <a:rPr lang="en-US" sz="1600" dirty="0" err="1">
+              <a:rPr lang="en-US" sz="1400" dirty="0">
+                <a:latin typeface="Courier New" pitchFamily="49" charset="0"/>
+                <a:cs typeface="Courier New" pitchFamily="49" charset="0"/>
+              </a:rPr>
+              <a:t>string </a:t>
+            </a:r>
+            <a:r>
+              <a:rPr lang="en-US" sz="1400" dirty="0" err="1">
+                <a:latin typeface="Courier New" pitchFamily="49" charset="0"/>
+                <a:cs typeface="Courier New" pitchFamily="49" charset="0"/>
+              </a:rPr>
+              <a:t>csv_column_header</a:t>
+            </a:r>
+            <a:r>
+              <a:rPr lang="en-US" sz="1400" dirty="0">
+                <a:latin typeface="Courier New" pitchFamily="49" charset="0"/>
+                <a:cs typeface="Courier New" pitchFamily="49" charset="0"/>
+              </a:rPr>
+              <a:t>(string filename, </a:t>
+            </a:r>
+            <a:r>
+              <a:rPr lang="en-US" sz="1400" dirty="0" err="1">
                 <a:latin typeface="Courier New" pitchFamily="49" charset="0"/>
                 <a:cs typeface="Courier New" pitchFamily="49" charset="0"/>
               </a:rPr>
               <a:t>int</a:t>
             </a:r>
             <a:r>
-              <a:rPr lang="en-US" sz="1600" dirty="0">
-                <a:latin typeface="Courier New" pitchFamily="49" charset="0"/>
-                <a:cs typeface="Courier New" pitchFamily="49" charset="0"/>
-              </a:rPr>
-              <a:t> </a:t>
-            </a:r>
-            <a:r>
-              <a:rPr lang="en-US" sz="1600" dirty="0" err="1">
-                <a:latin typeface="Courier New" pitchFamily="49" charset="0"/>
-                <a:cs typeface="Courier New" pitchFamily="49" charset="0"/>
-              </a:rPr>
-              <a:t>fileappend</a:t>
-            </a:r>
-            <a:r>
-              <a:rPr lang="en-US" sz="1600" dirty="0">
-                <a:latin typeface="Courier New" pitchFamily="49" charset="0"/>
-                <a:cs typeface="Courier New" pitchFamily="49" charset="0"/>
-              </a:rPr>
-              <a:t>(string filename, string s)</a:t>
+              <a:rPr lang="en-US" sz="1400" dirty="0">
+                <a:latin typeface="Courier New" pitchFamily="49" charset="0"/>
+                <a:cs typeface="Courier New" pitchFamily="49" charset="0"/>
+              </a:rPr>
+              <a:t> col);</a:t>
             </a:r>
           </a:p>
           <a:p>
             <a:pPr lvl="1"/>
             <a:r>
-              <a:rPr lang="en-US" sz="1600" dirty="0"/>
-              <a:t>One way to write output.  Does not append a newline to </a:t>
-            </a:r>
-            <a:r>
-              <a:rPr lang="en-US" sz="1600" dirty="0">
-                <a:latin typeface="Courier New" pitchFamily="49" charset="0"/>
-                <a:cs typeface="Courier New" pitchFamily="49" charset="0"/>
-              </a:rPr>
-              <a:t>s</a:t>
-            </a:r>
-            <a:r>
-              <a:rPr lang="en-US" sz="1600" dirty="0"/>
-              <a:t>.</a:t>
+              <a:rPr lang="en-US" sz="1200" dirty="0">
+                <a:cs typeface="Courier New" pitchFamily="49" charset="0"/>
+              </a:rPr>
+              <a:t>Give you the text of the column header for a column number from zero.</a:t>
             </a:r>
           </a:p>
           <a:p>
             <a:r>
-              <a:rPr lang="en-US" sz="1600" dirty="0">
-                <a:latin typeface="Courier New" pitchFamily="49" charset="0"/>
-                <a:cs typeface="Courier New" pitchFamily="49" charset="0"/>
-              </a:rPr>
-              <a:t>int log(string s)</a:t>
+              <a:rPr lang="en-US" sz="1400" dirty="0">
+                <a:latin typeface="Courier New" pitchFamily="49" charset="0"/>
+                <a:cs typeface="Courier New" pitchFamily="49" charset="0"/>
+              </a:rPr>
+              <a:t>string </a:t>
+            </a:r>
+            <a:r>
+              <a:rPr lang="en-US" sz="1400" dirty="0" err="1">
+                <a:latin typeface="Courier New" pitchFamily="49" charset="0"/>
+                <a:cs typeface="Courier New" pitchFamily="49" charset="0"/>
+              </a:rPr>
+              <a:t>csv_column</a:t>
+            </a:r>
+            <a:r>
+              <a:rPr lang="en-US" sz="1400" dirty="0">
+                <a:latin typeface="Courier New" pitchFamily="49" charset="0"/>
+                <a:cs typeface="Courier New" pitchFamily="49" charset="0"/>
+              </a:rPr>
+              <a:t>(string filename, </a:t>
+            </a:r>
+            <a:r>
+              <a:rPr lang="en-US" sz="1400" dirty="0" err="1">
+                <a:latin typeface="Courier New" pitchFamily="49" charset="0"/>
+                <a:cs typeface="Courier New" pitchFamily="49" charset="0"/>
+              </a:rPr>
+              <a:t>int</a:t>
+            </a:r>
+            <a:r>
+              <a:rPr lang="en-US" sz="1400" dirty="0">
+                <a:latin typeface="Courier New" pitchFamily="49" charset="0"/>
+                <a:cs typeface="Courier New" pitchFamily="49" charset="0"/>
+              </a:rPr>
+              <a:t> col);</a:t>
+            </a:r>
+            <a:br>
+              <a:rPr lang="en-US" sz="1400" dirty="0">
+                <a:latin typeface="Courier New" pitchFamily="49" charset="0"/>
+                <a:cs typeface="Courier New" pitchFamily="49" charset="0"/>
+              </a:rPr>
+            </a:br>
+            <a:r>
+              <a:rPr lang="en-US" sz="1400" dirty="0">
+                <a:latin typeface="Courier New" pitchFamily="49" charset="0"/>
+                <a:cs typeface="Courier New" pitchFamily="49" charset="0"/>
+              </a:rPr>
+              <a:t>string </a:t>
+            </a:r>
+            <a:r>
+              <a:rPr lang="en-US" sz="1400" dirty="0" err="1">
+                <a:latin typeface="Courier New" pitchFamily="49" charset="0"/>
+                <a:cs typeface="Courier New" pitchFamily="49" charset="0"/>
+              </a:rPr>
+              <a:t>csv_column</a:t>
+            </a:r>
+            <a:r>
+              <a:rPr lang="en-US" sz="1400" dirty="0">
+                <a:latin typeface="Courier New" pitchFamily="49" charset="0"/>
+                <a:cs typeface="Courier New" pitchFamily="49" charset="0"/>
+              </a:rPr>
+              <a:t>(string filename, string </a:t>
+            </a:r>
+            <a:r>
+              <a:rPr lang="en-US" sz="1400" dirty="0" err="1">
+                <a:latin typeface="Courier New" pitchFamily="49" charset="0"/>
+                <a:cs typeface="Courier New" pitchFamily="49" charset="0"/>
+              </a:rPr>
+              <a:t>column_header</a:t>
+            </a:r>
+            <a:r>
+              <a:rPr lang="en-US" sz="1400" dirty="0">
+                <a:latin typeface="Courier New" pitchFamily="49" charset="0"/>
+                <a:cs typeface="Courier New" pitchFamily="49" charset="0"/>
+              </a:rPr>
+              <a:t>);</a:t>
             </a:r>
           </a:p>
           <a:p>
             <a:pPr lvl="1"/>
             <a:r>
-              <a:rPr lang="en-US" sz="1600" dirty="0"/>
-              <a:t>Writes to the ivy master log file, adding a timestamp prefix before the string, and adds terminating newline if the last line in </a:t>
-            </a:r>
-            <a:r>
-              <a:rPr lang="en-US" sz="1600" dirty="0">
-                <a:latin typeface="Courier New" pitchFamily="49" charset="0"/>
-                <a:cs typeface="Courier New" pitchFamily="49" charset="0"/>
-              </a:rPr>
-              <a:t>s</a:t>
-            </a:r>
-            <a:r>
-              <a:rPr lang="en-US" sz="1600" dirty="0"/>
-              <a:t> doesn't already have one.</a:t>
-            </a:r>
-          </a:p>
-          <a:p>
-            <a:r>
-              <a:rPr lang="en-US" sz="1600" dirty="0" err="1">
-                <a:latin typeface="Courier New" pitchFamily="49" charset="0"/>
-                <a:cs typeface="Courier New" pitchFamily="49" charset="0"/>
-              </a:rPr>
-              <a:t>trace_evaluate</a:t>
-            </a:r>
-            <a:r>
-              <a:rPr lang="en-US" sz="1600" dirty="0">
-                <a:latin typeface="Courier New" pitchFamily="49" charset="0"/>
-                <a:cs typeface="Courier New" pitchFamily="49" charset="0"/>
-              </a:rPr>
-              <a:t>(int)</a:t>
+              <a:rPr lang="en-US" sz="1200" dirty="0">
+                <a:cs typeface="Courier New" pitchFamily="49" charset="0"/>
+              </a:rPr>
+              <a:t>Gives you a "column slice" of the spreadsheet showing "raw" values</a:t>
+            </a:r>
+            <a:r>
+              <a:rPr lang="en-US" sz="1400" dirty="0">
+                <a:cs typeface="Courier New" pitchFamily="49" charset="0"/>
+              </a:rPr>
+              <a:t>.</a:t>
             </a:r>
           </a:p>
           <a:p>
             <a:pPr lvl="1"/>
             <a:r>
-              <a:rPr lang="en-US" sz="1600" dirty="0"/>
-              <a:t>Turns execution tracing on/off.  Zero means off, otherwise on.</a:t>
+              <a:rPr lang="en-US" sz="1200" dirty="0">
+                <a:cs typeface="Courier New" pitchFamily="49" charset="0"/>
+              </a:rPr>
+              <a:t>E.g.</a:t>
+            </a:r>
+            <a:r>
+              <a:rPr lang="en-US" sz="1400" dirty="0">
+                <a:cs typeface="Courier New" pitchFamily="49" charset="0"/>
+              </a:rPr>
+              <a:t> </a:t>
+            </a:r>
+            <a:r>
+              <a:rPr lang="en-US" sz="1400" dirty="0">
+                <a:latin typeface="Courier New" pitchFamily="49" charset="0"/>
+                <a:cs typeface="Courier New" pitchFamily="49" charset="0"/>
+              </a:rPr>
+              <a:t>"IOPS,55,66,55,44"</a:t>
+            </a:r>
+          </a:p>
+          <a:p>
+            <a:pPr lvl="1"/>
+            <a:r>
+              <a:rPr lang="en-US" sz="1200" dirty="0">
+                <a:cs typeface="Courier New" pitchFamily="49" charset="0"/>
+              </a:rPr>
+              <a:t>Demo number 8 shows iterating through the column slices to write out the transpose of a csv file.</a:t>
+            </a:r>
+            <a:endParaRPr lang="en-US" sz="1400" dirty="0">
+              <a:cs typeface="Courier New" pitchFamily="49" charset="0"/>
+            </a:endParaRPr>
+          </a:p>
+          <a:p>
+            <a:r>
+              <a:rPr lang="en-US" sz="1400" dirty="0">
+                <a:latin typeface="Courier New" pitchFamily="49" charset="0"/>
+                <a:cs typeface="Courier New" pitchFamily="49" charset="0"/>
+              </a:rPr>
+              <a:t>string </a:t>
+            </a:r>
+            <a:r>
+              <a:rPr lang="en-US" sz="1400" dirty="0" err="1">
+                <a:latin typeface="Courier New" pitchFamily="49" charset="0"/>
+                <a:cs typeface="Courier New" pitchFamily="49" charset="0"/>
+              </a:rPr>
+              <a:t>csvfile_row</a:t>
+            </a:r>
+            <a:r>
+              <a:rPr lang="en-US" sz="1400" dirty="0">
+                <a:latin typeface="Courier New" pitchFamily="49" charset="0"/>
+                <a:cs typeface="Courier New" pitchFamily="49" charset="0"/>
+              </a:rPr>
+              <a:t>(string filename, </a:t>
+            </a:r>
+            <a:r>
+              <a:rPr lang="en-US" sz="1400" dirty="0" err="1">
+                <a:latin typeface="Courier New" pitchFamily="49" charset="0"/>
+                <a:cs typeface="Courier New" pitchFamily="49" charset="0"/>
+              </a:rPr>
+              <a:t>int</a:t>
+            </a:r>
+            <a:r>
+              <a:rPr lang="en-US" sz="1400" dirty="0">
+                <a:latin typeface="Courier New" pitchFamily="49" charset="0"/>
+                <a:cs typeface="Courier New" pitchFamily="49" charset="0"/>
+              </a:rPr>
+              <a:t> row);</a:t>
+            </a:r>
+          </a:p>
+          <a:p>
+            <a:pPr lvl="1"/>
+            <a:r>
+              <a:rPr lang="en-US" sz="1200" dirty="0">
+                <a:cs typeface="Courier New" pitchFamily="49" charset="0"/>
+              </a:rPr>
+              <a:t>Gives you a "row slice" of the spreadsheet showing the "raw" values.</a:t>
+            </a:r>
+          </a:p>
+          <a:p>
+            <a:pPr lvl="1"/>
+            <a:r>
+              <a:rPr lang="en-US" sz="1200" dirty="0">
+                <a:cs typeface="Courier New" pitchFamily="49" charset="0"/>
+              </a:rPr>
+              <a:t>E.g. </a:t>
+            </a:r>
+            <a:r>
+              <a:rPr lang="en-US" sz="1200" dirty="0">
+                <a:latin typeface="Courier New" pitchFamily="49" charset="0"/>
+                <a:cs typeface="Courier New" pitchFamily="49" charset="0"/>
+              </a:rPr>
+              <a:t>="</a:t>
+            </a:r>
+            <a:r>
+              <a:rPr lang="en-US" sz="1200" dirty="0" err="1">
+                <a:latin typeface="Courier New" pitchFamily="49" charset="0"/>
+                <a:cs typeface="Courier New" pitchFamily="49" charset="0"/>
+              </a:rPr>
+              <a:t>random_independent</a:t>
+            </a:r>
+            <a:r>
+              <a:rPr lang="en-US" sz="1200" dirty="0">
+                <a:latin typeface="Courier New" pitchFamily="49" charset="0"/>
+                <a:cs typeface="Courier New" pitchFamily="49" charset="0"/>
+              </a:rPr>
+              <a:t>",="4 KiB",32,2601.7</a:t>
             </a:r>
           </a:p>
         </p:txBody>
@@ -37617,7 +37650,15 @@
           <a:p>
             <a:r>
               <a:rPr lang="en-US" dirty="0"/>
-              <a:t>utility functions</a:t>
+              <a:t>Csv file </a:t>
+            </a:r>
+            <a:r>
+              <a:rPr lang="en-US" dirty="0" err="1"/>
+              <a:t>builtin</a:t>
+            </a:r>
+            <a:r>
+              <a:rPr lang="en-US" dirty="0"/>
+              <a:t> functions 3/3 – headers &amp; slices</a:t>
             </a:r>
           </a:p>
         </p:txBody>
@@ -37672,7 +37713,7 @@
         <p:spPr>
           <a:xfrm>
             <a:off x="264160" y="967575"/>
-            <a:ext cx="8584006" cy="4078039"/>
+            <a:ext cx="8584006" cy="3520964"/>
           </a:xfrm>
         </p:spPr>
         <p:txBody>
@@ -37684,242 +37725,148 @@
                 <a:latin typeface="Courier New" pitchFamily="49" charset="0"/>
                 <a:cs typeface="Courier New" pitchFamily="49" charset="0"/>
               </a:rPr>
-              <a:t>string </a:t>
+              <a:t>string print(string), double print(double), </a:t>
             </a:r>
             <a:r>
               <a:rPr lang="en-US" sz="1600" dirty="0" err="1">
                 <a:latin typeface="Courier New" pitchFamily="49" charset="0"/>
                 <a:cs typeface="Courier New" pitchFamily="49" charset="0"/>
               </a:rPr>
-              <a:t>shell_command</a:t>
+              <a:t>int</a:t>
             </a:r>
             <a:r>
               <a:rPr lang="en-US" sz="1600" dirty="0">
                 <a:latin typeface="Courier New" pitchFamily="49" charset="0"/>
                 <a:cs typeface="Courier New" pitchFamily="49" charset="0"/>
               </a:rPr>
-              <a:t>(string) </a:t>
-            </a:r>
-            <a:br>
+              <a:t> print(</a:t>
+            </a:r>
+            <a:r>
+              <a:rPr lang="en-US" sz="1600" dirty="0" err="1">
+                <a:latin typeface="Courier New" pitchFamily="49" charset="0"/>
+                <a:cs typeface="Courier New" pitchFamily="49" charset="0"/>
+              </a:rPr>
+              <a:t>int</a:t>
+            </a:r>
+            <a:r>
               <a:rPr lang="en-US" sz="1600" dirty="0">
                 <a:latin typeface="Courier New" pitchFamily="49" charset="0"/>
                 <a:cs typeface="Courier New" pitchFamily="49" charset="0"/>
               </a:rPr>
-            </a:br>
-            <a:r>
-              <a:rPr lang="en-US" sz="1600" dirty="0">
-                <a:cs typeface="Courier New" pitchFamily="49" charset="0"/>
-              </a:rPr>
-              <a:t>or equivalently</a:t>
-            </a:r>
-            <a:r>
-              <a:rPr lang="en-US" sz="1600" dirty="0">
-                <a:latin typeface="Courier New" pitchFamily="49" charset="0"/>
-                <a:cs typeface="Courier New" pitchFamily="49" charset="0"/>
-              </a:rPr>
-              <a:t> string system(string)</a:t>
+              <a:t>)</a:t>
             </a:r>
           </a:p>
           <a:p>
             <a:pPr lvl="1"/>
             <a:r>
-              <a:rPr lang="en-US" sz="1800" dirty="0"/>
-              <a:t>Executes the shell command and returns its output.</a:t>
+              <a:rPr lang="en-US" sz="1600" dirty="0"/>
+              <a:t>Prints the specified value to </a:t>
+            </a:r>
+            <a:r>
+              <a:rPr lang="en-US" sz="1600" dirty="0" err="1"/>
+              <a:t>stdout</a:t>
+            </a:r>
+            <a:r>
+              <a:rPr lang="en-US" sz="1600" dirty="0"/>
+              <a:t> and then returns that value.</a:t>
             </a:r>
           </a:p>
           <a:p>
-            <a:pPr lvl="2"/>
-            <a:r>
-              <a:rPr lang="en-US" sz="2000" dirty="0">
-                <a:solidFill>
-                  <a:srgbClr val="FF0000"/>
-                </a:solidFill>
-              </a:rPr>
-              <a:t>Runs as </a:t>
-            </a:r>
-            <a:r>
-              <a:rPr lang="en-US" sz="2000" b="1" dirty="0">
-                <a:solidFill>
-                  <a:srgbClr val="FF0000"/>
-                </a:solidFill>
-                <a:latin typeface="Courier New" pitchFamily="49" charset="0"/>
-                <a:cs typeface="Courier New" pitchFamily="49" charset="0"/>
-              </a:rPr>
-              <a:t>root</a:t>
-            </a:r>
-            <a:r>
-              <a:rPr lang="en-US" sz="2000" dirty="0">
-                <a:solidFill>
-                  <a:srgbClr val="FF0000"/>
-                </a:solidFill>
-              </a:rPr>
-              <a:t>.  You have been warned.</a:t>
+            <a:r>
+              <a:rPr lang="en-US" sz="1600" dirty="0" err="1">
+                <a:latin typeface="Courier New" pitchFamily="49" charset="0"/>
+                <a:cs typeface="Courier New" pitchFamily="49" charset="0"/>
+              </a:rPr>
+              <a:t>int</a:t>
             </a:r>
             <a:r>
               <a:rPr lang="en-US" sz="1600" dirty="0">
-                <a:solidFill>
-                  <a:srgbClr val="FF0000"/>
-                </a:solidFill>
-              </a:rPr>
-              <a:t>  </a:t>
-            </a:r>
-          </a:p>
-          <a:p>
-            <a:pPr lvl="2"/>
-            <a:r>
-              <a:rPr lang="en-US" sz="1600" dirty="0"/>
-              <a:t>Ivy runs as </a:t>
+                <a:latin typeface="Courier New" pitchFamily="49" charset="0"/>
+                <a:cs typeface="Courier New" pitchFamily="49" charset="0"/>
+              </a:rPr>
+              <a:t> </a:t>
+            </a:r>
+            <a:r>
+              <a:rPr lang="en-US" sz="1600" dirty="0" err="1">
+                <a:latin typeface="Courier New" pitchFamily="49" charset="0"/>
+                <a:cs typeface="Courier New" pitchFamily="49" charset="0"/>
+              </a:rPr>
+              <a:t>fileappend</a:t>
             </a:r>
             <a:r>
               <a:rPr lang="en-US" sz="1600" dirty="0">
                 <a:latin typeface="Courier New" pitchFamily="49" charset="0"/>
                 <a:cs typeface="Courier New" pitchFamily="49" charset="0"/>
               </a:rPr>
-              <a:t>root</a:t>
-            </a:r>
-            <a:r>
-              <a:rPr lang="en-US" sz="1600" dirty="0"/>
-              <a:t> in our lab because ivy uses </a:t>
-            </a:r>
-            <a:r>
-              <a:rPr lang="en-US" sz="1600" dirty="0" err="1"/>
-              <a:t>ssh</a:t>
-            </a:r>
-            <a:r>
-              <a:rPr lang="en-US" sz="1600" dirty="0"/>
-              <a:t> to fire </a:t>
-            </a:r>
-            <a:r>
-              <a:rPr lang="en-US" sz="1600"/>
-              <a:t>up ivydriver </a:t>
-            </a:r>
-            <a:r>
-              <a:rPr lang="en-US" sz="1600" dirty="0"/>
-              <a:t>and </a:t>
-            </a:r>
-            <a:r>
-              <a:rPr lang="en-US" sz="1600" dirty="0" err="1"/>
-              <a:t>ivy_cmddev</a:t>
-            </a:r>
-            <a:r>
-              <a:rPr lang="en-US" sz="1600" dirty="0"/>
-              <a:t> on test hosts, and "</a:t>
-            </a:r>
-            <a:r>
-              <a:rPr lang="en-US" sz="1600" dirty="0">
-                <a:latin typeface="Courier New" pitchFamily="49" charset="0"/>
-                <a:cs typeface="Courier New" pitchFamily="49" charset="0"/>
-              </a:rPr>
-              <a:t>root</a:t>
-            </a:r>
-            <a:r>
-              <a:rPr lang="en-US" sz="1600" dirty="0"/>
-              <a:t>" has been set up to not require a password to </a:t>
-            </a:r>
-            <a:r>
-              <a:rPr lang="en-US" sz="1600" dirty="0" err="1"/>
-              <a:t>ssh</a:t>
-            </a:r>
-            <a:r>
-              <a:rPr lang="en-US" sz="1600" dirty="0"/>
-              <a:t>.  Ivy may also need to run as </a:t>
-            </a:r>
-            <a:r>
-              <a:rPr lang="en-US" sz="1600" dirty="0">
-                <a:latin typeface="Courier New" pitchFamily="49" charset="0"/>
-                <a:cs typeface="Courier New" pitchFamily="49" charset="0"/>
-              </a:rPr>
-              <a:t>root</a:t>
-            </a:r>
-            <a:r>
-              <a:rPr lang="en-US" sz="1600" dirty="0"/>
-              <a:t> to do I/O to raw LUNs – not sure.</a:t>
-            </a:r>
-          </a:p>
-          <a:p>
-            <a:pPr lvl="2"/>
-            <a:r>
-              <a:rPr lang="en-US" sz="1600" dirty="0"/>
-              <a:t>The only ivy component that definitely requires to run as </a:t>
-            </a:r>
-            <a:r>
-              <a:rPr lang="en-US" sz="1600" dirty="0">
-                <a:latin typeface="Courier New" pitchFamily="49" charset="0"/>
-                <a:cs typeface="Courier New" pitchFamily="49" charset="0"/>
-              </a:rPr>
-              <a:t>root</a:t>
-            </a:r>
-            <a:r>
-              <a:rPr lang="en-US" sz="1600" dirty="0"/>
-              <a:t> is the SCSI Inquiry tool, which has the executable that issues "SCSI Inquiry" marked </a:t>
-            </a:r>
-            <a:r>
-              <a:rPr lang="en-US" sz="1600" dirty="0" err="1">
-                <a:latin typeface="Courier New" pitchFamily="49" charset="0"/>
-                <a:cs typeface="Courier New" pitchFamily="49" charset="0"/>
-              </a:rPr>
-              <a:t>setuid</a:t>
-            </a:r>
-            <a:r>
-              <a:rPr lang="en-US" sz="1600" dirty="0"/>
-              <a:t> as </a:t>
-            </a:r>
-            <a:r>
-              <a:rPr lang="en-US" sz="1600" dirty="0">
-                <a:latin typeface="Courier New" pitchFamily="49" charset="0"/>
-                <a:cs typeface="Courier New" pitchFamily="49" charset="0"/>
-              </a:rPr>
-              <a:t>root</a:t>
-            </a:r>
-            <a:r>
-              <a:rPr lang="en-US" sz="1600" dirty="0"/>
-              <a:t>, and thus works for any user.</a:t>
+              <a:t>(string filename, string s)</a:t>
             </a:r>
           </a:p>
           <a:p>
             <a:pPr lvl="1"/>
             <a:r>
-              <a:rPr lang="en-US" sz="1800" dirty="0"/>
-              <a:t>Use </a:t>
-            </a:r>
-            <a:r>
-              <a:rPr lang="en-US" sz="1800" dirty="0" err="1">
-                <a:latin typeface="Courier New" pitchFamily="49" charset="0"/>
-                <a:cs typeface="Courier New" pitchFamily="49" charset="0"/>
-              </a:rPr>
-              <a:t>shell_command</a:t>
-            </a:r>
-            <a:r>
-              <a:rPr lang="en-US" sz="1800" dirty="0">
-                <a:latin typeface="Courier New" pitchFamily="49" charset="0"/>
-                <a:cs typeface="Courier New" pitchFamily="49" charset="0"/>
-              </a:rPr>
-              <a:t>()</a:t>
-            </a:r>
-            <a:r>
-              <a:rPr lang="en-US" sz="1800" dirty="0"/>
-              <a:t> to do almost anything</a:t>
+              <a:rPr lang="en-US" sz="1600" dirty="0"/>
+              <a:t>One way to write output.  Does not append a newline to </a:t>
+            </a:r>
+            <a:r>
+              <a:rPr lang="en-US" sz="1600" dirty="0">
+                <a:latin typeface="Courier New" pitchFamily="49" charset="0"/>
+                <a:cs typeface="Courier New" pitchFamily="49" charset="0"/>
+              </a:rPr>
+              <a:t>s</a:t>
+            </a:r>
+            <a:r>
+              <a:rPr lang="en-US" sz="1600" dirty="0"/>
+              <a:t>.</a:t>
             </a:r>
           </a:p>
           <a:p>
-            <a:pPr lvl="2"/>
-            <a:r>
-              <a:rPr lang="en-US" sz="1600" dirty="0" err="1">
-                <a:latin typeface="Courier New" pitchFamily="49" charset="0"/>
-                <a:cs typeface="Courier New" pitchFamily="49" charset="0"/>
-              </a:rPr>
-              <a:t>grep</a:t>
-            </a:r>
-            <a:r>
-              <a:rPr lang="en-US" sz="1600" dirty="0"/>
-              <a:t> in an ivy output folder to find a csv file name</a:t>
+            <a:r>
+              <a:rPr lang="en-US" sz="1600" dirty="0">
+                <a:latin typeface="Courier New" pitchFamily="49" charset="0"/>
+                <a:cs typeface="Courier New" pitchFamily="49" charset="0"/>
+              </a:rPr>
+              <a:t>int log(string s)</a:t>
             </a:r>
           </a:p>
           <a:p>
-            <a:pPr lvl="2"/>
+            <a:pPr lvl="1"/>
             <a:r>
               <a:rPr lang="en-US" sz="1600" dirty="0"/>
-              <a:t>Get a time or date stamp</a:t>
+              <a:t>Writes to the ivy master log file, adding a timestamp prefix before the string, and adds terminating newline if the last line in </a:t>
+            </a:r>
+            <a:r>
+              <a:rPr lang="en-US" sz="1600" dirty="0">
+                <a:latin typeface="Courier New" pitchFamily="49" charset="0"/>
+                <a:cs typeface="Courier New" pitchFamily="49" charset="0"/>
+              </a:rPr>
+              <a:t>s</a:t>
+            </a:r>
+            <a:r>
+              <a:rPr lang="en-US" sz="1600" dirty="0"/>
+              <a:t> doesn't already have one.</a:t>
+            </a:r>
+          </a:p>
+          <a:p>
+            <a:r>
+              <a:rPr lang="en-US" sz="1600" dirty="0" err="1">
+                <a:latin typeface="Courier New" pitchFamily="49" charset="0"/>
+                <a:cs typeface="Courier New" pitchFamily="49" charset="0"/>
+              </a:rPr>
+              <a:t>trace_evaluate</a:t>
+            </a:r>
+            <a:r>
+              <a:rPr lang="en-US" sz="1600" dirty="0">
+                <a:latin typeface="Courier New" pitchFamily="49" charset="0"/>
+                <a:cs typeface="Courier New" pitchFamily="49" charset="0"/>
+              </a:rPr>
+              <a:t>(int)</a:t>
+            </a:r>
+          </a:p>
+          <a:p>
+            <a:pPr lvl="1"/>
+            <a:r>
+              <a:rPr lang="en-US" sz="1600" dirty="0"/>
+              <a:t>Turns execution tracing on/off.  Zero means off, otherwise on.</a:t>
             </a:r>
           </a:p>
         </p:txBody>
@@ -37940,24 +37887,9 @@
           <a:lstStyle/>
           <a:p>
             <a:r>
-              <a:rPr lang="en-US" dirty="0" err="1"/>
-              <a:t>Builtin</a:t>
-            </a:r>
-            <a:r>
               <a:rPr lang="en-US" dirty="0"/>
-              <a:t> functions – </a:t>
-            </a:r>
-            <a:r>
-              <a:rPr lang="en-US" dirty="0" err="1">
-                <a:latin typeface="Courier New" pitchFamily="49" charset="0"/>
-                <a:cs typeface="Courier New" pitchFamily="49" charset="0"/>
-              </a:rPr>
-              <a:t>shell_command</a:t>
-            </a:r>
-            <a:endParaRPr lang="en-US" dirty="0">
-              <a:latin typeface="Courier New" pitchFamily="49" charset="0"/>
-              <a:cs typeface="Courier New" pitchFamily="49" charset="0"/>
-            </a:endParaRPr>
+              <a:t>utility functions</a:t>
+            </a:r>
           </a:p>
         </p:txBody>
       </p:sp>
@@ -38011,93 +37943,254 @@
         <p:spPr>
           <a:xfrm>
             <a:off x="264160" y="967575"/>
-            <a:ext cx="8584006" cy="1627625"/>
+            <a:ext cx="8584006" cy="4078039"/>
           </a:xfrm>
         </p:spPr>
         <p:txBody>
           <a:bodyPr/>
           <a:lstStyle/>
           <a:p>
+            <a:r>
+              <a:rPr lang="en-US" sz="1600" dirty="0">
+                <a:latin typeface="Courier New" pitchFamily="49" charset="0"/>
+                <a:cs typeface="Courier New" pitchFamily="49" charset="0"/>
+              </a:rPr>
+              <a:t>string </a:t>
+            </a:r>
+            <a:r>
+              <a:rPr lang="en-US" sz="1600" dirty="0" err="1">
+                <a:latin typeface="Courier New" pitchFamily="49" charset="0"/>
+                <a:cs typeface="Courier New" pitchFamily="49" charset="0"/>
+              </a:rPr>
+              <a:t>shell_command</a:t>
+            </a:r>
+            <a:r>
+              <a:rPr lang="en-US" sz="1600" dirty="0">
+                <a:latin typeface="Courier New" pitchFamily="49" charset="0"/>
+                <a:cs typeface="Courier New" pitchFamily="49" charset="0"/>
+              </a:rPr>
+              <a:t>(string) </a:t>
+            </a:r>
+            <a:br>
+              <a:rPr lang="en-US" sz="1600" dirty="0">
+                <a:latin typeface="Courier New" pitchFamily="49" charset="0"/>
+                <a:cs typeface="Courier New" pitchFamily="49" charset="0"/>
+              </a:rPr>
+            </a:br>
+            <a:r>
+              <a:rPr lang="en-US" sz="1600" dirty="0">
+                <a:cs typeface="Courier New" pitchFamily="49" charset="0"/>
+              </a:rPr>
+              <a:t>or equivalently</a:t>
+            </a:r>
+            <a:r>
+              <a:rPr lang="en-US" sz="1600" dirty="0">
+                <a:latin typeface="Courier New" pitchFamily="49" charset="0"/>
+                <a:cs typeface="Courier New" pitchFamily="49" charset="0"/>
+              </a:rPr>
+              <a:t> string system(string)</a:t>
+            </a:r>
+          </a:p>
+          <a:p>
             <a:pPr lvl="1"/>
             <a:r>
               <a:rPr lang="en-US" sz="1800" dirty="0"/>
-              <a:t>As in</a:t>
+              <a:t>Executes the shell command and returns its output.</a:t>
             </a:r>
           </a:p>
           <a:p>
             <a:pPr lvl="2"/>
             <a:r>
+              <a:rPr lang="en-US" sz="2000" dirty="0">
+                <a:solidFill>
+                  <a:srgbClr val="FF0000"/>
+                </a:solidFill>
+              </a:rPr>
+              <a:t>Runs as </a:t>
+            </a:r>
+            <a:r>
+              <a:rPr lang="en-US" sz="2000" b="1" dirty="0">
+                <a:solidFill>
+                  <a:srgbClr val="FF0000"/>
+                </a:solidFill>
+                <a:latin typeface="Courier New" pitchFamily="49" charset="0"/>
+                <a:cs typeface="Courier New" pitchFamily="49" charset="0"/>
+              </a:rPr>
+              <a:t>root</a:t>
+            </a:r>
+            <a:r>
+              <a:rPr lang="en-US" sz="2000" dirty="0">
+                <a:solidFill>
+                  <a:srgbClr val="FF0000"/>
+                </a:solidFill>
+              </a:rPr>
+              <a:t>.  You have been warned.</a:t>
+            </a:r>
+            <a:r>
               <a:rPr lang="en-US" sz="1600" dirty="0">
-                <a:latin typeface="Courier New" panose="02070309020205020404" pitchFamily="49" charset="0"/>
-                <a:cs typeface="Courier New" pitchFamily="49" charset="0"/>
-              </a:rPr>
-              <a:t>if ( </a:t>
+                <a:solidFill>
+                  <a:srgbClr val="FF0000"/>
+                </a:solidFill>
+              </a:rPr>
+              <a:t>  </a:t>
+            </a:r>
+          </a:p>
+          <a:p>
+            <a:pPr lvl="2"/>
+            <a:r>
+              <a:rPr lang="en-US" sz="1600" dirty="0"/>
+              <a:t>Ivy runs as </a:t>
+            </a:r>
+            <a:r>
+              <a:rPr lang="en-US" sz="1600" dirty="0">
+                <a:latin typeface="Courier New" pitchFamily="49" charset="0"/>
+                <a:cs typeface="Courier New" pitchFamily="49" charset="0"/>
+              </a:rPr>
+              <a:t>root</a:t>
+            </a:r>
+            <a:r>
+              <a:rPr lang="en-US" sz="1600" dirty="0"/>
+              <a:t> in our lab because ivy uses </a:t>
+            </a:r>
+            <a:r>
+              <a:rPr lang="en-US" sz="1600" dirty="0" err="1"/>
+              <a:t>ssh</a:t>
+            </a:r>
+            <a:r>
+              <a:rPr lang="en-US" sz="1600" dirty="0"/>
+              <a:t> to fire </a:t>
+            </a:r>
+            <a:r>
+              <a:rPr lang="en-US" sz="1600"/>
+              <a:t>up ivydriver </a:t>
+            </a:r>
+            <a:r>
+              <a:rPr lang="en-US" sz="1600" dirty="0"/>
+              <a:t>and </a:t>
+            </a:r>
+            <a:r>
+              <a:rPr lang="en-US" sz="1600" dirty="0" err="1"/>
+              <a:t>ivy_cmddev</a:t>
+            </a:r>
+            <a:r>
+              <a:rPr lang="en-US" sz="1600" dirty="0"/>
+              <a:t> on test hosts, and "</a:t>
+            </a:r>
+            <a:r>
+              <a:rPr lang="en-US" sz="1600" dirty="0">
+                <a:latin typeface="Courier New" pitchFamily="49" charset="0"/>
+                <a:cs typeface="Courier New" pitchFamily="49" charset="0"/>
+              </a:rPr>
+              <a:t>root</a:t>
+            </a:r>
+            <a:r>
+              <a:rPr lang="en-US" sz="1600" dirty="0"/>
+              <a:t>" has been set up to not require a password to </a:t>
+            </a:r>
+            <a:r>
+              <a:rPr lang="en-US" sz="1600" dirty="0" err="1"/>
+              <a:t>ssh</a:t>
+            </a:r>
+            <a:r>
+              <a:rPr lang="en-US" sz="1600" dirty="0"/>
+              <a:t>.  Ivy may also need to run as </a:t>
+            </a:r>
+            <a:r>
+              <a:rPr lang="en-US" sz="1600" dirty="0">
+                <a:latin typeface="Courier New" pitchFamily="49" charset="0"/>
+                <a:cs typeface="Courier New" pitchFamily="49" charset="0"/>
+              </a:rPr>
+              <a:t>root</a:t>
+            </a:r>
+            <a:r>
+              <a:rPr lang="en-US" sz="1600" dirty="0"/>
+              <a:t> to do I/O to raw LUNs – not sure.</a:t>
+            </a:r>
+          </a:p>
+          <a:p>
+            <a:pPr lvl="2"/>
+            <a:r>
+              <a:rPr lang="en-US" sz="1600" dirty="0"/>
+              <a:t>The only ivy component that definitely requires to run as </a:t>
+            </a:r>
+            <a:r>
+              <a:rPr lang="en-US" sz="1600" dirty="0">
+                <a:latin typeface="Courier New" pitchFamily="49" charset="0"/>
+                <a:cs typeface="Courier New" pitchFamily="49" charset="0"/>
+              </a:rPr>
+              <a:t>root</a:t>
+            </a:r>
+            <a:r>
+              <a:rPr lang="en-US" sz="1600" dirty="0"/>
+              <a:t> is the SCSI Inquiry tool, which has the executable that issues "SCSI Inquiry" marked </a:t>
             </a:r>
             <a:r>
               <a:rPr lang="en-US" sz="1600" dirty="0" err="1">
                 <a:latin typeface="Courier New" pitchFamily="49" charset="0"/>
                 <a:cs typeface="Courier New" pitchFamily="49" charset="0"/>
               </a:rPr>
-              <a:t>last_result</a:t>
+              <a:t>setuid</a:t>
+            </a:r>
+            <a:r>
+              <a:rPr lang="en-US" sz="1600" dirty="0"/>
+              <a:t> as </a:t>
             </a:r>
             <a:r>
               <a:rPr lang="en-US" sz="1600" dirty="0">
                 <a:latin typeface="Courier New" pitchFamily="49" charset="0"/>
                 <a:cs typeface="Courier New" pitchFamily="49" charset="0"/>
               </a:rPr>
-              <a:t>() != "success" )</a:t>
-            </a:r>
-            <a:br>
-              <a:rPr lang="en-US" sz="1600" dirty="0">
-                <a:latin typeface="Courier New" pitchFamily="49" charset="0"/>
-                <a:cs typeface="Courier New" pitchFamily="49" charset="0"/>
-              </a:rPr>
-            </a:br>
-            <a:r>
-              <a:rPr lang="en-US" sz="1600" dirty="0">
-                <a:latin typeface="Courier New" pitchFamily="49" charset="0"/>
-                <a:cs typeface="Courier New" pitchFamily="49" charset="0"/>
-              </a:rPr>
-              <a:t>{</a:t>
-            </a:r>
-            <a:br>
-              <a:rPr lang="en-US" sz="1600" dirty="0">
-                <a:latin typeface="Courier New" pitchFamily="49" charset="0"/>
-                <a:cs typeface="Courier New" pitchFamily="49" charset="0"/>
-              </a:rPr>
-            </a:br>
-            <a:r>
-              <a:rPr lang="en-US" sz="1600" dirty="0">
-                <a:latin typeface="Courier New" pitchFamily="49" charset="0"/>
-                <a:cs typeface="Courier New" pitchFamily="49" charset="0"/>
-              </a:rPr>
-              <a:t>	   print "timed out without making a valid measurement.\n";</a:t>
-            </a:r>
-            <a:br>
-              <a:rPr lang="en-US" sz="1600" dirty="0">
-                <a:latin typeface="Courier New" pitchFamily="49" charset="0"/>
-                <a:cs typeface="Courier New" pitchFamily="49" charset="0"/>
-              </a:rPr>
-            </a:br>
-            <a:r>
-              <a:rPr lang="en-US" sz="1600" dirty="0">
-                <a:latin typeface="Courier New" pitchFamily="49" charset="0"/>
-                <a:cs typeface="Courier New" pitchFamily="49" charset="0"/>
-              </a:rPr>
-              <a:t>	   exit();</a:t>
-            </a:r>
-            <a:br>
-              <a:rPr lang="en-US" sz="1600" dirty="0">
-                <a:latin typeface="Courier New" pitchFamily="49" charset="0"/>
-                <a:cs typeface="Courier New" pitchFamily="49" charset="0"/>
-              </a:rPr>
-            </a:br>
-            <a:r>
-              <a:rPr lang="en-US" sz="1600" dirty="0">
-                <a:latin typeface="Courier New" pitchFamily="49" charset="0"/>
-                <a:cs typeface="Courier New" pitchFamily="49" charset="0"/>
-              </a:rPr>
-              <a:t>}</a:t>
+              <a:t>root</a:t>
+            </a:r>
+            <a:r>
+              <a:rPr lang="en-US" sz="1600" dirty="0"/>
+              <a:t>, and thus works for any user.</a:t>
+            </a:r>
+          </a:p>
+          <a:p>
+            <a:pPr lvl="1"/>
+            <a:r>
+              <a:rPr lang="en-US" sz="1800" dirty="0"/>
+              <a:t>Use </a:t>
+            </a:r>
+            <a:r>
+              <a:rPr lang="en-US" sz="1800" dirty="0" err="1">
+                <a:latin typeface="Courier New" pitchFamily="49" charset="0"/>
+                <a:cs typeface="Courier New" pitchFamily="49" charset="0"/>
+              </a:rPr>
+              <a:t>shell_command</a:t>
+            </a:r>
+            <a:r>
+              <a:rPr lang="en-US" sz="1800" dirty="0">
+                <a:latin typeface="Courier New" pitchFamily="49" charset="0"/>
+                <a:cs typeface="Courier New" pitchFamily="49" charset="0"/>
+              </a:rPr>
+              <a:t>()</a:t>
+            </a:r>
+            <a:r>
+              <a:rPr lang="en-US" sz="1800" dirty="0"/>
+              <a:t> to do almost anything</a:t>
+            </a:r>
+          </a:p>
+          <a:p>
+            <a:pPr lvl="2"/>
+            <a:r>
+              <a:rPr lang="en-US" sz="1600" dirty="0" err="1">
+                <a:latin typeface="Courier New" pitchFamily="49" charset="0"/>
+                <a:cs typeface="Courier New" pitchFamily="49" charset="0"/>
+              </a:rPr>
+              <a:t>grep</a:t>
+            </a:r>
+            <a:r>
+              <a:rPr lang="en-US" sz="1600" dirty="0"/>
+              <a:t> in an ivy output folder to find a csv file name</a:t>
+            </a:r>
+          </a:p>
+          <a:p>
+            <a:pPr lvl="2"/>
+            <a:r>
+              <a:rPr lang="en-US" sz="1600" dirty="0"/>
+              <a:t>Get a time or date stamp</a:t>
             </a:r>
           </a:p>
         </p:txBody>
@@ -38118,25 +38211,28 @@
           <a:lstStyle/>
           <a:p>
             <a:r>
+              <a:rPr lang="en-US" dirty="0" err="1"/>
+              <a:t>Builtin</a:t>
+            </a:r>
+            <a:r>
               <a:rPr lang="en-US" dirty="0"/>
-              <a:t>Builtin functions – </a:t>
-            </a:r>
-            <a:r>
-              <a:rPr lang="en-US" dirty="0">
-                <a:latin typeface="Courier New" pitchFamily="49" charset="0"/>
-                <a:cs typeface="Courier New" pitchFamily="49" charset="0"/>
-              </a:rPr>
-              <a:t>exit()</a:t>
-            </a:r>
+              <a:t> functions – </a:t>
+            </a:r>
+            <a:r>
+              <a:rPr lang="en-US" dirty="0" err="1">
+                <a:latin typeface="Courier New" pitchFamily="49" charset="0"/>
+                <a:cs typeface="Courier New" pitchFamily="49" charset="0"/>
+              </a:rPr>
+              <a:t>shell_command</a:t>
+            </a:r>
+            <a:endParaRPr lang="en-US" dirty="0">
+              <a:latin typeface="Courier New" pitchFamily="49" charset="0"/>
+              <a:cs typeface="Courier New" pitchFamily="49" charset="0"/>
+            </a:endParaRPr>
           </a:p>
         </p:txBody>
       </p:sp>
     </p:spTree>
-    <p:extLst>
-      <p:ext uri="{BB962C8B-B14F-4D97-AF65-F5344CB8AC3E}">
-        <p14:creationId xmlns:p14="http://schemas.microsoft.com/office/powerpoint/2010/main" val="2612257119"/>
-      </p:ext>
-    </p:extLst>
   </p:cSld>
   <p:clrMapOvr>
     <a:masterClrMapping/>
@@ -38186,22 +38282,93 @@
         <p:spPr>
           <a:xfrm>
             <a:off x="264160" y="967575"/>
-            <a:ext cx="8584006" cy="1000274"/>
+            <a:ext cx="8584006" cy="1627625"/>
           </a:xfrm>
         </p:spPr>
         <p:txBody>
           <a:bodyPr/>
           <a:lstStyle/>
           <a:p>
-            <a:r>
-              <a:rPr lang="en-US" dirty="0"/>
-              <a:t>&lt;expression&gt; ;</a:t>
+            <a:pPr lvl="1"/>
+            <a:r>
+              <a:rPr lang="en-US" sz="1800" dirty="0"/>
+              <a:t>As in</a:t>
             </a:r>
           </a:p>
           <a:p>
-            <a:r>
-              <a:rPr lang="en-US" dirty="0"/>
-              <a:t>Executes the expression and discards the result.</a:t>
+            <a:pPr lvl="2"/>
+            <a:r>
+              <a:rPr lang="en-US" sz="1600" dirty="0">
+                <a:latin typeface="Courier New" panose="02070309020205020404" pitchFamily="49" charset="0"/>
+                <a:cs typeface="Courier New" pitchFamily="49" charset="0"/>
+              </a:rPr>
+              <a:t>if ( </a:t>
+            </a:r>
+            <a:r>
+              <a:rPr lang="en-US" sz="1600" dirty="0" err="1">
+                <a:latin typeface="Courier New" pitchFamily="49" charset="0"/>
+                <a:cs typeface="Courier New" pitchFamily="49" charset="0"/>
+              </a:rPr>
+              <a:t>last_result</a:t>
+            </a:r>
+            <a:r>
+              <a:rPr lang="en-US" sz="1600" dirty="0">
+                <a:latin typeface="Courier New" pitchFamily="49" charset="0"/>
+                <a:cs typeface="Courier New" pitchFamily="49" charset="0"/>
+              </a:rPr>
+              <a:t>() != "success" )</a:t>
+            </a:r>
+            <a:br>
+              <a:rPr lang="en-US" sz="1600" dirty="0">
+                <a:latin typeface="Courier New" pitchFamily="49" charset="0"/>
+                <a:cs typeface="Courier New" pitchFamily="49" charset="0"/>
+              </a:rPr>
+            </a:br>
+            <a:r>
+              <a:rPr lang="en-US" sz="1600" dirty="0">
+                <a:latin typeface="Courier New" pitchFamily="49" charset="0"/>
+                <a:cs typeface="Courier New" pitchFamily="49" charset="0"/>
+              </a:rPr>
+              <a:t>{</a:t>
+            </a:r>
+            <a:br>
+              <a:rPr lang="en-US" sz="1600" dirty="0">
+                <a:latin typeface="Courier New" pitchFamily="49" charset="0"/>
+                <a:cs typeface="Courier New" pitchFamily="49" charset="0"/>
+              </a:rPr>
+            </a:br>
+            <a:r>
+              <a:rPr lang="en-US" sz="1600" dirty="0">
+                <a:latin typeface="Courier New" pitchFamily="49" charset="0"/>
+                <a:cs typeface="Courier New" pitchFamily="49" charset="0"/>
+              </a:rPr>
+              <a:t>	   print "timed out without making a valid measurement.\n";</a:t>
+            </a:r>
+            <a:br>
+              <a:rPr lang="en-US" sz="1600" dirty="0">
+                <a:latin typeface="Courier New" pitchFamily="49" charset="0"/>
+                <a:cs typeface="Courier New" pitchFamily="49" charset="0"/>
+              </a:rPr>
+            </a:br>
+            <a:r>
+              <a:rPr lang="en-US" sz="1600" dirty="0">
+                <a:latin typeface="Courier New" pitchFamily="49" charset="0"/>
+                <a:cs typeface="Courier New" pitchFamily="49" charset="0"/>
+              </a:rPr>
+              <a:t>	   exit();</a:t>
+            </a:r>
+            <a:br>
+              <a:rPr lang="en-US" sz="1600" dirty="0">
+                <a:latin typeface="Courier New" pitchFamily="49" charset="0"/>
+                <a:cs typeface="Courier New" pitchFamily="49" charset="0"/>
+              </a:rPr>
+            </a:br>
+            <a:r>
+              <a:rPr lang="en-US" sz="1600" dirty="0">
+                <a:latin typeface="Courier New" pitchFamily="49" charset="0"/>
+                <a:cs typeface="Courier New" pitchFamily="49" charset="0"/>
+              </a:rPr>
+              <a:t>}</a:t>
             </a:r>
           </a:p>
         </p:txBody>
@@ -38223,12 +38390,24 @@
           <a:p>
             <a:r>
               <a:rPr lang="en-US" dirty="0"/>
-              <a:t>Statements: expression statement </a:t>
+              <a:t>Builtin functions – </a:t>
+            </a:r>
+            <a:r>
+              <a:rPr lang="en-US" dirty="0">
+                <a:latin typeface="Courier New" pitchFamily="49" charset="0"/>
+                <a:cs typeface="Courier New" pitchFamily="49" charset="0"/>
+              </a:rPr>
+              <a:t>exit()</a:t>
             </a:r>
           </a:p>
         </p:txBody>
       </p:sp>
     </p:spTree>
+    <p:extLst>
+      <p:ext uri="{BB962C8B-B14F-4D97-AF65-F5344CB8AC3E}">
+        <p14:creationId xmlns:p14="http://schemas.microsoft.com/office/powerpoint/2010/main" val="2612257119"/>
+      </p:ext>
+    </p:extLst>
   </p:cSld>
   <p:clrMapOvr>
     <a:masterClrMapping/>
@@ -38278,7 +38457,7 @@
         <p:spPr>
           <a:xfrm>
             <a:off x="264160" y="967575"/>
-            <a:ext cx="8584006" cy="3308598"/>
+            <a:ext cx="8584006" cy="1000274"/>
           </a:xfrm>
         </p:spPr>
         <p:txBody>
@@ -38286,157 +38465,14 @@
           <a:lstStyle/>
           <a:p>
             <a:r>
-              <a:rPr lang="en-US" sz="1800" dirty="0">
-                <a:latin typeface="Courier New" pitchFamily="49" charset="0"/>
-                <a:cs typeface="Courier New" pitchFamily="49" charset="0"/>
-              </a:rPr>
-              <a:t>if ( </a:t>
-            </a:r>
-            <a:r>
-              <a:rPr lang="en-US" sz="1800" dirty="0">
-                <a:cs typeface="Courier New" pitchFamily="49" charset="0"/>
-              </a:rPr>
-              <a:t>&lt;logical expression&gt;</a:t>
-            </a:r>
-            <a:r>
-              <a:rPr lang="en-US" sz="1800" dirty="0">
-                <a:latin typeface="Courier New" pitchFamily="49" charset="0"/>
-                <a:cs typeface="Courier New" pitchFamily="49" charset="0"/>
-              </a:rPr>
-              <a:t> ) </a:t>
-            </a:r>
-            <a:r>
-              <a:rPr lang="en-US" sz="1800" dirty="0">
-                <a:cs typeface="Courier New" pitchFamily="49" charset="0"/>
-              </a:rPr>
-              <a:t>&lt;statement&gt;</a:t>
+              <a:rPr lang="en-US" dirty="0"/>
+              <a:t>&lt;expression&gt; ;</a:t>
             </a:r>
           </a:p>
           <a:p>
             <a:r>
-              <a:rPr lang="en-US" sz="1800" dirty="0">
-                <a:latin typeface="Courier New" pitchFamily="49" charset="0"/>
-                <a:cs typeface="Courier New" pitchFamily="49" charset="0"/>
-              </a:rPr>
-              <a:t>if ( </a:t>
-            </a:r>
-            <a:r>
-              <a:rPr lang="en-US" sz="1800" dirty="0">
-                <a:cs typeface="Courier New" pitchFamily="49" charset="0"/>
-              </a:rPr>
-              <a:t>&lt;logical expression&gt;</a:t>
-            </a:r>
-            <a:r>
-              <a:rPr lang="en-US" sz="1800" dirty="0">
-                <a:latin typeface="Courier New" pitchFamily="49" charset="0"/>
-                <a:cs typeface="Courier New" pitchFamily="49" charset="0"/>
-              </a:rPr>
-              <a:t> ) </a:t>
-            </a:r>
-            <a:r>
-              <a:rPr lang="en-US" sz="1800" dirty="0">
-                <a:cs typeface="Courier New" pitchFamily="49" charset="0"/>
-              </a:rPr>
-              <a:t>&lt;statement&gt;</a:t>
-            </a:r>
-            <a:r>
-              <a:rPr lang="en-US" sz="1800" dirty="0">
-                <a:latin typeface="Courier New" pitchFamily="49" charset="0"/>
-                <a:cs typeface="Courier New" pitchFamily="49" charset="0"/>
-              </a:rPr>
-              <a:t> else </a:t>
-            </a:r>
-            <a:r>
-              <a:rPr lang="en-US" sz="1800" dirty="0">
-                <a:cs typeface="Courier New" pitchFamily="49" charset="0"/>
-              </a:rPr>
-              <a:t>&lt;statement&gt;</a:t>
-            </a:r>
-          </a:p>
-          <a:p>
-            <a:r>
               <a:rPr lang="en-US" dirty="0"/>
-              <a:t>&lt;statement&gt; can be a single statement, or it can be a nested block starting with { and ending with }.</a:t>
-            </a:r>
-          </a:p>
-          <a:p>
-            <a:r>
-              <a:rPr lang="en-US" sz="1200" dirty="0" err="1">
-                <a:latin typeface="Courier New" panose="02070309020205020404" pitchFamily="49" charset="0"/>
-                <a:cs typeface="Courier New" panose="02070309020205020404" pitchFamily="49" charset="0"/>
-              </a:rPr>
-              <a:t>int</a:t>
-            </a:r>
-            <a:r>
-              <a:rPr lang="en-US" sz="1200" dirty="0">
-                <a:latin typeface="Courier New" panose="02070309020205020404" pitchFamily="49" charset="0"/>
-                <a:cs typeface="Courier New" panose="02070309020205020404" pitchFamily="49" charset="0"/>
-              </a:rPr>
-              <a:t> x = 1;</a:t>
-            </a:r>
-            <a:br>
-              <a:rPr lang="en-US" sz="1200" dirty="0">
-                <a:latin typeface="Courier New" panose="02070309020205020404" pitchFamily="49" charset="0"/>
-                <a:cs typeface="Courier New" panose="02070309020205020404" pitchFamily="49" charset="0"/>
-              </a:rPr>
-            </a:br>
-            <a:br>
-              <a:rPr lang="en-US" sz="1200" dirty="0">
-                <a:latin typeface="Courier New" panose="02070309020205020404" pitchFamily="49" charset="0"/>
-                <a:cs typeface="Courier New" panose="02070309020205020404" pitchFamily="49" charset="0"/>
-              </a:rPr>
-            </a:br>
-            <a:r>
-              <a:rPr lang="en-US" sz="1200" dirty="0">
-                <a:latin typeface="Courier New" panose="02070309020205020404" pitchFamily="49" charset="0"/>
-                <a:cs typeface="Courier New" panose="02070309020205020404" pitchFamily="49" charset="0"/>
-              </a:rPr>
-              <a:t>if ( x &gt;= 0 ) print( "x is greater than or equal to zero.\n");</a:t>
-            </a:r>
-            <a:br>
-              <a:rPr lang="en-US" sz="1200" dirty="0">
-                <a:latin typeface="Courier New" panose="02070309020205020404" pitchFamily="49" charset="0"/>
-                <a:cs typeface="Courier New" panose="02070309020205020404" pitchFamily="49" charset="0"/>
-              </a:rPr>
-            </a:br>
-            <a:r>
-              <a:rPr lang="en-US" sz="1200" dirty="0">
-                <a:latin typeface="Courier New" panose="02070309020205020404" pitchFamily="49" charset="0"/>
-                <a:cs typeface="Courier New" panose="02070309020205020404" pitchFamily="49" charset="0"/>
-              </a:rPr>
-              <a:t>else          print( "x is less than zero.\n");</a:t>
-            </a:r>
-            <a:br>
-              <a:rPr lang="en-US" sz="1200" dirty="0">
-                <a:latin typeface="Courier New" panose="02070309020205020404" pitchFamily="49" charset="0"/>
-                <a:cs typeface="Courier New" panose="02070309020205020404" pitchFamily="49" charset="0"/>
-              </a:rPr>
-            </a:br>
-            <a:br>
-              <a:rPr lang="en-US" sz="1200" dirty="0">
-                <a:latin typeface="Courier New" panose="02070309020205020404" pitchFamily="49" charset="0"/>
-                <a:cs typeface="Courier New" panose="02070309020205020404" pitchFamily="49" charset="0"/>
-              </a:rPr>
-            </a:br>
-            <a:r>
-              <a:rPr lang="en-US" sz="1200" dirty="0">
-                <a:latin typeface="Courier New" panose="02070309020205020404" pitchFamily="49" charset="0"/>
-                <a:cs typeface="Courier New" panose="02070309020205020404" pitchFamily="49" charset="0"/>
-              </a:rPr>
-              <a:t>if ( x &gt;= 0 ) { print( "x is greater than or equal to zero.\n"); x = x + 1; }</a:t>
-            </a:r>
-            <a:br>
-              <a:rPr lang="en-US" sz="1200" dirty="0">
-                <a:latin typeface="Courier New" panose="02070309020205020404" pitchFamily="49" charset="0"/>
-                <a:cs typeface="Courier New" panose="02070309020205020404" pitchFamily="49" charset="0"/>
-              </a:rPr>
-            </a:br>
-            <a:r>
-              <a:rPr lang="en-US" sz="1200" dirty="0">
-                <a:latin typeface="Courier New" panose="02070309020205020404" pitchFamily="49" charset="0"/>
-                <a:cs typeface="Courier New" panose="02070309020205020404" pitchFamily="49" charset="0"/>
-              </a:rPr>
-              <a:t>else          { print( "x is less than zero.\n");                x = x – 1; }</a:t>
+              <a:t>Executes the expression and discards the result.</a:t>
             </a:r>
           </a:p>
         </p:txBody>
@@ -38458,7 +38494,7 @@
           <a:p>
             <a:r>
               <a:rPr lang="en-US" dirty="0"/>
-              <a:t>Statements – if / then / else </a:t>
+              <a:t>Statements: expression statement </a:t>
             </a:r>
           </a:p>
         </p:txBody>
@@ -38513,7 +38549,7 @@
         <p:spPr>
           <a:xfrm>
             <a:off x="264160" y="967575"/>
-            <a:ext cx="8584006" cy="3154710"/>
+            <a:ext cx="8584006" cy="3308598"/>
           </a:xfrm>
         </p:spPr>
         <p:txBody>
@@ -38521,95 +38557,157 @@
           <a:lstStyle/>
           <a:p>
             <a:r>
-              <a:rPr lang="en-US" sz="1700" dirty="0">
-                <a:latin typeface="Courier New" pitchFamily="49" charset="0"/>
-                <a:cs typeface="Courier New" pitchFamily="49" charset="0"/>
-              </a:rPr>
-              <a:t>for ( </a:t>
-            </a:r>
-            <a:r>
-              <a:rPr lang="en-US" sz="1700" dirty="0">
-                <a:cs typeface="Courier New" pitchFamily="49" charset="0"/>
-              </a:rPr>
-              <a:t>&lt;initializer expression&gt;</a:t>
-            </a:r>
-            <a:r>
-              <a:rPr lang="en-US" sz="1700" dirty="0">
-                <a:latin typeface="Courier New" pitchFamily="49" charset="0"/>
-                <a:cs typeface="Courier New" pitchFamily="49" charset="0"/>
-              </a:rPr>
-              <a:t> ; </a:t>
-            </a:r>
-            <a:r>
-              <a:rPr lang="en-US" sz="1700" dirty="0">
+              <a:rPr lang="en-US" sz="1800" dirty="0">
+                <a:latin typeface="Courier New" pitchFamily="49" charset="0"/>
+                <a:cs typeface="Courier New" pitchFamily="49" charset="0"/>
+              </a:rPr>
+              <a:t>if ( </a:t>
+            </a:r>
+            <a:r>
+              <a:rPr lang="en-US" sz="1800" dirty="0">
                 <a:cs typeface="Courier New" pitchFamily="49" charset="0"/>
               </a:rPr>
               <a:t>&lt;logical expression&gt;</a:t>
             </a:r>
             <a:r>
-              <a:rPr lang="en-US" sz="1700" dirty="0">
-                <a:latin typeface="Courier New" pitchFamily="49" charset="0"/>
-                <a:cs typeface="Courier New" pitchFamily="49" charset="0"/>
-              </a:rPr>
-              <a:t>; </a:t>
-            </a:r>
-            <a:r>
-              <a:rPr lang="en-US" sz="1700" dirty="0">
-                <a:cs typeface="Courier New" pitchFamily="49" charset="0"/>
-              </a:rPr>
-              <a:t>&lt;epilogue expression&gt;</a:t>
-            </a:r>
-            <a:r>
-              <a:rPr lang="en-US" sz="1700" dirty="0">
+              <a:rPr lang="en-US" sz="1800" dirty="0">
                 <a:latin typeface="Courier New" pitchFamily="49" charset="0"/>
                 <a:cs typeface="Courier New" pitchFamily="49" charset="0"/>
               </a:rPr>
               <a:t> ) </a:t>
             </a:r>
-            <a:br>
-              <a:rPr lang="en-US" sz="1700" dirty="0">
-                <a:latin typeface="Courier New" pitchFamily="49" charset="0"/>
-                <a:cs typeface="Courier New" pitchFamily="49" charset="0"/>
-              </a:rPr>
-            </a:br>
-            <a:r>
-              <a:rPr lang="en-US" sz="1700" dirty="0">
-                <a:latin typeface="Courier New" pitchFamily="49" charset="0"/>
-                <a:cs typeface="Courier New" pitchFamily="49" charset="0"/>
-              </a:rPr>
-              <a:t>	</a:t>
-            </a:r>
-            <a:r>
-              <a:rPr lang="en-US" sz="1700" dirty="0">
-                <a:cs typeface="Courier New" pitchFamily="49" charset="0"/>
-              </a:rPr>
-              <a:t>&lt;loop body statement&gt;</a:t>
+            <a:r>
+              <a:rPr lang="en-US" sz="1800" dirty="0">
+                <a:cs typeface="Courier New" pitchFamily="49" charset="0"/>
+              </a:rPr>
+              <a:t>&lt;statement&gt;</a:t>
             </a:r>
           </a:p>
           <a:p>
             <a:r>
-              <a:rPr lang="en-US" sz="2000" dirty="0"/>
-              <a:t>The </a:t>
-            </a:r>
-            <a:r>
-              <a:rPr lang="en-US" sz="2000" dirty="0" err="1"/>
-              <a:t>initializer</a:t>
-            </a:r>
-            <a:r>
-              <a:rPr lang="en-US" sz="2000" dirty="0"/>
-              <a:t> expression is run.</a:t>
+              <a:rPr lang="en-US" sz="1800" dirty="0">
+                <a:latin typeface="Courier New" pitchFamily="49" charset="0"/>
+                <a:cs typeface="Courier New" pitchFamily="49" charset="0"/>
+              </a:rPr>
+              <a:t>if ( </a:t>
+            </a:r>
+            <a:r>
+              <a:rPr lang="en-US" sz="1800" dirty="0">
+                <a:cs typeface="Courier New" pitchFamily="49" charset="0"/>
+              </a:rPr>
+              <a:t>&lt;logical expression&gt;</a:t>
+            </a:r>
+            <a:r>
+              <a:rPr lang="en-US" sz="1800" dirty="0">
+                <a:latin typeface="Courier New" pitchFamily="49" charset="0"/>
+                <a:cs typeface="Courier New" pitchFamily="49" charset="0"/>
+              </a:rPr>
+              <a:t> ) </a:t>
+            </a:r>
+            <a:r>
+              <a:rPr lang="en-US" sz="1800" dirty="0">
+                <a:cs typeface="Courier New" pitchFamily="49" charset="0"/>
+              </a:rPr>
+              <a:t>&lt;statement&gt;</a:t>
+            </a:r>
+            <a:r>
+              <a:rPr lang="en-US" sz="1800" dirty="0">
+                <a:latin typeface="Courier New" pitchFamily="49" charset="0"/>
+                <a:cs typeface="Courier New" pitchFamily="49" charset="0"/>
+              </a:rPr>
+              <a:t> else </a:t>
+            </a:r>
+            <a:r>
+              <a:rPr lang="en-US" sz="1800" dirty="0">
+                <a:cs typeface="Courier New" pitchFamily="49" charset="0"/>
+              </a:rPr>
+              <a:t>&lt;statement&gt;</a:t>
             </a:r>
           </a:p>
           <a:p>
             <a:r>
-              <a:rPr lang="en-US" sz="2000" dirty="0"/>
-              <a:t>Then the logical expression is evaluated, if false, execution of the statement is complete.</a:t>
+              <a:rPr lang="en-US" dirty="0"/>
+              <a:t>&lt;statement&gt; can be a single statement, or it can be a nested block starting with { and ending with }.</a:t>
             </a:r>
           </a:p>
           <a:p>
             <a:r>
-              <a:rPr lang="en-US" sz="2000" dirty="0"/>
-              <a:t>Otherwise, the loop body statement is run, then the epilogue expression is run, then we loop back to where we will evaluate the logical expression.</a:t>
+              <a:rPr lang="en-US" sz="1200" dirty="0" err="1">
+                <a:latin typeface="Courier New" panose="02070309020205020404" pitchFamily="49" charset="0"/>
+                <a:cs typeface="Courier New" panose="02070309020205020404" pitchFamily="49" charset="0"/>
+              </a:rPr>
+              <a:t>int</a:t>
+            </a:r>
+            <a:r>
+              <a:rPr lang="en-US" sz="1200" dirty="0">
+                <a:latin typeface="Courier New" panose="02070309020205020404" pitchFamily="49" charset="0"/>
+                <a:cs typeface="Courier New" panose="02070309020205020404" pitchFamily="49" charset="0"/>
+              </a:rPr>
+              <a:t> x = 1;</a:t>
+            </a:r>
+            <a:br>
+              <a:rPr lang="en-US" sz="1200" dirty="0">
+                <a:latin typeface="Courier New" panose="02070309020205020404" pitchFamily="49" charset="0"/>
+                <a:cs typeface="Courier New" panose="02070309020205020404" pitchFamily="49" charset="0"/>
+              </a:rPr>
+            </a:br>
+            <a:br>
+              <a:rPr lang="en-US" sz="1200" dirty="0">
+                <a:latin typeface="Courier New" panose="02070309020205020404" pitchFamily="49" charset="0"/>
+                <a:cs typeface="Courier New" panose="02070309020205020404" pitchFamily="49" charset="0"/>
+              </a:rPr>
+            </a:br>
+            <a:r>
+              <a:rPr lang="en-US" sz="1200" dirty="0">
+                <a:latin typeface="Courier New" panose="02070309020205020404" pitchFamily="49" charset="0"/>
+                <a:cs typeface="Courier New" panose="02070309020205020404" pitchFamily="49" charset="0"/>
+              </a:rPr>
+              <a:t>if ( x &gt;= 0 ) print( "x is greater than or equal to zero.\n");</a:t>
+            </a:r>
+            <a:br>
+              <a:rPr lang="en-US" sz="1200" dirty="0">
+                <a:latin typeface="Courier New" panose="02070309020205020404" pitchFamily="49" charset="0"/>
+                <a:cs typeface="Courier New" panose="02070309020205020404" pitchFamily="49" charset="0"/>
+              </a:rPr>
+            </a:br>
+            <a:r>
+              <a:rPr lang="en-US" sz="1200" dirty="0">
+                <a:latin typeface="Courier New" panose="02070309020205020404" pitchFamily="49" charset="0"/>
+                <a:cs typeface="Courier New" panose="02070309020205020404" pitchFamily="49" charset="0"/>
+              </a:rPr>
+              <a:t>else          print( "x is less than zero.\n");</a:t>
+            </a:r>
+            <a:br>
+              <a:rPr lang="en-US" sz="1200" dirty="0">
+                <a:latin typeface="Courier New" panose="02070309020205020404" pitchFamily="49" charset="0"/>
+                <a:cs typeface="Courier New" panose="02070309020205020404" pitchFamily="49" charset="0"/>
+              </a:rPr>
+            </a:br>
+            <a:br>
+              <a:rPr lang="en-US" sz="1200" dirty="0">
+                <a:latin typeface="Courier New" panose="02070309020205020404" pitchFamily="49" charset="0"/>
+                <a:cs typeface="Courier New" panose="02070309020205020404" pitchFamily="49" charset="0"/>
+              </a:rPr>
+            </a:br>
+            <a:r>
+              <a:rPr lang="en-US" sz="1200" dirty="0">
+                <a:latin typeface="Courier New" panose="02070309020205020404" pitchFamily="49" charset="0"/>
+                <a:cs typeface="Courier New" panose="02070309020205020404" pitchFamily="49" charset="0"/>
+              </a:rPr>
+              <a:t>if ( x &gt;= 0 ) { print( "x is greater than or equal to zero.\n"); x = x + 1; }</a:t>
+            </a:r>
+            <a:br>
+              <a:rPr lang="en-US" sz="1200" dirty="0">
+                <a:latin typeface="Courier New" panose="02070309020205020404" pitchFamily="49" charset="0"/>
+                <a:cs typeface="Courier New" panose="02070309020205020404" pitchFamily="49" charset="0"/>
+              </a:rPr>
+            </a:br>
+            <a:r>
+              <a:rPr lang="en-US" sz="1200" dirty="0">
+                <a:latin typeface="Courier New" panose="02070309020205020404" pitchFamily="49" charset="0"/>
+                <a:cs typeface="Courier New" panose="02070309020205020404" pitchFamily="49" charset="0"/>
+              </a:rPr>
+              <a:t>else          { print( "x is less than zero.\n");                x = x – 1; }</a:t>
             </a:r>
           </a:p>
         </p:txBody>
@@ -38631,7 +38729,7 @@
           <a:p>
             <a:r>
               <a:rPr lang="en-US" dirty="0"/>
-              <a:t>Statements – traditional C style for loop</a:t>
+              <a:t>Statements – if / then / else </a:t>
             </a:r>
           </a:p>
         </p:txBody>
@@ -38686,7 +38784,7 @@
         <p:spPr>
           <a:xfrm>
             <a:off x="264160" y="967575"/>
-            <a:ext cx="8584006" cy="3072636"/>
+            <a:ext cx="8584006" cy="3154710"/>
           </a:xfrm>
         </p:spPr>
         <p:txBody>
@@ -38694,278 +38792,95 @@
           <a:lstStyle/>
           <a:p>
             <a:r>
-              <a:rPr lang="en-US" sz="1600" dirty="0" err="1">
-                <a:latin typeface="Courier New" pitchFamily="49" charset="0"/>
-                <a:cs typeface="Courier New" pitchFamily="49" charset="0"/>
-              </a:rPr>
-              <a:t>int</a:t>
-            </a:r>
-            <a:r>
-              <a:rPr lang="en-US" sz="1600" dirty="0">
-                <a:latin typeface="Courier New" pitchFamily="49" charset="0"/>
-                <a:cs typeface="Courier New" pitchFamily="49" charset="0"/>
-              </a:rPr>
-              <a:t> </a:t>
-            </a:r>
-            <a:r>
-              <a:rPr lang="en-US" sz="1600" dirty="0" err="1">
-                <a:latin typeface="Courier New" pitchFamily="49" charset="0"/>
-                <a:cs typeface="Courier New" pitchFamily="49" charset="0"/>
-              </a:rPr>
-              <a:t>i</a:t>
-            </a:r>
-            <a:r>
-              <a:rPr lang="en-US" sz="1600" dirty="0">
-                <a:latin typeface="Courier New" pitchFamily="49" charset="0"/>
-                <a:cs typeface="Courier New" pitchFamily="49" charset="0"/>
-              </a:rPr>
-              <a:t>;</a:t>
+              <a:rPr lang="en-US" sz="1700" dirty="0">
+                <a:latin typeface="Courier New" pitchFamily="49" charset="0"/>
+                <a:cs typeface="Courier New" pitchFamily="49" charset="0"/>
+              </a:rPr>
+              <a:t>for ( </a:t>
+            </a:r>
+            <a:r>
+              <a:rPr lang="en-US" sz="1700" dirty="0">
+                <a:cs typeface="Courier New" pitchFamily="49" charset="0"/>
+              </a:rPr>
+              <a:t>&lt;initializer expression&gt;</a:t>
+            </a:r>
+            <a:r>
+              <a:rPr lang="en-US" sz="1700" dirty="0">
+                <a:latin typeface="Courier New" pitchFamily="49" charset="0"/>
+                <a:cs typeface="Courier New" pitchFamily="49" charset="0"/>
+              </a:rPr>
+              <a:t> ; </a:t>
+            </a:r>
+            <a:r>
+              <a:rPr lang="en-US" sz="1700" dirty="0">
+                <a:cs typeface="Courier New" pitchFamily="49" charset="0"/>
+              </a:rPr>
+              <a:t>&lt;logical expression&gt;</a:t>
+            </a:r>
+            <a:r>
+              <a:rPr lang="en-US" sz="1700" dirty="0">
+                <a:latin typeface="Courier New" pitchFamily="49" charset="0"/>
+                <a:cs typeface="Courier New" pitchFamily="49" charset="0"/>
+              </a:rPr>
+              <a:t>; </a:t>
+            </a:r>
+            <a:r>
+              <a:rPr lang="en-US" sz="1700" dirty="0">
+                <a:cs typeface="Courier New" pitchFamily="49" charset="0"/>
+              </a:rPr>
+              <a:t>&lt;epilogue expression&gt;</a:t>
+            </a:r>
+            <a:r>
+              <a:rPr lang="en-US" sz="1700" dirty="0">
+                <a:latin typeface="Courier New" pitchFamily="49" charset="0"/>
+                <a:cs typeface="Courier New" pitchFamily="49" charset="0"/>
+              </a:rPr>
+              <a:t> ) </a:t>
             </a:r>
             <a:br>
-              <a:rPr lang="en-US" sz="1600" dirty="0">
+              <a:rPr lang="en-US" sz="1700" dirty="0">
                 <a:latin typeface="Courier New" pitchFamily="49" charset="0"/>
                 <a:cs typeface="Courier New" pitchFamily="49" charset="0"/>
               </a:rPr>
             </a:br>
             <a:r>
-              <a:rPr lang="en-US" sz="1600" dirty="0">
-                <a:latin typeface="Courier New" pitchFamily="49" charset="0"/>
-                <a:cs typeface="Courier New" pitchFamily="49" charset="0"/>
-              </a:rPr>
-              <a:t>for ( </a:t>
-            </a:r>
-            <a:r>
-              <a:rPr lang="en-US" sz="1600" dirty="0" err="1">
-                <a:latin typeface="Courier New" pitchFamily="49" charset="0"/>
-                <a:cs typeface="Courier New" pitchFamily="49" charset="0"/>
-              </a:rPr>
-              <a:t>i</a:t>
-            </a:r>
-            <a:r>
-              <a:rPr lang="en-US" sz="1600" dirty="0">
-                <a:latin typeface="Courier New" pitchFamily="49" charset="0"/>
-                <a:cs typeface="Courier New" pitchFamily="49" charset="0"/>
-              </a:rPr>
-              <a:t>=0; </a:t>
-            </a:r>
-            <a:r>
-              <a:rPr lang="en-US" sz="1600" dirty="0" err="1">
-                <a:latin typeface="Courier New" pitchFamily="49" charset="0"/>
-                <a:cs typeface="Courier New" pitchFamily="49" charset="0"/>
-              </a:rPr>
-              <a:t>i</a:t>
-            </a:r>
-            <a:r>
-              <a:rPr lang="en-US" sz="1600" dirty="0">
-                <a:latin typeface="Courier New" pitchFamily="49" charset="0"/>
-                <a:cs typeface="Courier New" pitchFamily="49" charset="0"/>
-              </a:rPr>
-              <a:t>&lt;10; </a:t>
-            </a:r>
-            <a:r>
-              <a:rPr lang="en-US" sz="1600" dirty="0" err="1">
-                <a:latin typeface="Courier New" pitchFamily="49" charset="0"/>
-                <a:cs typeface="Courier New" pitchFamily="49" charset="0"/>
-              </a:rPr>
-              <a:t>i</a:t>
-            </a:r>
-            <a:r>
-              <a:rPr lang="en-US" sz="1600" dirty="0">
-                <a:latin typeface="Courier New" pitchFamily="49" charset="0"/>
-                <a:cs typeface="Courier New" pitchFamily="49" charset="0"/>
-              </a:rPr>
-              <a:t>=i+1 )</a:t>
-            </a:r>
-            <a:br>
-              <a:rPr lang="en-US" sz="1600" dirty="0">
-                <a:latin typeface="Courier New" pitchFamily="49" charset="0"/>
-                <a:cs typeface="Courier New" pitchFamily="49" charset="0"/>
-              </a:rPr>
-            </a:br>
-            <a:r>
-              <a:rPr lang="en-US" sz="1600" dirty="0">
-                <a:latin typeface="Courier New" pitchFamily="49" charset="0"/>
-                <a:cs typeface="Courier New" pitchFamily="49" charset="0"/>
-              </a:rPr>
-              <a:t>{</a:t>
-            </a:r>
-            <a:br>
-              <a:rPr lang="en-US" sz="1600" dirty="0">
-                <a:latin typeface="Courier New" pitchFamily="49" charset="0"/>
-                <a:cs typeface="Courier New" pitchFamily="49" charset="0"/>
-              </a:rPr>
-            </a:br>
-            <a:r>
-              <a:rPr lang="en-US" sz="1600" dirty="0">
-                <a:latin typeface="Courier New" pitchFamily="49" charset="0"/>
-                <a:cs typeface="Courier New" pitchFamily="49" charset="0"/>
-              </a:rPr>
-              <a:t>      print( "</a:t>
-            </a:r>
-            <a:r>
-              <a:rPr lang="en-US" sz="1600" dirty="0" err="1">
-                <a:latin typeface="Courier New" pitchFamily="49" charset="0"/>
-                <a:cs typeface="Courier New" pitchFamily="49" charset="0"/>
-              </a:rPr>
-              <a:t>i</a:t>
-            </a:r>
-            <a:r>
-              <a:rPr lang="en-US" sz="1600" dirty="0">
-                <a:latin typeface="Courier New" pitchFamily="49" charset="0"/>
-                <a:cs typeface="Courier New" pitchFamily="49" charset="0"/>
-              </a:rPr>
-              <a:t> = " + string(</a:t>
-            </a:r>
-            <a:r>
-              <a:rPr lang="en-US" sz="1600" dirty="0" err="1">
-                <a:latin typeface="Courier New" pitchFamily="49" charset="0"/>
-                <a:cs typeface="Courier New" pitchFamily="49" charset="0"/>
-              </a:rPr>
-              <a:t>i</a:t>
-            </a:r>
-            <a:r>
-              <a:rPr lang="en-US" sz="1600" dirty="0">
-                <a:latin typeface="Courier New" pitchFamily="49" charset="0"/>
-                <a:cs typeface="Courier New" pitchFamily="49" charset="0"/>
-              </a:rPr>
-              <a:t>) + "\n");</a:t>
-            </a:r>
-            <a:br>
-              <a:rPr lang="en-US" sz="1600" dirty="0">
-                <a:latin typeface="Courier New" pitchFamily="49" charset="0"/>
-                <a:cs typeface="Courier New" pitchFamily="49" charset="0"/>
-              </a:rPr>
-            </a:br>
-            <a:r>
-              <a:rPr lang="en-US" sz="1600" dirty="0">
-                <a:latin typeface="Courier New" pitchFamily="49" charset="0"/>
-                <a:cs typeface="Courier New" pitchFamily="49" charset="0"/>
-              </a:rPr>
-              <a:t>}</a:t>
-            </a:r>
-            <a:endParaRPr lang="en-US" sz="1600" dirty="0">
-              <a:cs typeface="Courier New" pitchFamily="49" charset="0"/>
-            </a:endParaRPr>
+              <a:rPr lang="en-US" sz="1700" dirty="0">
+                <a:latin typeface="Courier New" pitchFamily="49" charset="0"/>
+                <a:cs typeface="Courier New" pitchFamily="49" charset="0"/>
+              </a:rPr>
+              <a:t>	</a:t>
+            </a:r>
+            <a:r>
+              <a:rPr lang="en-US" sz="1700" dirty="0">
+                <a:cs typeface="Courier New" pitchFamily="49" charset="0"/>
+              </a:rPr>
+              <a:t>&lt;loop body statement&gt;</a:t>
+            </a:r>
           </a:p>
           <a:p>
             <a:r>
-              <a:rPr lang="en-US" dirty="0">
-                <a:cs typeface="Courier New" pitchFamily="49" charset="0"/>
-              </a:rPr>
-              <a:t>Note that it’s not  </a:t>
-            </a:r>
-            <a:r>
-              <a:rPr lang="en-US" dirty="0">
-                <a:latin typeface="Courier New" pitchFamily="49" charset="0"/>
-                <a:cs typeface="Courier New" pitchFamily="49" charset="0"/>
-              </a:rPr>
-              <a:t>for (</a:t>
-            </a:r>
-            <a:r>
-              <a:rPr lang="en-US" dirty="0" err="1">
-                <a:latin typeface="Courier New" pitchFamily="49" charset="0"/>
-                <a:cs typeface="Courier New" pitchFamily="49" charset="0"/>
-              </a:rPr>
-              <a:t>int</a:t>
-            </a:r>
-            <a:r>
-              <a:rPr lang="en-US" dirty="0">
-                <a:latin typeface="Courier New" pitchFamily="49" charset="0"/>
-                <a:cs typeface="Courier New" pitchFamily="49" charset="0"/>
-              </a:rPr>
-              <a:t> </a:t>
-            </a:r>
-            <a:r>
-              <a:rPr lang="en-US" dirty="0" err="1">
-                <a:latin typeface="Courier New" pitchFamily="49" charset="0"/>
-                <a:cs typeface="Courier New" pitchFamily="49" charset="0"/>
-              </a:rPr>
-              <a:t>i</a:t>
-            </a:r>
-            <a:r>
-              <a:rPr lang="en-US" dirty="0">
-                <a:latin typeface="Courier New" pitchFamily="49" charset="0"/>
-                <a:cs typeface="Courier New" pitchFamily="49" charset="0"/>
-              </a:rPr>
-              <a:t>=0; </a:t>
-            </a:r>
-            <a:r>
-              <a:rPr lang="en-US" dirty="0" err="1">
-                <a:latin typeface="Courier New" pitchFamily="49" charset="0"/>
-                <a:cs typeface="Courier New" pitchFamily="49" charset="0"/>
-              </a:rPr>
-              <a:t>i</a:t>
-            </a:r>
-            <a:r>
-              <a:rPr lang="en-US" dirty="0">
-                <a:latin typeface="Courier New" pitchFamily="49" charset="0"/>
-                <a:cs typeface="Courier New" pitchFamily="49" charset="0"/>
-              </a:rPr>
-              <a:t>&lt;10; </a:t>
-            </a:r>
-            <a:r>
-              <a:rPr lang="en-US" dirty="0" err="1">
-                <a:latin typeface="Courier New" pitchFamily="49" charset="0"/>
-                <a:cs typeface="Courier New" pitchFamily="49" charset="0"/>
-              </a:rPr>
-              <a:t>i</a:t>
-            </a:r>
-            <a:r>
-              <a:rPr lang="en-US" dirty="0">
-                <a:latin typeface="Courier New" pitchFamily="49" charset="0"/>
-                <a:cs typeface="Courier New" pitchFamily="49" charset="0"/>
-              </a:rPr>
-              <a:t>++)</a:t>
+              <a:rPr lang="en-US" sz="2000" dirty="0"/>
+              <a:t>The </a:t>
+            </a:r>
+            <a:r>
+              <a:rPr lang="en-US" sz="2000" dirty="0" err="1"/>
+              <a:t>initializer</a:t>
+            </a:r>
+            <a:r>
+              <a:rPr lang="en-US" sz="2000" dirty="0"/>
+              <a:t> expression is run.</a:t>
             </a:r>
           </a:p>
           <a:p>
-            <a:pPr marL="738187" lvl="1" indent="-457200">
-              <a:buFont typeface="+mj-lt"/>
-              <a:buAutoNum type="arabicPeriod"/>
-            </a:pPr>
-            <a:r>
-              <a:rPr lang="en-US" dirty="0">
-                <a:cs typeface="Courier New" pitchFamily="49" charset="0"/>
-              </a:rPr>
-              <a:t>The initializer is an expression, not a statement, so can’t declare </a:t>
-            </a:r>
-            <a:r>
-              <a:rPr lang="en-US" dirty="0">
-                <a:latin typeface="Courier New" panose="02070309020205020404" pitchFamily="49" charset="0"/>
-                <a:cs typeface="Courier New" panose="02070309020205020404" pitchFamily="49" charset="0"/>
-              </a:rPr>
-              <a:t>i</a:t>
-            </a:r>
-            <a:r>
-              <a:rPr lang="en-US" dirty="0">
-                <a:cs typeface="Courier New" pitchFamily="49" charset="0"/>
-              </a:rPr>
-              <a:t> to be an </a:t>
-            </a:r>
-            <a:r>
-              <a:rPr lang="en-US" dirty="0">
-                <a:latin typeface="Courier New" panose="02070309020205020404" pitchFamily="49" charset="0"/>
-                <a:cs typeface="Courier New" panose="02070309020205020404" pitchFamily="49" charset="0"/>
-              </a:rPr>
-              <a:t>int</a:t>
-            </a:r>
-            <a:r>
-              <a:rPr lang="en-US" dirty="0">
-                <a:cs typeface="Courier New" pitchFamily="49" charset="0"/>
-              </a:rPr>
-              <a:t>.</a:t>
+            <a:r>
+              <a:rPr lang="en-US" sz="2000" dirty="0"/>
+              <a:t>Then the logical expression is evaluated, if false, execution of the statement is complete.</a:t>
             </a:r>
           </a:p>
           <a:p>
-            <a:pPr marL="738187" lvl="1" indent="-457200">
-              <a:buFont typeface="+mj-lt"/>
-              <a:buAutoNum type="arabicPeriod"/>
-            </a:pPr>
-            <a:r>
-              <a:rPr lang="en-US" dirty="0">
-                <a:cs typeface="Courier New" pitchFamily="49" charset="0"/>
-              </a:rPr>
-              <a:t>There is no increment operator ++ as in C++.</a:t>
+            <a:r>
+              <a:rPr lang="en-US" sz="2000" dirty="0"/>
+              <a:t>Otherwise, the loop body statement is run, then the epilogue expression is run, then we loop back to where we will evaluate the logical expression.</a:t>
             </a:r>
           </a:p>
         </p:txBody>
@@ -38987,7 +38902,7 @@
           <a:p>
             <a:r>
               <a:rPr lang="en-US" dirty="0"/>
-              <a:t>Example of traditional for loop</a:t>
+              <a:t>Statements – traditional C style for loop</a:t>
             </a:r>
           </a:p>
         </p:txBody>
@@ -39042,7 +38957,7 @@
         <p:spPr>
           <a:xfrm>
             <a:off x="264160" y="967575"/>
-            <a:ext cx="8584006" cy="3770263"/>
+            <a:ext cx="8584006" cy="3072636"/>
           </a:xfrm>
         </p:spPr>
         <p:txBody>
@@ -39050,194 +38965,278 @@
           <a:lstStyle/>
           <a:p>
             <a:r>
-              <a:rPr lang="en-US" dirty="0"/>
-              <a:t>For &lt;identifier&gt; = { &lt;list of expressions&gt; } statement</a:t>
-            </a:r>
+              <a:rPr lang="en-US" sz="1600" dirty="0" err="1">
+                <a:latin typeface="Courier New" pitchFamily="49" charset="0"/>
+                <a:cs typeface="Courier New" pitchFamily="49" charset="0"/>
+              </a:rPr>
+              <a:t>int</a:t>
+            </a:r>
+            <a:r>
+              <a:rPr lang="en-US" sz="1600" dirty="0">
+                <a:latin typeface="Courier New" pitchFamily="49" charset="0"/>
+                <a:cs typeface="Courier New" pitchFamily="49" charset="0"/>
+              </a:rPr>
+              <a:t> </a:t>
+            </a:r>
+            <a:r>
+              <a:rPr lang="en-US" sz="1600" dirty="0" err="1">
+                <a:latin typeface="Courier New" pitchFamily="49" charset="0"/>
+                <a:cs typeface="Courier New" pitchFamily="49" charset="0"/>
+              </a:rPr>
+              <a:t>i</a:t>
+            </a:r>
+            <a:r>
+              <a:rPr lang="en-US" sz="1600" dirty="0">
+                <a:latin typeface="Courier New" pitchFamily="49" charset="0"/>
+                <a:cs typeface="Courier New" pitchFamily="49" charset="0"/>
+              </a:rPr>
+              <a:t>;</a:t>
+            </a:r>
+            <a:br>
+              <a:rPr lang="en-US" sz="1600" dirty="0">
+                <a:latin typeface="Courier New" pitchFamily="49" charset="0"/>
+                <a:cs typeface="Courier New" pitchFamily="49" charset="0"/>
+              </a:rPr>
+            </a:br>
+            <a:r>
+              <a:rPr lang="en-US" sz="1600" dirty="0">
+                <a:latin typeface="Courier New" pitchFamily="49" charset="0"/>
+                <a:cs typeface="Courier New" pitchFamily="49" charset="0"/>
+              </a:rPr>
+              <a:t>for ( </a:t>
+            </a:r>
+            <a:r>
+              <a:rPr lang="en-US" sz="1600" dirty="0" err="1">
+                <a:latin typeface="Courier New" pitchFamily="49" charset="0"/>
+                <a:cs typeface="Courier New" pitchFamily="49" charset="0"/>
+              </a:rPr>
+              <a:t>i</a:t>
+            </a:r>
+            <a:r>
+              <a:rPr lang="en-US" sz="1600" dirty="0">
+                <a:latin typeface="Courier New" pitchFamily="49" charset="0"/>
+                <a:cs typeface="Courier New" pitchFamily="49" charset="0"/>
+              </a:rPr>
+              <a:t>=0; </a:t>
+            </a:r>
+            <a:r>
+              <a:rPr lang="en-US" sz="1600" dirty="0" err="1">
+                <a:latin typeface="Courier New" pitchFamily="49" charset="0"/>
+                <a:cs typeface="Courier New" pitchFamily="49" charset="0"/>
+              </a:rPr>
+              <a:t>i</a:t>
+            </a:r>
+            <a:r>
+              <a:rPr lang="en-US" sz="1600" dirty="0">
+                <a:latin typeface="Courier New" pitchFamily="49" charset="0"/>
+                <a:cs typeface="Courier New" pitchFamily="49" charset="0"/>
+              </a:rPr>
+              <a:t>&lt;10; </a:t>
+            </a:r>
+            <a:r>
+              <a:rPr lang="en-US" sz="1600" dirty="0" err="1">
+                <a:latin typeface="Courier New" pitchFamily="49" charset="0"/>
+                <a:cs typeface="Courier New" pitchFamily="49" charset="0"/>
+              </a:rPr>
+              <a:t>i</a:t>
+            </a:r>
+            <a:r>
+              <a:rPr lang="en-US" sz="1600" dirty="0">
+                <a:latin typeface="Courier New" pitchFamily="49" charset="0"/>
+                <a:cs typeface="Courier New" pitchFamily="49" charset="0"/>
+              </a:rPr>
+              <a:t>=i+1 )</a:t>
+            </a:r>
+            <a:br>
+              <a:rPr lang="en-US" sz="1600" dirty="0">
+                <a:latin typeface="Courier New" pitchFamily="49" charset="0"/>
+                <a:cs typeface="Courier New" pitchFamily="49" charset="0"/>
+              </a:rPr>
+            </a:br>
+            <a:r>
+              <a:rPr lang="en-US" sz="1600" dirty="0">
+                <a:latin typeface="Courier New" pitchFamily="49" charset="0"/>
+                <a:cs typeface="Courier New" pitchFamily="49" charset="0"/>
+              </a:rPr>
+              <a:t>{</a:t>
+            </a:r>
+            <a:br>
+              <a:rPr lang="en-US" sz="1600" dirty="0">
+                <a:latin typeface="Courier New" pitchFamily="49" charset="0"/>
+                <a:cs typeface="Courier New" pitchFamily="49" charset="0"/>
+              </a:rPr>
+            </a:br>
+            <a:r>
+              <a:rPr lang="en-US" sz="1600" dirty="0">
+                <a:latin typeface="Courier New" pitchFamily="49" charset="0"/>
+                <a:cs typeface="Courier New" pitchFamily="49" charset="0"/>
+              </a:rPr>
+              <a:t>      print( "</a:t>
+            </a:r>
+            <a:r>
+              <a:rPr lang="en-US" sz="1600" dirty="0" err="1">
+                <a:latin typeface="Courier New" pitchFamily="49" charset="0"/>
+                <a:cs typeface="Courier New" pitchFamily="49" charset="0"/>
+              </a:rPr>
+              <a:t>i</a:t>
+            </a:r>
+            <a:r>
+              <a:rPr lang="en-US" sz="1600" dirty="0">
+                <a:latin typeface="Courier New" pitchFamily="49" charset="0"/>
+                <a:cs typeface="Courier New" pitchFamily="49" charset="0"/>
+              </a:rPr>
+              <a:t> = " + string(</a:t>
+            </a:r>
+            <a:r>
+              <a:rPr lang="en-US" sz="1600" dirty="0" err="1">
+                <a:latin typeface="Courier New" pitchFamily="49" charset="0"/>
+                <a:cs typeface="Courier New" pitchFamily="49" charset="0"/>
+              </a:rPr>
+              <a:t>i</a:t>
+            </a:r>
+            <a:r>
+              <a:rPr lang="en-US" sz="1600" dirty="0">
+                <a:latin typeface="Courier New" pitchFamily="49" charset="0"/>
+                <a:cs typeface="Courier New" pitchFamily="49" charset="0"/>
+              </a:rPr>
+              <a:t>) + "\n");</a:t>
+            </a:r>
+            <a:br>
+              <a:rPr lang="en-US" sz="1600" dirty="0">
+                <a:latin typeface="Courier New" pitchFamily="49" charset="0"/>
+                <a:cs typeface="Courier New" pitchFamily="49" charset="0"/>
+              </a:rPr>
+            </a:br>
+            <a:r>
+              <a:rPr lang="en-US" sz="1600" dirty="0">
+                <a:latin typeface="Courier New" pitchFamily="49" charset="0"/>
+                <a:cs typeface="Courier New" pitchFamily="49" charset="0"/>
+              </a:rPr>
+              <a:t>}</a:t>
+            </a:r>
+            <a:endParaRPr lang="en-US" sz="1600" dirty="0">
+              <a:cs typeface="Courier New" pitchFamily="49" charset="0"/>
+            </a:endParaRPr>
           </a:p>
           <a:p>
             <a:r>
-              <a:rPr lang="en-US" dirty="0"/>
-              <a:t>E.g.</a:t>
-            </a:r>
-            <a:r>
-              <a:rPr lang="en-US" sz="2000" dirty="0"/>
+              <a:rPr lang="en-US" dirty="0">
+                <a:cs typeface="Courier New" pitchFamily="49" charset="0"/>
+              </a:rPr>
+              <a:t>Note that it’s not  </a:t>
+            </a:r>
+            <a:r>
+              <a:rPr lang="en-US" dirty="0">
+                <a:latin typeface="Courier New" pitchFamily="49" charset="0"/>
+                <a:cs typeface="Courier New" pitchFamily="49" charset="0"/>
+              </a:rPr>
+              <a:t>for (</a:t>
+            </a:r>
+            <a:r>
+              <a:rPr lang="en-US" dirty="0" err="1">
+                <a:latin typeface="Courier New" pitchFamily="49" charset="0"/>
+                <a:cs typeface="Courier New" pitchFamily="49" charset="0"/>
+              </a:rPr>
+              <a:t>int</a:t>
+            </a:r>
+            <a:r>
+              <a:rPr lang="en-US" dirty="0">
+                <a:latin typeface="Courier New" pitchFamily="49" charset="0"/>
+                <a:cs typeface="Courier New" pitchFamily="49" charset="0"/>
+              </a:rPr>
               <a:t> </a:t>
             </a:r>
-            <a:br>
-              <a:rPr lang="en-US" sz="2000" dirty="0"/>
-            </a:br>
-            <a:br>
-              <a:rPr lang="en-US" sz="1800" dirty="0">
+            <a:r>
+              <a:rPr lang="en-US" dirty="0" err="1">
+                <a:latin typeface="Courier New" pitchFamily="49" charset="0"/>
+                <a:cs typeface="Courier New" pitchFamily="49" charset="0"/>
+              </a:rPr>
+              <a:t>i</a:t>
+            </a:r>
+            <a:r>
+              <a:rPr lang="en-US" dirty="0">
+                <a:latin typeface="Courier New" pitchFamily="49" charset="0"/>
+                <a:cs typeface="Courier New" pitchFamily="49" charset="0"/>
+              </a:rPr>
+              <a:t>=0; </a:t>
+            </a:r>
+            <a:r>
+              <a:rPr lang="en-US" dirty="0" err="1">
+                <a:latin typeface="Courier New" pitchFamily="49" charset="0"/>
+                <a:cs typeface="Courier New" pitchFamily="49" charset="0"/>
+              </a:rPr>
+              <a:t>i</a:t>
+            </a:r>
+            <a:r>
+              <a:rPr lang="en-US" dirty="0">
+                <a:latin typeface="Courier New" pitchFamily="49" charset="0"/>
+                <a:cs typeface="Courier New" pitchFamily="49" charset="0"/>
+              </a:rPr>
+              <a:t>&lt;10; </a:t>
+            </a:r>
+            <a:r>
+              <a:rPr lang="en-US" dirty="0" err="1">
+                <a:latin typeface="Courier New" pitchFamily="49" charset="0"/>
+                <a:cs typeface="Courier New" pitchFamily="49" charset="0"/>
+              </a:rPr>
+              <a:t>i</a:t>
+            </a:r>
+            <a:r>
+              <a:rPr lang="en-US" dirty="0">
+                <a:latin typeface="Courier New" pitchFamily="49" charset="0"/>
+                <a:cs typeface="Courier New" pitchFamily="49" charset="0"/>
+              </a:rPr>
+              <a:t>++)</a:t>
+            </a:r>
+          </a:p>
+          <a:p>
+            <a:pPr marL="738187" lvl="1" indent="-457200">
+              <a:buFont typeface="+mj-lt"/>
+              <a:buAutoNum type="arabicPeriod"/>
+            </a:pPr>
+            <a:r>
+              <a:rPr lang="en-US" dirty="0">
+                <a:cs typeface="Courier New" pitchFamily="49" charset="0"/>
+              </a:rPr>
+              <a:t>The initializer is an expression, not a statement, so can’t declare </a:t>
+            </a:r>
+            <a:r>
+              <a:rPr lang="en-US" dirty="0">
                 <a:latin typeface="Courier New" panose="02070309020205020404" pitchFamily="49" charset="0"/>
                 <a:cs typeface="Courier New" panose="02070309020205020404" pitchFamily="49" charset="0"/>
               </a:rPr>
-            </a:br>
-            <a:r>
-              <a:rPr lang="en-US" sz="1800" dirty="0" err="1">
-                <a:latin typeface="Courier New" pitchFamily="49" charset="0"/>
-                <a:cs typeface="Courier New" pitchFamily="49" charset="0"/>
+              <a:t>i</a:t>
+            </a:r>
+            <a:r>
+              <a:rPr lang="en-US" dirty="0">
+                <a:cs typeface="Courier New" pitchFamily="49" charset="0"/>
+              </a:rPr>
+              <a:t> to be an </a:t>
+            </a:r>
+            <a:r>
+              <a:rPr lang="en-US" dirty="0">
+                <a:latin typeface="Courier New" panose="02070309020205020404" pitchFamily="49" charset="0"/>
+                <a:cs typeface="Courier New" panose="02070309020205020404" pitchFamily="49" charset="0"/>
               </a:rPr>
               <a:t>int</a:t>
             </a:r>
             <a:r>
-              <a:rPr lang="en-US" sz="1800" dirty="0">
-                <a:latin typeface="Courier New" pitchFamily="49" charset="0"/>
-                <a:cs typeface="Courier New" pitchFamily="49" charset="0"/>
-              </a:rPr>
-              <a:t> </a:t>
-            </a:r>
-            <a:r>
-              <a:rPr lang="en-US" sz="1800" dirty="0" err="1">
-                <a:latin typeface="Courier New" pitchFamily="49" charset="0"/>
-                <a:cs typeface="Courier New" pitchFamily="49" charset="0"/>
-              </a:rPr>
-              <a:t>i</a:t>
-            </a:r>
-            <a:r>
-              <a:rPr lang="en-US" sz="1800" dirty="0">
-                <a:latin typeface="Courier New" pitchFamily="49" charset="0"/>
-                <a:cs typeface="Courier New" pitchFamily="49" charset="0"/>
-              </a:rPr>
-              <a:t>;</a:t>
-            </a:r>
-            <a:br>
-              <a:rPr lang="en-US" sz="1800" dirty="0">
-                <a:latin typeface="Courier New" pitchFamily="49" charset="0"/>
-                <a:cs typeface="Courier New" pitchFamily="49" charset="0"/>
-              </a:rPr>
-            </a:br>
-            <a:r>
-              <a:rPr lang="en-US" sz="1800" dirty="0">
-                <a:latin typeface="Courier New" pitchFamily="49" charset="0"/>
-                <a:cs typeface="Courier New" pitchFamily="49" charset="0"/>
-              </a:rPr>
-              <a:t>for </a:t>
-            </a:r>
-            <a:r>
-              <a:rPr lang="en-US" sz="1800" dirty="0" err="1">
-                <a:latin typeface="Courier New" pitchFamily="49" charset="0"/>
-                <a:cs typeface="Courier New" pitchFamily="49" charset="0"/>
-              </a:rPr>
-              <a:t>i</a:t>
-            </a:r>
-            <a:r>
-              <a:rPr lang="en-US" sz="1800" dirty="0">
-                <a:latin typeface="Courier New" pitchFamily="49" charset="0"/>
-                <a:cs typeface="Courier New" pitchFamily="49" charset="0"/>
-              </a:rPr>
-              <a:t> = { 0, 1, 2 }</a:t>
-            </a:r>
-            <a:br>
-              <a:rPr lang="en-US" sz="1800" dirty="0">
-                <a:latin typeface="Courier New" pitchFamily="49" charset="0"/>
-                <a:cs typeface="Courier New" pitchFamily="49" charset="0"/>
-              </a:rPr>
-            </a:br>
-            <a:r>
-              <a:rPr lang="en-US" sz="1800" dirty="0">
-                <a:latin typeface="Courier New" pitchFamily="49" charset="0"/>
-                <a:cs typeface="Courier New" pitchFamily="49" charset="0"/>
-              </a:rPr>
-              <a:t>	print("</a:t>
-            </a:r>
-            <a:r>
-              <a:rPr lang="en-US" sz="1800" dirty="0" err="1">
-                <a:latin typeface="Courier New" pitchFamily="49" charset="0"/>
-                <a:cs typeface="Courier New" pitchFamily="49" charset="0"/>
-              </a:rPr>
-              <a:t>i</a:t>
-            </a:r>
-            <a:r>
-              <a:rPr lang="en-US" sz="1800" dirty="0">
-                <a:latin typeface="Courier New" pitchFamily="49" charset="0"/>
-                <a:cs typeface="Courier New" pitchFamily="49" charset="0"/>
-              </a:rPr>
-              <a:t> = " + string(</a:t>
-            </a:r>
-            <a:r>
-              <a:rPr lang="en-US" sz="1800" dirty="0" err="1">
-                <a:latin typeface="Courier New" pitchFamily="49" charset="0"/>
-                <a:cs typeface="Courier New" pitchFamily="49" charset="0"/>
-              </a:rPr>
-              <a:t>i</a:t>
-            </a:r>
-            <a:r>
-              <a:rPr lang="en-US" sz="1800" dirty="0">
-                <a:latin typeface="Courier New" pitchFamily="49" charset="0"/>
-                <a:cs typeface="Courier New" pitchFamily="49" charset="0"/>
-              </a:rPr>
-              <a:t>) + "\n");</a:t>
-            </a:r>
-            <a:br>
-              <a:rPr lang="en-US" sz="1800" dirty="0">
-                <a:latin typeface="Courier New" pitchFamily="49" charset="0"/>
-                <a:cs typeface="Courier New" pitchFamily="49" charset="0"/>
-              </a:rPr>
-            </a:br>
-            <a:br>
-              <a:rPr lang="en-US" sz="1800" dirty="0">
-                <a:latin typeface="Courier New" pitchFamily="49" charset="0"/>
-                <a:cs typeface="Courier New" pitchFamily="49" charset="0"/>
-              </a:rPr>
-            </a:br>
-            <a:r>
-              <a:rPr lang="en-US" sz="1800" dirty="0">
-                <a:latin typeface="Courier New" pitchFamily="49" charset="0"/>
-                <a:cs typeface="Courier New" pitchFamily="49" charset="0"/>
-              </a:rPr>
-              <a:t>string s;</a:t>
-            </a:r>
-            <a:br>
-              <a:rPr lang="en-US" sz="1800" dirty="0">
-                <a:latin typeface="Courier New" pitchFamily="49" charset="0"/>
-                <a:cs typeface="Courier New" pitchFamily="49" charset="0"/>
-              </a:rPr>
-            </a:br>
-            <a:r>
-              <a:rPr lang="en-US" sz="1800" dirty="0">
-                <a:latin typeface="Courier New" pitchFamily="49" charset="0"/>
-                <a:cs typeface="Courier New" pitchFamily="49" charset="0"/>
-              </a:rPr>
-              <a:t>for s = { "cat", "dog", "mouse" }</a:t>
-            </a:r>
-            <a:br>
-              <a:rPr lang="en-US" sz="1800" dirty="0">
-                <a:latin typeface="Courier New" pitchFamily="49" charset="0"/>
-                <a:cs typeface="Courier New" pitchFamily="49" charset="0"/>
-              </a:rPr>
-            </a:br>
-            <a:r>
-              <a:rPr lang="en-US" sz="1800" dirty="0">
-                <a:latin typeface="Courier New" pitchFamily="49" charset="0"/>
-                <a:cs typeface="Courier New" pitchFamily="49" charset="0"/>
-              </a:rPr>
-              <a:t>{</a:t>
-            </a:r>
-            <a:br>
-              <a:rPr lang="en-US" sz="1800" dirty="0">
-                <a:latin typeface="Courier New" pitchFamily="49" charset="0"/>
-                <a:cs typeface="Courier New" pitchFamily="49" charset="0"/>
-              </a:rPr>
-            </a:br>
-            <a:r>
-              <a:rPr lang="en-US" sz="1800" dirty="0">
-                <a:latin typeface="Courier New" pitchFamily="49" charset="0"/>
-                <a:cs typeface="Courier New" pitchFamily="49" charset="0"/>
-              </a:rPr>
-              <a:t>	print ( "A " + s + " has four legs.\n");</a:t>
-            </a:r>
-            <a:br>
-              <a:rPr lang="en-US" sz="1800" dirty="0">
-                <a:latin typeface="Courier New" pitchFamily="49" charset="0"/>
-                <a:cs typeface="Courier New" pitchFamily="49" charset="0"/>
-              </a:rPr>
-            </a:br>
-            <a:r>
-              <a:rPr lang="en-US" sz="1800" dirty="0">
-                <a:latin typeface="Courier New" pitchFamily="49" charset="0"/>
-                <a:cs typeface="Courier New" pitchFamily="49" charset="0"/>
-              </a:rPr>
-              <a:t>}</a:t>
+              <a:rPr lang="en-US" dirty="0">
+                <a:cs typeface="Courier New" pitchFamily="49" charset="0"/>
+              </a:rPr>
+              <a:t>.</a:t>
+            </a:r>
+          </a:p>
+          <a:p>
+            <a:pPr marL="738187" lvl="1" indent="-457200">
+              <a:buFont typeface="+mj-lt"/>
+              <a:buAutoNum type="arabicPeriod"/>
+            </a:pPr>
+            <a:r>
+              <a:rPr lang="en-US" dirty="0">
+                <a:cs typeface="Courier New" pitchFamily="49" charset="0"/>
+              </a:rPr>
+              <a:t>There is no increment operator ++ as in C++.</a:t>
             </a:r>
           </a:p>
         </p:txBody>
@@ -39259,7 +39258,7 @@
           <a:p>
             <a:r>
               <a:rPr lang="en-US" dirty="0"/>
-              <a:t>Statement – list-style for loop</a:t>
+              <a:t>Example of traditional for loop</a:t>
             </a:r>
           </a:p>
         </p:txBody>
@@ -39314,7 +39313,7 @@
         <p:spPr>
           <a:xfrm>
             <a:off x="264160" y="967575"/>
-            <a:ext cx="8584006" cy="2816156"/>
+            <a:ext cx="8584006" cy="3770263"/>
           </a:xfrm>
         </p:spPr>
         <p:txBody>
@@ -39322,31 +39321,195 @@
           <a:lstStyle/>
           <a:p>
             <a:r>
-              <a:rPr lang="en-US" dirty="0">
-                <a:latin typeface="Courier New" pitchFamily="49" charset="0"/>
-                <a:cs typeface="Courier New" pitchFamily="49" charset="0"/>
-              </a:rPr>
-              <a:t>while</a:t>
-            </a:r>
-            <a:r>
               <a:rPr lang="en-US" dirty="0"/>
-              <a:t> ( &lt;logical expression&gt; ) &lt;loop body statement&gt;</a:t>
+              <a:t>For &lt;identifier&gt; = { &lt;list of expressions&gt; } statement</a:t>
             </a:r>
           </a:p>
           <a:p>
             <a:r>
               <a:rPr lang="en-US" dirty="0"/>
-              <a:t>The logical expression is evaluated, and if false, execution of the statement is complete.</a:t>
-            </a:r>
-          </a:p>
-          <a:p>
-            <a:r>
-              <a:rPr lang="en-US" dirty="0"/>
-              <a:t>Otherwise, the loop body statement is executed and then we loop back to evaluating the logical expression again.</a:t>
-            </a:r>
-          </a:p>
-          <a:p>
-            <a:endParaRPr lang="en-US" dirty="0"/>
+              <a:t>E.g.</a:t>
+            </a:r>
+            <a:r>
+              <a:rPr lang="en-US" sz="2000" dirty="0"/>
+              <a:t> </a:t>
+            </a:r>
+            <a:br>
+              <a:rPr lang="en-US" sz="2000" dirty="0"/>
+            </a:br>
+            <a:br>
+              <a:rPr lang="en-US" sz="1800" dirty="0">
+                <a:latin typeface="Courier New" panose="02070309020205020404" pitchFamily="49" charset="0"/>
+                <a:cs typeface="Courier New" panose="02070309020205020404" pitchFamily="49" charset="0"/>
+              </a:rPr>
+            </a:br>
+            <a:r>
+              <a:rPr lang="en-US" sz="1800" dirty="0" err="1">
+                <a:latin typeface="Courier New" pitchFamily="49" charset="0"/>
+                <a:cs typeface="Courier New" pitchFamily="49" charset="0"/>
+              </a:rPr>
+              <a:t>int</a:t>
+            </a:r>
+            <a:r>
+              <a:rPr lang="en-US" sz="1800" dirty="0">
+                <a:latin typeface="Courier New" pitchFamily="49" charset="0"/>
+                <a:cs typeface="Courier New" pitchFamily="49" charset="0"/>
+              </a:rPr>
+              <a:t> </a:t>
+            </a:r>
+            <a:r>
+              <a:rPr lang="en-US" sz="1800" dirty="0" err="1">
+                <a:latin typeface="Courier New" pitchFamily="49" charset="0"/>
+                <a:cs typeface="Courier New" pitchFamily="49" charset="0"/>
+              </a:rPr>
+              <a:t>i</a:t>
+            </a:r>
+            <a:r>
+              <a:rPr lang="en-US" sz="1800" dirty="0">
+                <a:latin typeface="Courier New" pitchFamily="49" charset="0"/>
+                <a:cs typeface="Courier New" pitchFamily="49" charset="0"/>
+              </a:rPr>
+              <a:t>;</a:t>
+            </a:r>
+            <a:br>
+              <a:rPr lang="en-US" sz="1800" dirty="0">
+                <a:latin typeface="Courier New" pitchFamily="49" charset="0"/>
+                <a:cs typeface="Courier New" pitchFamily="49" charset="0"/>
+              </a:rPr>
+            </a:br>
+            <a:r>
+              <a:rPr lang="en-US" sz="1800" dirty="0">
+                <a:latin typeface="Courier New" pitchFamily="49" charset="0"/>
+                <a:cs typeface="Courier New" pitchFamily="49" charset="0"/>
+              </a:rPr>
+              <a:t>for </a:t>
+            </a:r>
+            <a:r>
+              <a:rPr lang="en-US" sz="1800" dirty="0" err="1">
+                <a:latin typeface="Courier New" pitchFamily="49" charset="0"/>
+                <a:cs typeface="Courier New" pitchFamily="49" charset="0"/>
+              </a:rPr>
+              <a:t>i</a:t>
+            </a:r>
+            <a:r>
+              <a:rPr lang="en-US" sz="1800" dirty="0">
+                <a:latin typeface="Courier New" pitchFamily="49" charset="0"/>
+                <a:cs typeface="Courier New" pitchFamily="49" charset="0"/>
+              </a:rPr>
+              <a:t> = { 0, 1, 2 }</a:t>
+            </a:r>
+            <a:br>
+              <a:rPr lang="en-US" sz="1800" dirty="0">
+                <a:latin typeface="Courier New" pitchFamily="49" charset="0"/>
+                <a:cs typeface="Courier New" pitchFamily="49" charset="0"/>
+              </a:rPr>
+            </a:br>
+            <a:r>
+              <a:rPr lang="en-US" sz="1800" dirty="0">
+                <a:latin typeface="Courier New" pitchFamily="49" charset="0"/>
+                <a:cs typeface="Courier New" pitchFamily="49" charset="0"/>
+              </a:rPr>
+              <a:t>	print("</a:t>
+            </a:r>
+            <a:r>
+              <a:rPr lang="en-US" sz="1800" dirty="0" err="1">
+                <a:latin typeface="Courier New" pitchFamily="49" charset="0"/>
+                <a:cs typeface="Courier New" pitchFamily="49" charset="0"/>
+              </a:rPr>
+              <a:t>i</a:t>
+            </a:r>
+            <a:r>
+              <a:rPr lang="en-US" sz="1800" dirty="0">
+                <a:latin typeface="Courier New" pitchFamily="49" charset="0"/>
+                <a:cs typeface="Courier New" pitchFamily="49" charset="0"/>
+              </a:rPr>
+              <a:t> = " + string(</a:t>
+            </a:r>
+            <a:r>
+              <a:rPr lang="en-US" sz="1800" dirty="0" err="1">
+                <a:latin typeface="Courier New" pitchFamily="49" charset="0"/>
+                <a:cs typeface="Courier New" pitchFamily="49" charset="0"/>
+              </a:rPr>
+              <a:t>i</a:t>
+            </a:r>
+            <a:r>
+              <a:rPr lang="en-US" sz="1800" dirty="0">
+                <a:latin typeface="Courier New" pitchFamily="49" charset="0"/>
+                <a:cs typeface="Courier New" pitchFamily="49" charset="0"/>
+              </a:rPr>
+              <a:t>) + "\n");</a:t>
+            </a:r>
+            <a:br>
+              <a:rPr lang="en-US" sz="1800" dirty="0">
+                <a:latin typeface="Courier New" pitchFamily="49" charset="0"/>
+                <a:cs typeface="Courier New" pitchFamily="49" charset="0"/>
+              </a:rPr>
+            </a:br>
+            <a:br>
+              <a:rPr lang="en-US" sz="1800" dirty="0">
+                <a:latin typeface="Courier New" pitchFamily="49" charset="0"/>
+                <a:cs typeface="Courier New" pitchFamily="49" charset="0"/>
+              </a:rPr>
+            </a:br>
+            <a:r>
+              <a:rPr lang="en-US" sz="1800" dirty="0">
+                <a:latin typeface="Courier New" pitchFamily="49" charset="0"/>
+                <a:cs typeface="Courier New" pitchFamily="49" charset="0"/>
+              </a:rPr>
+              <a:t>string s;</a:t>
+            </a:r>
+            <a:br>
+              <a:rPr lang="en-US" sz="1800" dirty="0">
+                <a:latin typeface="Courier New" pitchFamily="49" charset="0"/>
+                <a:cs typeface="Courier New" pitchFamily="49" charset="0"/>
+              </a:rPr>
+            </a:br>
+            <a:r>
+              <a:rPr lang="en-US" sz="1800" dirty="0">
+                <a:latin typeface="Courier New" pitchFamily="49" charset="0"/>
+                <a:cs typeface="Courier New" pitchFamily="49" charset="0"/>
+              </a:rPr>
+              <a:t>for s = { "cat", "dog", "mouse" }</a:t>
+            </a:r>
+            <a:br>
+              <a:rPr lang="en-US" sz="1800" dirty="0">
+                <a:latin typeface="Courier New" pitchFamily="49" charset="0"/>
+                <a:cs typeface="Courier New" pitchFamily="49" charset="0"/>
+              </a:rPr>
+            </a:br>
+            <a:r>
+              <a:rPr lang="en-US" sz="1800" dirty="0">
+                <a:latin typeface="Courier New" pitchFamily="49" charset="0"/>
+                <a:cs typeface="Courier New" pitchFamily="49" charset="0"/>
+              </a:rPr>
+              <a:t>{</a:t>
+            </a:r>
+            <a:br>
+              <a:rPr lang="en-US" sz="1800" dirty="0">
+                <a:latin typeface="Courier New" pitchFamily="49" charset="0"/>
+                <a:cs typeface="Courier New" pitchFamily="49" charset="0"/>
+              </a:rPr>
+            </a:br>
+            <a:r>
+              <a:rPr lang="en-US" sz="1800" dirty="0">
+                <a:latin typeface="Courier New" pitchFamily="49" charset="0"/>
+                <a:cs typeface="Courier New" pitchFamily="49" charset="0"/>
+              </a:rPr>
+              <a:t>	print ( "A " + s + " has four legs.\n");</a:t>
+            </a:r>
+            <a:br>
+              <a:rPr lang="en-US" sz="1800" dirty="0">
+                <a:latin typeface="Courier New" pitchFamily="49" charset="0"/>
+                <a:cs typeface="Courier New" pitchFamily="49" charset="0"/>
+              </a:rPr>
+            </a:br>
+            <a:r>
+              <a:rPr lang="en-US" sz="1800" dirty="0">
+                <a:latin typeface="Courier New" pitchFamily="49" charset="0"/>
+                <a:cs typeface="Courier New" pitchFamily="49" charset="0"/>
+              </a:rPr>
+              <a:t>}</a:t>
+            </a:r>
           </a:p>
         </p:txBody>
       </p:sp>
@@ -39367,7 +39530,7 @@
           <a:p>
             <a:r>
               <a:rPr lang="en-US" dirty="0"/>
-              <a:t>Statement – while loop</a:t>
+              <a:t>Statement – list-style for loop</a:t>
             </a:r>
           </a:p>
         </p:txBody>
@@ -39588,7 +39751,7 @@
         <p:spPr>
           <a:xfrm>
             <a:off x="264160" y="967575"/>
-            <a:ext cx="8584006" cy="3154710"/>
+            <a:ext cx="8584006" cy="2816156"/>
           </a:xfrm>
         </p:spPr>
         <p:txBody>
@@ -39600,42 +39763,23 @@
                 <a:latin typeface="Courier New" pitchFamily="49" charset="0"/>
                 <a:cs typeface="Courier New" pitchFamily="49" charset="0"/>
               </a:rPr>
-              <a:t>do </a:t>
+              <a:t>while</a:t>
             </a:r>
             <a:r>
               <a:rPr lang="en-US" dirty="0"/>
-              <a:t>&lt;loop body statement&gt;</a:t>
-            </a:r>
-            <a:r>
-              <a:rPr lang="en-US" dirty="0">
-                <a:latin typeface="Courier New" pitchFamily="49" charset="0"/>
-                <a:cs typeface="Courier New" pitchFamily="49" charset="0"/>
-              </a:rPr>
-              <a:t> while</a:t>
-            </a:r>
-            <a:r>
-              <a:rPr lang="en-US" dirty="0"/>
-              <a:t> ( &lt;logical expression&gt; ) ;</a:t>
+              <a:t> ( &lt;logical expression&gt; ) &lt;loop body statement&gt;</a:t>
             </a:r>
           </a:p>
           <a:p>
             <a:r>
               <a:rPr lang="en-US" dirty="0"/>
-              <a:t>The loop body statement is executed, and then the logical expression is evaluated, and if the result </a:t>
-            </a:r>
-            <a:r>
-              <a:rPr lang="en-US"/>
-              <a:t>was "false", </a:t>
-            </a:r>
-            <a:r>
-              <a:rPr lang="en-US" dirty="0"/>
-              <a:t>execution of the statement is complete.</a:t>
+              <a:t>The logical expression is evaluated, and if false, execution of the statement is complete.</a:t>
             </a:r>
           </a:p>
           <a:p>
             <a:r>
               <a:rPr lang="en-US" dirty="0"/>
-              <a:t>Otherwise, and then we loop back to running the loop body statement again.</a:t>
+              <a:t>Otherwise, the loop body statement is executed and then we loop back to evaluating the logical expression again.</a:t>
             </a:r>
           </a:p>
           <a:p>
@@ -39660,7 +39804,7 @@
           <a:p>
             <a:r>
               <a:rPr lang="en-US" dirty="0"/>
-              <a:t>Statement – do - while loop</a:t>
+              <a:t>Statement – while loop</a:t>
             </a:r>
           </a:p>
         </p:txBody>
@@ -39686,6 +39830,133 @@
 </file>
 
 <file path=ppt/slides/slide41.xml><?xml version="1.0" encoding="utf-8"?>
+<p:sld xmlns:a="http://schemas.openxmlformats.org/drawingml/2006/main" xmlns:r="http://schemas.openxmlformats.org/officeDocument/2006/relationships" xmlns:p="http://schemas.openxmlformats.org/presentationml/2006/main">
+  <p:cSld>
+    <p:spTree>
+      <p:nvGrpSpPr>
+        <p:cNvPr id="1" name=""/>
+        <p:cNvGrpSpPr/>
+        <p:nvPr/>
+      </p:nvGrpSpPr>
+      <p:grpSpPr>
+        <a:xfrm>
+          <a:off x="0" y="0"/>
+          <a:ext cx="0" cy="0"/>
+          <a:chOff x="0" y="0"/>
+          <a:chExt cx="0" cy="0"/>
+        </a:xfrm>
+      </p:grpSpPr>
+      <p:sp>
+        <p:nvSpPr>
+          <p:cNvPr id="2" name="Content Placeholder 1"/>
+          <p:cNvSpPr>
+            <a:spLocks noGrp="1"/>
+          </p:cNvSpPr>
+          <p:nvPr>
+            <p:ph idx="1"/>
+          </p:nvPr>
+        </p:nvSpPr>
+        <p:spPr>
+          <a:xfrm>
+            <a:off x="264160" y="967575"/>
+            <a:ext cx="8584006" cy="3154710"/>
+          </a:xfrm>
+        </p:spPr>
+        <p:txBody>
+          <a:bodyPr/>
+          <a:lstStyle/>
+          <a:p>
+            <a:r>
+              <a:rPr lang="en-US" dirty="0">
+                <a:latin typeface="Courier New" pitchFamily="49" charset="0"/>
+                <a:cs typeface="Courier New" pitchFamily="49" charset="0"/>
+              </a:rPr>
+              <a:t>do </a:t>
+            </a:r>
+            <a:r>
+              <a:rPr lang="en-US" dirty="0"/>
+              <a:t>&lt;loop body statement&gt;</a:t>
+            </a:r>
+            <a:r>
+              <a:rPr lang="en-US" dirty="0">
+                <a:latin typeface="Courier New" pitchFamily="49" charset="0"/>
+                <a:cs typeface="Courier New" pitchFamily="49" charset="0"/>
+              </a:rPr>
+              <a:t> while</a:t>
+            </a:r>
+            <a:r>
+              <a:rPr lang="en-US" dirty="0"/>
+              <a:t> ( &lt;logical expression&gt; ) ;</a:t>
+            </a:r>
+          </a:p>
+          <a:p>
+            <a:r>
+              <a:rPr lang="en-US" dirty="0"/>
+              <a:t>The loop body statement is executed, and then the logical expression is evaluated, and if the result </a:t>
+            </a:r>
+            <a:r>
+              <a:rPr lang="en-US"/>
+              <a:t>was "false", </a:t>
+            </a:r>
+            <a:r>
+              <a:rPr lang="en-US" dirty="0"/>
+              <a:t>execution of the statement is complete.</a:t>
+            </a:r>
+          </a:p>
+          <a:p>
+            <a:r>
+              <a:rPr lang="en-US" dirty="0"/>
+              <a:t>Otherwise, and then we loop back to running the loop body statement again.</a:t>
+            </a:r>
+          </a:p>
+          <a:p>
+            <a:endParaRPr lang="en-US" dirty="0"/>
+          </a:p>
+        </p:txBody>
+      </p:sp>
+      <p:sp>
+        <p:nvSpPr>
+          <p:cNvPr id="3" name="Title 2"/>
+          <p:cNvSpPr>
+            <a:spLocks noGrp="1"/>
+          </p:cNvSpPr>
+          <p:nvPr>
+            <p:ph type="title"/>
+          </p:nvPr>
+        </p:nvSpPr>
+        <p:spPr/>
+        <p:txBody>
+          <a:bodyPr/>
+          <a:lstStyle/>
+          <a:p>
+            <a:r>
+              <a:rPr lang="en-US" dirty="0"/>
+              <a:t>Statement – do - while loop</a:t>
+            </a:r>
+          </a:p>
+        </p:txBody>
+      </p:sp>
+    </p:spTree>
+  </p:cSld>
+  <p:clrMapOvr>
+    <a:masterClrMapping/>
+  </p:clrMapOvr>
+  <mc:AlternateContent xmlns:mc="http://schemas.openxmlformats.org/markup-compatibility/2006" xmlns:p14="http://schemas.microsoft.com/office/powerpoint/2010/main">
+    <mc:Choice Requires="p14">
+      <p:transition spd="med" p14:dur="700">
+        <p:fade/>
+      </p:transition>
+    </mc:Choice>
+    <mc:Fallback xmlns="">
+      <p:transition spd="med">
+        <p:fade/>
+      </p:transition>
+    </mc:Fallback>
+  </mc:AlternateContent>
+</p:sld>
+</file>
+
+<file path=ppt/slides/slide42.xml><?xml version="1.0" encoding="utf-8"?>
 <p:sld xmlns:a="http://schemas.openxmlformats.org/drawingml/2006/main" xmlns:r="http://schemas.openxmlformats.org/officeDocument/2006/relationships" xmlns:p="http://schemas.openxmlformats.org/presentationml/2006/main">
   <p:cSld>
     <p:spTree>

--- a/doc/ivyscript reference.pptx
+++ b/doc/ivyscript reference.pptx
@@ -33561,8 +33561,19 @@
                 <a:latin typeface="Courier New" panose="02070309020205020404" pitchFamily="49" charset="0"/>
                 <a:cs typeface="Courier New" panose="02070309020205020404" pitchFamily="49" charset="0"/>
               </a:rPr>
-              <a:t>("achieved_IOPS_tolerance","0.1%")</a:t>
-            </a:r>
+              <a:t>("achieved_IOPS_tolerance</a:t>
+            </a:r>
+            <a:r>
+              <a:rPr lang="en-US" sz="1800">
+                <a:latin typeface="Courier New" panose="02070309020205020404" pitchFamily="49" charset="0"/>
+                <a:cs typeface="Courier New" panose="02070309020205020404" pitchFamily="49" charset="0"/>
+              </a:rPr>
+              <a:t>","0.25%")</a:t>
+            </a:r>
+            <a:endParaRPr lang="en-US" sz="1800" dirty="0">
+              <a:latin typeface="Courier New" panose="02070309020205020404" pitchFamily="49" charset="0"/>
+              <a:cs typeface="Courier New" panose="02070309020205020404" pitchFamily="49" charset="0"/>
+            </a:endParaRPr>
           </a:p>
           <a:p>
             <a:r>
@@ -33677,7 +33688,7 @@
               <a:rPr lang="en-US" sz="1800" dirty="0">
                 <a:cs typeface="Courier New" panose="02070309020205020404" pitchFamily="49" charset="0"/>
               </a:rPr>
-              <a:t>is 0.1%.  This is good for the vast majority of cases.</a:t>
+              <a:t>is 0.25%.  This is good for the vast majority of cases.</a:t>
             </a:r>
           </a:p>
         </p:txBody>
